--- a/5/Phase 5.pptx
+++ b/5/Phase 5.pptx
@@ -3089,113 +3089,32 @@
           <a:chExt cx="0" cy="0"/>
         </a:xfrm>
       </p:grpSpPr>
-      <p:sp>
-        <p:nvSpPr>
-          <p:cNvPr id="115" name="Shape 81"/>
-          <p:cNvSpPr/>
-          <p:nvPr/>
-        </p:nvSpPr>
-        <p:spPr>
-          <a:xfrm>
-            <a:off x="1524000" y="348015"/>
-            <a:ext cx="42367200" cy="4572001"/>
-          </a:xfrm>
-          <a:prstGeom prst="rect">
-            <a:avLst/>
-          </a:prstGeom>
-          <a:solidFill>
-            <a:schemeClr val="accent3">
-              <a:lumOff val="44000"/>
-            </a:schemeClr>
-          </a:solidFill>
-          <a:ln w="12700">
-            <a:miter lim="400000"/>
-          </a:ln>
-        </p:spPr>
-        <p:txBody>
-          <a:bodyPr lIns="45719" rIns="45719" anchor="ctr"/>
-          <a:lstStyle/>
-          <a:p>
-            <a:pPr/>
-          </a:p>
-        </p:txBody>
-      </p:sp>
-      <p:sp>
-        <p:nvSpPr>
-          <p:cNvPr id="116" name="Shape 85"/>
-          <p:cNvSpPr txBox="1"/>
-          <p:nvPr/>
-        </p:nvSpPr>
-        <p:spPr>
-          <a:xfrm>
-            <a:off x="11899275" y="14326076"/>
-            <a:ext cx="9526251" cy="1088073"/>
-          </a:xfrm>
-          <a:prstGeom prst="rect">
-            <a:avLst/>
-          </a:prstGeom>
-          <a:ln w="12700">
-            <a:miter lim="400000"/>
-          </a:ln>
-          <a:extLst>
-            <a:ext uri="{C572A759-6A51-4108-AA02-DFA0A04FC94B}">
-              <ma14:wrappingTextBoxFlag xmlns:ma14="http://schemas.microsoft.com/office/mac/drawingml/2011/main" val="1"/>
-            </a:ext>
-          </a:extLst>
-        </p:spPr>
-        <p:txBody>
-          <a:bodyPr lIns="91399" tIns="91399" rIns="91399" bIns="91399" anchor="ctr">
-            <a:spAutoFit/>
-          </a:bodyPr>
-          <a:lstStyle>
-            <a:lvl1pPr algn="ctr">
-              <a:defRPr b="1" sz="6400">
-                <a:solidFill>
-                  <a:schemeClr val="accent3">
-                    <a:lumOff val="44000"/>
-                  </a:schemeClr>
-                </a:solidFill>
-                <a:latin typeface="Times New Roman"/>
-                <a:ea typeface="Times New Roman"/>
-                <a:cs typeface="Times New Roman"/>
-                <a:sym typeface="Times New Roman"/>
-              </a:defRPr>
-            </a:lvl1pPr>
-          </a:lstStyle>
-          <a:p>
-            <a:pPr/>
-            <a:r>
-              <a:t>MEHODS</a:t>
-            </a:r>
-          </a:p>
-        </p:txBody>
-      </p:sp>
       <p:grpSp>
         <p:nvGrpSpPr>
-          <p:cNvPr id="163" name="Group 48"/>
+          <p:cNvPr id="159" name="Group 48"/>
           <p:cNvGrpSpPr/>
           <p:nvPr/>
         </p:nvGrpSpPr>
         <p:grpSpPr>
           <a:xfrm>
-            <a:off x="-2438400" y="-1596874"/>
-            <a:ext cx="50248404" cy="34515277"/>
+            <a:off x="80183" y="245683"/>
+            <a:ext cx="47208273" cy="32427033"/>
             <a:chOff x="0" y="0"/>
-            <a:chExt cx="50248402" cy="34515276"/>
+            <a:chExt cx="47208271" cy="32427031"/>
           </a:xfrm>
         </p:grpSpPr>
         <p:grpSp>
           <p:nvGrpSpPr>
-            <p:cNvPr id="161" name="Group 49"/>
+            <p:cNvPr id="157" name="Group 49"/>
             <p:cNvGrpSpPr/>
             <p:nvPr/>
           </p:nvGrpSpPr>
           <p:grpSpPr>
             <a:xfrm>
-              <a:off x="-1" y="-1"/>
-              <a:ext cx="50248403" cy="34515277"/>
+              <a:off x="0" y="-1"/>
+              <a:ext cx="47208273" cy="32427033"/>
               <a:chOff x="0" y="0"/>
-              <a:chExt cx="50248401" cy="34515275"/>
+              <a:chExt cx="47208272" cy="32427031"/>
             </a:xfrm>
           </p:grpSpPr>
           <p:grpSp>
@@ -3206,22 +3125,22 @@
             </p:nvGrpSpPr>
             <p:grpSpPr>
               <a:xfrm>
-                <a:off x="2831774" y="9569691"/>
-                <a:ext cx="20326605" cy="15558536"/>
+                <a:off x="2660446" y="8990705"/>
+                <a:ext cx="19096804" cy="14617212"/>
                 <a:chOff x="0" y="0"/>
-                <a:chExt cx="20326604" cy="15558535"/>
+                <a:chExt cx="19096803" cy="14617211"/>
               </a:xfrm>
             </p:grpSpPr>
             <p:sp>
               <p:nvSpPr>
-                <p:cNvPr id="117" name="Rectangle"/>
+                <p:cNvPr id="115" name="Rectangle"/>
                 <p:cNvSpPr/>
                 <p:nvPr/>
               </p:nvSpPr>
               <p:spPr>
                 <a:xfrm>
                   <a:off x="-1" y="0"/>
-                  <a:ext cx="20326606" cy="15558536"/>
+                  <a:ext cx="19096805" cy="14617213"/>
                 </a:xfrm>
                 <a:prstGeom prst="rect">
                   <a:avLst/>
@@ -3265,14 +3184,14 @@
             </p:sp>
             <p:sp>
               <p:nvSpPr>
-                <p:cNvPr id="118" name="It is incredibly advantageous to be able to make accurate predictions regarding the values of specific stocks. Doing so accurately is near impossible, though, due to the sheer number of external factors that simply cannot be accounted for realistically. "/>
+                <p:cNvPr id="116" name="It is incredibly advantageous to be able to make accurate predictions regarding the values of specific stocks. Doing so accurately is near impossible, though, due to the sheer number of external factors that simply cannot be accounted for realistically. "/>
                 <p:cNvSpPr txBox="1"/>
                 <p:nvPr/>
               </p:nvSpPr>
               <p:spPr>
                 <a:xfrm>
-                  <a:off x="50482" y="4762"/>
-                  <a:ext cx="8473907" cy="15240225"/>
+                  <a:off x="47428" y="4474"/>
+                  <a:ext cx="7961218" cy="14318160"/>
                 </a:xfrm>
                 <a:prstGeom prst="rect">
                   <a:avLst/>
@@ -3291,7 +3210,7 @@
               </p:spPr>
               <p:txBody>
                 <a:bodyPr wrap="square" lIns="45719" tIns="45719" rIns="45719" bIns="45719" numCol="1" anchor="t">
-                  <a:spAutoFit/>
+                  <a:noAutofit/>
                 </a:bodyPr>
                 <a:lstStyle/>
                 <a:p>
@@ -6626,82 +6545,393 @@
                 </a:p>
               </p:txBody>
             </p:sp>
+            <p:pic>
+              <p:nvPicPr>
+                <p:cNvPr id="117" name="Z-CbFoE0j9a3opwRha9PVR7CeGjb4e70ZaB65WwsYZn4h-xVStq6agKaIK3cnMO1MNt-44tFtuaGpZ627FKA7XLGZhHP6Q2rvr3aQEOCHz9u6m_DVgjsWDTqfongc1KfYn9GUldxadZvqKnuqC0BTqiq6PCeFJh9KTART-V9xYvUxYcuh58CaozsnsDeVF49.png" descr="Z-CbFoE0j9a3opwRha9PVR7CeGjb4e70ZaB65WwsYZn4h-xVStq6agKaIK3cnMO1MNt-44tFtuaGpZ627FKA7XLGZhHP6Q2rvr3aQEOCHz9u6m_DVgjsWDTqfongc1KfYn9GUldxadZvqKnuqC0BTqiq6PCeFJh9KTART-V9xYvUxYcuh58CaozsnsDeVF49.png"/>
+                <p:cNvPicPr>
+                  <a:picLocks noChangeAspect="1"/>
+                </p:cNvPicPr>
+                <p:nvPr/>
+              </p:nvPicPr>
+              <p:blipFill>
+                <a:blip r:embed="rId2">
+                  <a:extLst/>
+                </a:blip>
+                <a:stretch>
+                  <a:fillRect/>
+                </a:stretch>
+              </p:blipFill>
+              <p:spPr>
+                <a:xfrm>
+                  <a:off x="10215527" y="262365"/>
+                  <a:ext cx="7082288" cy="3302236"/>
+                </a:xfrm>
+                <a:prstGeom prst="rect">
+                  <a:avLst/>
+                </a:prstGeom>
+                <a:ln w="12700" cap="flat">
+                  <a:noFill/>
+                  <a:miter lim="400000"/>
+                </a:ln>
+                <a:effectLst/>
+              </p:spPr>
+            </p:pic>
+            <p:pic>
+              <p:nvPicPr>
+                <p:cNvPr id="118" name="T-cRA369uIc4WmvgPNsg2L8W9a7wPV8m-U6h9MXx_Sqb48P-89d-4za-ln7lF2WTXmWuM8C-zlc0hDByKDrBkJJlkq4bwGTQ115TPdbCKoMa-WmyEmuEuhKDSGYnjFRlOcFkUYjBOD8jMjaRaZ-cqItuMNzEPfZEgEB0bISp09KosBA6tF9OgynMvDuUcpmV.png" descr="T-cRA369uIc4WmvgPNsg2L8W9a7wPV8m-U6h9MXx_Sqb48P-89d-4za-ln7lF2WTXmWuM8C-zlc0hDByKDrBkJJlkq4bwGTQ115TPdbCKoMa-WmyEmuEuhKDSGYnjFRlOcFkUYjBOD8jMjaRaZ-cqItuMNzEPfZEgEB0bISp09KosBA6tF9OgynMvDuUcpmV.png"/>
+                <p:cNvPicPr>
+                  <a:picLocks noChangeAspect="1"/>
+                </p:cNvPicPr>
+                <p:nvPr/>
+              </p:nvPicPr>
+              <p:blipFill>
+                <a:blip r:embed="rId3">
+                  <a:extLst/>
+                </a:blip>
+                <a:srcRect l="0" t="0" r="0" b="0"/>
+                <a:stretch>
+                  <a:fillRect/>
+                </a:stretch>
+              </p:blipFill>
+              <p:spPr>
+                <a:xfrm>
+                  <a:off x="10538610" y="4441652"/>
+                  <a:ext cx="6436027" cy="4292026"/>
+                </a:xfrm>
+                <a:prstGeom prst="rect">
+                  <a:avLst/>
+                </a:prstGeom>
+                <a:ln w="12700" cap="flat">
+                  <a:noFill/>
+                  <a:miter lim="400000"/>
+                </a:ln>
+                <a:effectLst/>
+              </p:spPr>
+            </p:pic>
           </p:grpSp>
+          <p:sp>
+            <p:nvSpPr>
+              <p:cNvPr id="120" name="Text Box 2"/>
+              <p:cNvSpPr/>
+              <p:nvPr/>
+            </p:nvSpPr>
+            <p:spPr>
+              <a:xfrm>
+                <a:off x="22198562" y="9070166"/>
+                <a:ext cx="9468165" cy="16485255"/>
+              </a:xfrm>
+              <a:prstGeom prst="rect">
+                <a:avLst/>
+              </a:prstGeom>
+              <a:solidFill>
+                <a:schemeClr val="accent3">
+                  <a:lumOff val="44000"/>
+                </a:schemeClr>
+              </a:solidFill>
+              <a:ln w="9525" cap="flat">
+                <a:solidFill>
+                  <a:srgbClr val="000000"/>
+                </a:solidFill>
+                <a:prstDash val="dash"/>
+                <a:miter lim="800000"/>
+              </a:ln>
+              <a:effectLst/>
+              <a:extLst>
+                <a:ext uri="{C572A759-6A51-4108-AA02-DFA0A04FC94B}">
+                  <ma14:wrappingTextBoxFlag xmlns:ma14="http://schemas.microsoft.com/office/mac/drawingml/2011/main" val="1"/>
+                </a:ext>
+              </a:extLst>
+            </p:spPr>
+            <p:txBody>
+              <a:bodyPr wrap="square" lIns="45719" tIns="45719" rIns="45719" bIns="45719" numCol="1" anchor="t">
+                <a:noAutofit/>
+              </a:bodyPr>
+              <a:lstStyle>
+                <a:lvl1pPr algn="just">
+                  <a:lnSpc>
+                    <a:spcPct val="115000"/>
+                  </a:lnSpc>
+                  <a:spcBef>
+                    <a:spcPts val="1000"/>
+                  </a:spcBef>
+                  <a:defRPr sz="1600">
+                    <a:latin typeface="Calibri"/>
+                    <a:ea typeface="Calibri"/>
+                    <a:cs typeface="Calibri"/>
+                    <a:sym typeface="Calibri"/>
+                  </a:defRPr>
+                </a:lvl1pPr>
+              </a:lstStyle>
+              <a:p>
+                <a:pPr/>
+                <a14:m>
+                  <m:oMathPara>
+                    <m:oMathParaPr>
+                      <m:jc m:val="left"/>
+                    </m:oMathParaPr>
+                    <m:oMath>
+                      <m:f>
+                        <m:fPr>
+                          <m:ctrlPr>
+                            <a:rPr xmlns:a="http://schemas.openxmlformats.org/drawingml/2006/main" sz="1700" i="1">
+                              <a:solidFill>
+                                <a:srgbClr val="000000"/>
+                              </a:solidFill>
+                              <a:latin typeface="Cambria Math" panose="02040503050406030204" pitchFamily="18" charset="0"/>
+                            </a:rPr>
+                          </m:ctrlPr>
+                          <m:type m:val="bar"/>
+                        </m:fPr>
+                        <m:num>
+                          <m:r>
+                            <m:rPr>
+                              <m:sty m:val="p"/>
+                            </m:rPr>
+                            <a:rPr xmlns:a="http://schemas.openxmlformats.org/drawingml/2006/main" sz="1700" i="1">
+                              <a:solidFill>
+                                <a:srgbClr val="000000"/>
+                              </a:solidFill>
+                              <a:latin typeface="Cambria Math" panose="02040503050406030204" pitchFamily="18" charset="0"/>
+                            </a:rPr>
+                            <m:t>d</m:t>
+                          </m:r>
+                          <m:sSub>
+                            <m:e>
+                              <m:r>
+                                <a:rPr xmlns:a="http://schemas.openxmlformats.org/drawingml/2006/main" sz="1700" i="1">
+                                  <a:solidFill>
+                                    <a:srgbClr val="000000"/>
+                                  </a:solidFill>
+                                  <a:latin typeface="Cambria Math" panose="02040503050406030204" pitchFamily="18" charset="0"/>
+                                </a:rPr>
+                                <m:t>S</m:t>
+                              </m:r>
+                            </m:e>
+                            <m:sub>
+                              <m:r>
+                                <a:rPr xmlns:a="http://schemas.openxmlformats.org/drawingml/2006/main" sz="1700" i="1">
+                                  <a:solidFill>
+                                    <a:srgbClr val="000000"/>
+                                  </a:solidFill>
+                                  <a:latin typeface="Cambria Math" panose="02040503050406030204" pitchFamily="18" charset="0"/>
+                                </a:rPr>
+                                <m:t>t</m:t>
+                              </m:r>
+                            </m:sub>
+                          </m:sSub>
+                        </m:num>
+                        <m:den>
+                          <m:r>
+                            <m:rPr>
+                              <m:sty m:val="p"/>
+                            </m:rPr>
+                            <a:rPr xmlns:a="http://schemas.openxmlformats.org/drawingml/2006/main" sz="1700" i="1">
+                              <a:solidFill>
+                                <a:srgbClr val="000000"/>
+                              </a:solidFill>
+                              <a:latin typeface="Cambria Math" panose="02040503050406030204" pitchFamily="18" charset="0"/>
+                            </a:rPr>
+                            <m:t>d</m:t>
+                          </m:r>
+                          <m:r>
+                            <a:rPr xmlns:a="http://schemas.openxmlformats.org/drawingml/2006/main" sz="1700" i="1">
+                              <a:solidFill>
+                                <a:srgbClr val="000000"/>
+                              </a:solidFill>
+                              <a:latin typeface="Cambria Math" panose="02040503050406030204" pitchFamily="18" charset="0"/>
+                            </a:rPr>
+                            <m:t>t</m:t>
+                          </m:r>
+                        </m:den>
+                      </m:f>
+                      <m:r>
+                        <a:rPr xmlns:a="http://schemas.openxmlformats.org/drawingml/2006/main" sz="1700" i="1">
+                          <a:solidFill>
+                            <a:srgbClr val="000000"/>
+                          </a:solidFill>
+                          <a:latin typeface="Cambria Math" panose="02040503050406030204" pitchFamily="18" charset="0"/>
+                        </a:rPr>
+                        <m:t>=</m:t>
+                      </m:r>
+                      <m:r>
+                        <a:rPr xmlns:a="http://schemas.openxmlformats.org/drawingml/2006/main" sz="1700" i="1">
+                          <a:solidFill>
+                            <a:srgbClr val="000000"/>
+                          </a:solidFill>
+                          <a:latin typeface="Cambria Math" panose="02040503050406030204" pitchFamily="18" charset="0"/>
+                        </a:rPr>
+                        <m:t>0.00064</m:t>
+                      </m:r>
+                      <m:sSub>
+                        <m:e>
+                          <m:r>
+                            <a:rPr xmlns:a="http://schemas.openxmlformats.org/drawingml/2006/main" sz="1700" i="1">
+                              <a:solidFill>
+                                <a:srgbClr val="000000"/>
+                              </a:solidFill>
+                              <a:latin typeface="Cambria Math" panose="02040503050406030204" pitchFamily="18" charset="0"/>
+                            </a:rPr>
+                            <m:t>S</m:t>
+                          </m:r>
+                        </m:e>
+                        <m:sub>
+                          <m:r>
+                            <a:rPr xmlns:a="http://schemas.openxmlformats.org/drawingml/2006/main" sz="1700" i="1">
+                              <a:solidFill>
+                                <a:srgbClr val="000000"/>
+                              </a:solidFill>
+                              <a:latin typeface="Cambria Math" panose="02040503050406030204" pitchFamily="18" charset="0"/>
+                            </a:rPr>
+                            <m:t>t</m:t>
+                          </m:r>
+                        </m:sub>
+                      </m:sSub>
+                      <m:r>
+                        <a:rPr xmlns:a="http://schemas.openxmlformats.org/drawingml/2006/main" sz="1700" i="1">
+                          <a:solidFill>
+                            <a:srgbClr val="000000"/>
+                          </a:solidFill>
+                          <a:latin typeface="Cambria Math" panose="02040503050406030204" pitchFamily="18" charset="0"/>
+                        </a:rPr>
+                        <m:t>+</m:t>
+                      </m:r>
+                      <m:r>
+                        <a:rPr xmlns:a="http://schemas.openxmlformats.org/drawingml/2006/main" sz="1700" i="1">
+                          <a:solidFill>
+                            <a:srgbClr val="000000"/>
+                          </a:solidFill>
+                          <a:latin typeface="Cambria Math" panose="02040503050406030204" pitchFamily="18" charset="0"/>
+                        </a:rPr>
+                        <m:t>4.356</m:t>
+                      </m:r>
+                      <m:sSub>
+                        <m:e>
+                          <m:r>
+                            <a:rPr xmlns:a="http://schemas.openxmlformats.org/drawingml/2006/main" sz="1700" i="1">
+                              <a:solidFill>
+                                <a:srgbClr val="000000"/>
+                              </a:solidFill>
+                              <a:latin typeface="Cambria Math" panose="02040503050406030204" pitchFamily="18" charset="0"/>
+                            </a:rPr>
+                            <m:t>S</m:t>
+                          </m:r>
+                        </m:e>
+                        <m:sub>
+                          <m:r>
+                            <a:rPr xmlns:a="http://schemas.openxmlformats.org/drawingml/2006/main" sz="1700" i="1">
+                              <a:solidFill>
+                                <a:srgbClr val="000000"/>
+                              </a:solidFill>
+                              <a:latin typeface="Cambria Math" panose="02040503050406030204" pitchFamily="18" charset="0"/>
+                            </a:rPr>
+                            <m:t>t</m:t>
+                          </m:r>
+                        </m:sub>
+                      </m:sSub>
+                      <m:f>
+                        <m:fPr>
+                          <m:ctrlPr>
+                            <a:rPr xmlns:a="http://schemas.openxmlformats.org/drawingml/2006/main" sz="1700" i="1">
+                              <a:solidFill>
+                                <a:srgbClr val="000000"/>
+                              </a:solidFill>
+                              <a:latin typeface="Cambria Math" panose="02040503050406030204" pitchFamily="18" charset="0"/>
+                            </a:rPr>
+                          </m:ctrlPr>
+                          <m:type m:val="bar"/>
+                        </m:fPr>
+                        <m:num>
+                          <m:r>
+                            <m:rPr>
+                              <m:sty m:val="p"/>
+                            </m:rPr>
+                            <a:rPr xmlns:a="http://schemas.openxmlformats.org/drawingml/2006/main" sz="1700" i="1">
+                              <a:solidFill>
+                                <a:srgbClr val="000000"/>
+                              </a:solidFill>
+                              <a:latin typeface="Cambria Math" panose="02040503050406030204" pitchFamily="18" charset="0"/>
+                            </a:rPr>
+                            <m:t>d</m:t>
+                          </m:r>
+                          <m:sSub>
+                            <m:e>
+                              <m:r>
+                                <a:rPr xmlns:a="http://schemas.openxmlformats.org/drawingml/2006/main" sz="1700" i="1">
+                                  <a:solidFill>
+                                    <a:srgbClr val="000000"/>
+                                  </a:solidFill>
+                                  <a:latin typeface="Cambria Math" panose="02040503050406030204" pitchFamily="18" charset="0"/>
+                                </a:rPr>
+                                <m:t>W</m:t>
+                              </m:r>
+                            </m:e>
+                            <m:sub>
+                              <m:r>
+                                <a:rPr xmlns:a="http://schemas.openxmlformats.org/drawingml/2006/main" sz="1700" i="1">
+                                  <a:solidFill>
+                                    <a:srgbClr val="000000"/>
+                                  </a:solidFill>
+                                  <a:latin typeface="Cambria Math" panose="02040503050406030204" pitchFamily="18" charset="0"/>
+                                </a:rPr>
+                                <m:t>t</m:t>
+                              </m:r>
+                            </m:sub>
+                          </m:sSub>
+                        </m:num>
+                        <m:den>
+                          <m:r>
+                            <m:rPr>
+                              <m:sty m:val="p"/>
+                            </m:rPr>
+                            <a:rPr xmlns:a="http://schemas.openxmlformats.org/drawingml/2006/main" sz="1700" i="1">
+                              <a:solidFill>
+                                <a:srgbClr val="000000"/>
+                              </a:solidFill>
+                              <a:latin typeface="Cambria Math" panose="02040503050406030204" pitchFamily="18" charset="0"/>
+                            </a:rPr>
+                            <m:t>d</m:t>
+                          </m:r>
+                          <m:r>
+                            <a:rPr xmlns:a="http://schemas.openxmlformats.org/drawingml/2006/main" sz="1700" i="1">
+                              <a:solidFill>
+                                <a:srgbClr val="000000"/>
+                              </a:solidFill>
+                              <a:latin typeface="Cambria Math" panose="02040503050406030204" pitchFamily="18" charset="0"/>
+                            </a:rPr>
+                            <m:t>t</m:t>
+                          </m:r>
+                        </m:den>
+                      </m:f>
+                    </m:oMath>
+                  </m:oMathPara>
+                </a14:m>
+              </a:p>
+            </p:txBody>
+          </p:sp>
           <p:grpSp>
             <p:nvGrpSpPr>
-              <p:cNvPr id="122" name="Text Box 2"/>
+              <p:cNvPr id="124" name="Text Box 2"/>
               <p:cNvGrpSpPr/>
               <p:nvPr/>
             </p:nvGrpSpPr>
             <p:grpSpPr>
               <a:xfrm>
-                <a:off x="23627659" y="29572616"/>
-                <a:ext cx="22316166" cy="4398173"/>
+                <a:off x="32235096" y="10497882"/>
+                <a:ext cx="10536834" cy="21454943"/>
                 <a:chOff x="0" y="0"/>
-                <a:chExt cx="22316164" cy="4398172"/>
+                <a:chExt cx="10536832" cy="21454941"/>
               </a:xfrm>
             </p:grpSpPr>
             <p:sp>
               <p:nvSpPr>
-                <p:cNvPr id="120" name="Rectangle"/>
-                <p:cNvSpPr/>
-                <p:nvPr/>
-              </p:nvSpPr>
-              <p:spPr>
-                <a:xfrm>
-                  <a:off x="-1" y="-1"/>
-                  <a:ext cx="22316166" cy="4398174"/>
-                </a:xfrm>
-                <a:prstGeom prst="rect">
-                  <a:avLst/>
-                </a:prstGeom>
-                <a:solidFill>
-                  <a:schemeClr val="accent3">
-                    <a:lumOff val="44000"/>
-                  </a:schemeClr>
-                </a:solidFill>
-                <a:ln w="9525" cap="flat">
-                  <a:solidFill>
-                    <a:srgbClr val="000000"/>
-                  </a:solidFill>
-                  <a:prstDash val="dash"/>
-                  <a:miter lim="800000"/>
-                </a:ln>
-                <a:effectLst/>
-              </p:spPr>
-              <p:txBody>
-                <a:bodyPr wrap="square" lIns="45719" tIns="45719" rIns="45719" bIns="45719" numCol="1" anchor="t">
-                  <a:noAutofit/>
-                </a:bodyPr>
-                <a:lstStyle/>
-                <a:p>
-                  <a:pPr algn="ctr">
-                    <a:lnSpc>
-                      <a:spcPct val="115000"/>
-                    </a:lnSpc>
-                    <a:spcBef>
-                      <a:spcPts val="1000"/>
-                    </a:spcBef>
-                    <a:defRPr sz="7200">
-                      <a:latin typeface="Calibri"/>
-                      <a:ea typeface="Calibri"/>
-                      <a:cs typeface="Calibri"/>
-                      <a:sym typeface="Calibri"/>
-                    </a:defRPr>
-                  </a:pPr>
-                </a:p>
-              </p:txBody>
-            </p:sp>
-            <p:sp>
-              <p:nvSpPr>
-                <p:cNvPr id="121" name="Phase 6…"/>
+                <p:cNvPr id="121" name="Itô’s Lemma and Separation of Variables…"/>
                 <p:cNvSpPr txBox="1"/>
                 <p:nvPr/>
               </p:nvSpPr>
               <p:spPr>
                 <a:xfrm>
-                  <a:off x="50482" y="4762"/>
-                  <a:ext cx="22215201" cy="3830222"/>
+                  <a:off x="0" y="0"/>
+                  <a:ext cx="5125740" cy="21454942"/>
                 </a:xfrm>
                 <a:prstGeom prst="rect">
                   <a:avLst/>
@@ -6720,18 +6950,15 @@
               </p:spPr>
               <p:txBody>
                 <a:bodyPr wrap="square" lIns="45719" tIns="45719" rIns="45719" bIns="45719" numCol="1" anchor="t">
-                  <a:spAutoFit/>
+                  <a:noAutofit/>
                 </a:bodyPr>
                 <a:lstStyle/>
                 <a:p>
-                  <a:pPr algn="ctr">
-                    <a:lnSpc>
-                      <a:spcPct val="115000"/>
-                    </a:lnSpc>
+                  <a:pPr algn="just">
                     <a:spcBef>
                       <a:spcPts val="1000"/>
                     </a:spcBef>
-                    <a:defRPr sz="7200">
+                    <a:defRPr b="1" sz="1600">
                       <a:latin typeface="Calibri"/>
                       <a:ea typeface="Calibri"/>
                       <a:cs typeface="Calibri"/>
@@ -6739,217 +6966,11 @@
                     </a:defRPr>
                   </a:pPr>
                   <a:r>
-                    <a:t>Phase 6</a:t>
+                    <a:t>Itô’s Lemma and Separation of Variables</a:t>
                   </a:r>
                 </a:p>
                 <a:p>
-                  <a:pPr algn="ctr">
-                    <a:lnSpc>
-                      <a:spcPct val="115000"/>
-                    </a:lnSpc>
-                    <a:spcBef>
-                      <a:spcPts val="1000"/>
-                    </a:spcBef>
-                    <a:defRPr sz="4400">
-                      <a:latin typeface="Calibri"/>
-                      <a:ea typeface="Calibri"/>
-                      <a:cs typeface="Calibri"/>
-                      <a:sym typeface="Calibri"/>
-                    </a:defRPr>
-                  </a:pPr>
-                  <a:r>
-                    <a:t>Text to be 16 point font</a:t>
-                  </a:r>
-                </a:p>
-                <a:p>
-                  <a:pPr algn="ctr">
-                    <a:lnSpc>
-                      <a:spcPct val="115000"/>
-                    </a:lnSpc>
-                    <a:spcBef>
-                      <a:spcPts val="1000"/>
-                    </a:spcBef>
-                    <a:defRPr sz="4400">
-                      <a:latin typeface="Calibri"/>
-                      <a:ea typeface="Calibri"/>
-                      <a:cs typeface="Calibri"/>
-                      <a:sym typeface="Calibri"/>
-                    </a:defRPr>
-                  </a:pPr>
-                </a:p>
-              </p:txBody>
-            </p:sp>
-          </p:grpSp>
-          <p:sp>
-            <p:nvSpPr>
-              <p:cNvPr id="123" name="Text Box 2"/>
-              <p:cNvSpPr/>
-              <p:nvPr/>
-            </p:nvSpPr>
-            <p:spPr>
-              <a:xfrm>
-                <a:off x="23628111" y="9654270"/>
-                <a:ext cx="10077898" cy="17546877"/>
-              </a:xfrm>
-              <a:prstGeom prst="rect">
-                <a:avLst/>
-              </a:prstGeom>
-              <a:solidFill>
-                <a:schemeClr val="accent3">
-                  <a:lumOff val="44000"/>
-                </a:schemeClr>
-              </a:solidFill>
-              <a:ln w="9525" cap="flat">
-                <a:solidFill>
-                  <a:srgbClr val="000000"/>
-                </a:solidFill>
-                <a:prstDash val="dash"/>
-                <a:miter lim="800000"/>
-              </a:ln>
-              <a:effectLst/>
-            </p:spPr>
-            <p:txBody>
-              <a:bodyPr wrap="square" lIns="45719" tIns="45719" rIns="45719" bIns="45719" numCol="1" anchor="t">
-                <a:noAutofit/>
-              </a:bodyPr>
-              <a:lstStyle/>
-              <a:p>
-                <a:pPr algn="just">
-                  <a:lnSpc>
-                    <a:spcPct val="115000"/>
-                  </a:lnSpc>
-                  <a:spcBef>
-                    <a:spcPts val="1000"/>
-                  </a:spcBef>
-                  <a:defRPr sz="1600">
-                    <a:latin typeface="Calibri"/>
-                    <a:ea typeface="Calibri"/>
-                    <a:cs typeface="Calibri"/>
-                    <a:sym typeface="Calibri"/>
-                  </a:defRPr>
-                </a:pPr>
-              </a:p>
-            </p:txBody>
-          </p:sp>
-          <p:grpSp>
-            <p:nvGrpSpPr>
-              <p:cNvPr id="129" name="Text Box 2"/>
-              <p:cNvGrpSpPr/>
-              <p:nvPr/>
-            </p:nvGrpSpPr>
-            <p:grpSpPr>
-              <a:xfrm>
-                <a:off x="34310980" y="11173928"/>
-                <a:ext cx="11215387" cy="16181245"/>
-                <a:chOff x="825318" y="0"/>
-                <a:chExt cx="11215386" cy="16181243"/>
-              </a:xfrm>
-            </p:grpSpPr>
-            <p:pic>
-              <p:nvPicPr>
-                <p:cNvPr id="124" name="matlab.png" descr="matlab.png"/>
-                <p:cNvPicPr>
-                  <a:picLocks noChangeAspect="1"/>
-                </p:cNvPicPr>
-                <p:nvPr/>
-              </p:nvPicPr>
-              <p:blipFill>
-                <a:blip r:embed="rId2">
-                  <a:extLst/>
-                </a:blip>
-                <a:srcRect l="0" t="0" r="0" b="0"/>
-                <a:stretch>
-                  <a:fillRect/>
-                </a:stretch>
-              </p:blipFill>
-              <p:spPr>
-                <a:xfrm>
-                  <a:off x="6709452" y="12924804"/>
-                  <a:ext cx="2503902" cy="3256440"/>
-                </a:xfrm>
-                <a:prstGeom prst="rect">
-                  <a:avLst/>
-                </a:prstGeom>
-                <a:ln w="9525" cap="flat">
-                  <a:solidFill>
-                    <a:srgbClr val="000000"/>
-                  </a:solidFill>
-                  <a:prstDash val="dash"/>
-                  <a:miter lim="800000"/>
-                </a:ln>
-                <a:effectLst/>
-              </p:spPr>
-            </p:pic>
-            <p:sp>
-              <p:nvSpPr>
-                <p:cNvPr id="125" name="A stock’s price   (in USD) can be predicted with respect to time   (in days from the starting time) using a growth function; that is, by relating the rate at which the stock price is changing to the current stock price as a proportion:…"/>
-                <p:cNvSpPr/>
-                <p:nvPr/>
-              </p:nvSpPr>
-              <p:spPr>
-                <a:xfrm>
-                  <a:off x="825318" y="0"/>
-                  <a:ext cx="5455829" cy="0"/>
-                </a:xfrm>
-                <a:custGeom>
-                  <a:avLst/>
-                  <a:gdLst/>
-                  <a:ahLst/>
-                  <a:cxnLst>
-                    <a:cxn ang="0">
-                      <a:pos x="wd2" y="hd2"/>
-                    </a:cxn>
-                    <a:cxn ang="5400000">
-                      <a:pos x="wd2" y="hd2"/>
-                    </a:cxn>
-                    <a:cxn ang="10800000">
-                      <a:pos x="wd2" y="hd2"/>
-                    </a:cxn>
-                    <a:cxn ang="16200000">
-                      <a:pos x="wd2" y="hd2"/>
-                    </a:cxn>
-                  </a:cxnLst>
-                  <a:rect l="0" t="0" r="r" b="b"/>
-                  <a:pathLst>
-                    <a:path w="21600" h="0" fill="norm" stroke="1" extrusionOk="0">
-                      <a:moveTo>
-                        <a:pt x="0" y="0"/>
-                      </a:moveTo>
-                      <a:lnTo>
-                        <a:pt x="21600" y="0"/>
-                      </a:lnTo>
-                      <a:lnTo>
-                        <a:pt x="21600" y="0"/>
-                      </a:lnTo>
-                      <a:lnTo>
-                        <a:pt x="0" y="0"/>
-                      </a:lnTo>
-                      <a:close/>
-                    </a:path>
-                  </a:pathLst>
-                </a:custGeom>
-                <a:noFill/>
-                <a:ln w="12700" cap="flat">
-                  <a:noFill/>
-                  <a:miter lim="400000"/>
-                </a:ln>
-                <a:effectLst/>
-                <a:extLst>
-                  <a:ext uri="{C572A759-6A51-4108-AA02-DFA0A04FC94B}">
-                    <ma14:wrappingTextBoxFlag xmlns:ma14="http://schemas.microsoft.com/office/mac/drawingml/2011/main" val="1"/>
-                  </a:ext>
-                </a:extLst>
-              </p:spPr>
-              <p:txBody>
-                <a:bodyPr wrap="square" lIns="45719" tIns="45719" rIns="45719" bIns="45719" numCol="1" anchor="t">
-                  <a:spAutoFit/>
-                </a:bodyPr>
-                <a:lstStyle/>
-                <a:p>
                   <a:pPr algn="just">
-                    <a:lnSpc>
-                      <a:spcPct val="115000"/>
-                    </a:lnSpc>
                     <a:spcBef>
                       <a:spcPts val="1000"/>
                     </a:spcBef>
@@ -7013,9 +7034,6 @@
                 </a:p>
                 <a:p>
                   <a:pPr algn="ctr">
-                    <a:lnSpc>
-                      <a:spcPct val="115000"/>
-                    </a:lnSpc>
                     <a:spcBef>
                       <a:spcPts val="1000"/>
                     </a:spcBef>
@@ -7145,9 +7163,6 @@
                 </a:p>
                 <a:p>
                   <a:pPr algn="just">
-                    <a:lnSpc>
-                      <a:spcPct val="115000"/>
-                    </a:lnSpc>
                     <a:spcBef>
                       <a:spcPts val="1000"/>
                     </a:spcBef>
@@ -7180,9 +7195,6 @@
                 </a:p>
                 <a:p>
                   <a:pPr lvl="5" algn="ctr">
-                    <a:lnSpc>
-                      <a:spcPct val="115000"/>
-                    </a:lnSpc>
                     <a:spcBef>
                       <a:spcPts val="1000"/>
                     </a:spcBef>
@@ -7446,9 +7458,6 @@
                 </a:p>
                 <a:p>
                   <a:pPr lvl="5">
-                    <a:lnSpc>
-                      <a:spcPct val="115000"/>
-                    </a:lnSpc>
                     <a:spcBef>
                       <a:spcPts val="1000"/>
                     </a:spcBef>
@@ -7496,9 +7505,6 @@
                 </a:p>
                 <a:p>
                   <a:pPr lvl="5" algn="ctr">
-                    <a:lnSpc>
-                      <a:spcPct val="115000"/>
-                    </a:lnSpc>
                     <a:spcBef>
                       <a:spcPts val="1000"/>
                     </a:spcBef>
@@ -7640,9 +7646,6 @@
                 </a:p>
                 <a:p>
                   <a:pPr lvl="5">
-                    <a:lnSpc>
-                      <a:spcPct val="115000"/>
-                    </a:lnSpc>
                     <a:spcBef>
                       <a:spcPts val="1000"/>
                     </a:spcBef>
@@ -7675,9 +7678,6 @@
                 </a:p>
                 <a:p>
                   <a:pPr lvl="5" algn="ctr">
-                    <a:lnSpc>
-                      <a:spcPct val="115000"/>
-                    </a:lnSpc>
                     <a:spcBef>
                       <a:spcPts val="1000"/>
                     </a:spcBef>
@@ -8222,9 +8222,6 @@
                 </a:p>
                 <a:p>
                   <a:pPr algn="just">
-                    <a:lnSpc>
-                      <a:spcPct val="115000"/>
-                    </a:lnSpc>
                     <a:spcBef>
                       <a:spcPts val="1000"/>
                     </a:spcBef>
@@ -8241,9 +8238,6 @@
                 </a:p>
                 <a:p>
                   <a:pPr algn="ctr">
-                    <a:lnSpc>
-                      <a:spcPct val="115000"/>
-                    </a:lnSpc>
                     <a:spcBef>
                       <a:spcPts val="1000"/>
                     </a:spcBef>
@@ -8441,9 +8435,6 @@
                 </a:p>
                 <a:p>
                   <a:pPr algn="just">
-                    <a:lnSpc>
-                      <a:spcPct val="115000"/>
-                    </a:lnSpc>
                     <a:spcBef>
                       <a:spcPts val="1000"/>
                     </a:spcBef>
@@ -8570,9 +8561,6 @@
                 </a:p>
                 <a:p>
                   <a:pPr algn="just">
-                    <a:lnSpc>
-                      <a:spcPct val="115000"/>
-                    </a:lnSpc>
                     <a:spcBef>
                       <a:spcPts val="1000"/>
                     </a:spcBef>
@@ -8589,9 +8577,6 @@
                 </a:p>
                 <a:p>
                   <a:pPr algn="ctr">
-                    <a:lnSpc>
-                      <a:spcPct val="115000"/>
-                    </a:lnSpc>
                     <a:spcBef>
                       <a:spcPts val="1000"/>
                     </a:spcBef>
@@ -8758,9 +8743,6 @@
                 </a:p>
                 <a:p>
                   <a:pPr algn="just">
-                    <a:lnSpc>
-                      <a:spcPct val="115000"/>
-                    </a:lnSpc>
                     <a:spcBef>
                       <a:spcPts val="1000"/>
                     </a:spcBef>
@@ -9048,9 +9030,6 @@
                 </a:p>
                 <a:p>
                   <a:pPr algn="ctr">
-                    <a:lnSpc>
-                      <a:spcPct val="115000"/>
-                    </a:lnSpc>
                     <a:spcBef>
                       <a:spcPts val="1000"/>
                     </a:spcBef>
@@ -9293,39 +9272,21 @@
                           </a:rPr>
                           <m:t>+</m:t>
                         </m:r>
-                        <m:sSub>
-                          <m:e>
-                            <m:r>
-                              <a:rPr xmlns:a="http://schemas.openxmlformats.org/drawingml/2006/main" sz="1700" i="1">
-                                <a:solidFill>
-                                  <a:srgbClr val="000000"/>
-                                </a:solidFill>
-                                <a:latin typeface="Cambria Math" panose="02040503050406030204" pitchFamily="18" charset="0"/>
-                              </a:rPr>
-                              <m:t>S</m:t>
-                            </m:r>
-                          </m:e>
-                          <m:sub>
-                            <m:r>
-                              <a:rPr xmlns:a="http://schemas.openxmlformats.org/drawingml/2006/main" sz="1700" i="1">
-                                <a:solidFill>
-                                  <a:srgbClr val="000000"/>
-                                </a:solidFill>
-                                <a:latin typeface="Cambria Math" panose="02040503050406030204" pitchFamily="18" charset="0"/>
-                              </a:rPr>
-                              <m:t>0</m:t>
-                            </m:r>
-                          </m:sub>
-                        </m:sSub>
+                        <m:r>
+                          <a:rPr xmlns:a="http://schemas.openxmlformats.org/drawingml/2006/main" sz="1700" i="1">
+                            <a:solidFill>
+                              <a:srgbClr val="000000"/>
+                            </a:solidFill>
+                            <a:latin typeface="Cambria Math" panose="02040503050406030204" pitchFamily="18" charset="0"/>
+                          </a:rPr>
+                          <m:t>C</m:t>
+                        </m:r>
                       </m:oMath>
                     </m:oMathPara>
                   </a14:m>
                 </a:p>
                 <a:p>
                   <a:pPr>
-                    <a:lnSpc>
-                      <a:spcPct val="115000"/>
-                    </a:lnSpc>
                     <a:spcBef>
                       <a:spcPts val="1000"/>
                     </a:spcBef>
@@ -9341,30 +9302,15 @@
                   </a:r>
                   <a14:m>
                     <m:oMath>
-                      <m:sSub>
-                        <m:e>
-                          <m:r>
-                            <a:rPr xmlns:a="http://schemas.openxmlformats.org/drawingml/2006/main" sz="1800" i="1">
-                              <a:solidFill>
-                                <a:srgbClr val="000000"/>
-                              </a:solidFill>
-                              <a:latin typeface="Cambria Math" panose="02040503050406030204" pitchFamily="18" charset="0"/>
-                            </a:rPr>
-                            <m:t>S</m:t>
-                          </m:r>
-                        </m:e>
-                        <m:sub>
-                          <m:r>
-                            <a:rPr xmlns:a="http://schemas.openxmlformats.org/drawingml/2006/main" sz="1800" i="1">
-                              <a:solidFill>
-                                <a:srgbClr val="000000"/>
-                              </a:solidFill>
-                              <a:latin typeface="Cambria Math" panose="02040503050406030204" pitchFamily="18" charset="0"/>
-                            </a:rPr>
-                            <m:t>0</m:t>
-                          </m:r>
-                        </m:sub>
-                      </m:sSub>
+                      <m:r>
+                        <a:rPr xmlns:a="http://schemas.openxmlformats.org/drawingml/2006/main" sz="1850" i="1">
+                          <a:solidFill>
+                            <a:srgbClr val="000000"/>
+                          </a:solidFill>
+                          <a:latin typeface="Cambria Math" panose="02040503050406030204" pitchFamily="18" charset="0"/>
+                        </a:rPr>
+                        <m:t>C</m:t>
+                      </m:r>
                     </m:oMath>
                   </a14:m>
                   <a:r>
@@ -9373,9 +9319,6 @@
                 </a:p>
                 <a:p>
                   <a:pPr>
-                    <a:lnSpc>
-                      <a:spcPct val="115000"/>
-                    </a:lnSpc>
                     <a:spcBef>
                       <a:spcPts val="1000"/>
                     </a:spcBef>
@@ -9421,78 +9364,8 @@
                     <a:t> is evidently an example of one.</a:t>
                   </a:r>
                 </a:p>
-              </p:txBody>
-            </p:sp>
-            <p:sp>
-              <p:nvSpPr>
-                <p:cNvPr id="126" name="The Taylor expansion of a twice-differentiable scalar function   is…"/>
-                <p:cNvSpPr/>
-                <p:nvPr/>
-              </p:nvSpPr>
-              <p:spPr>
-                <a:xfrm>
-                  <a:off x="6584876" y="0"/>
-                  <a:ext cx="5455830" cy="1"/>
-                </a:xfrm>
-                <a:custGeom>
-                  <a:avLst/>
-                  <a:gdLst/>
-                  <a:ahLst/>
-                  <a:cxnLst>
-                    <a:cxn ang="0">
-                      <a:pos x="wd2" y="hd2"/>
-                    </a:cxn>
-                    <a:cxn ang="5400000">
-                      <a:pos x="wd2" y="hd2"/>
-                    </a:cxn>
-                    <a:cxn ang="10800000">
-                      <a:pos x="wd2" y="hd2"/>
-                    </a:cxn>
-                    <a:cxn ang="16200000">
-                      <a:pos x="wd2" y="hd2"/>
-                    </a:cxn>
-                  </a:cxnLst>
-                  <a:rect l="0" t="0" r="r" b="b"/>
-                  <a:pathLst>
-                    <a:path w="21600" h="0" fill="norm" stroke="1" extrusionOk="0">
-                      <a:moveTo>
-                        <a:pt x="0" y="0"/>
-                      </a:moveTo>
-                      <a:lnTo>
-                        <a:pt x="21600" y="0"/>
-                      </a:lnTo>
-                      <a:lnTo>
-                        <a:pt x="21600" y="0"/>
-                      </a:lnTo>
-                      <a:lnTo>
-                        <a:pt x="0" y="0"/>
-                      </a:lnTo>
-                      <a:close/>
-                    </a:path>
-                  </a:pathLst>
-                </a:custGeom>
-                <a:noFill/>
-                <a:ln w="12700" cap="flat">
-                  <a:noFill/>
-                  <a:miter lim="400000"/>
-                </a:ln>
-                <a:effectLst/>
-                <a:extLst>
-                  <a:ext uri="{C572A759-6A51-4108-AA02-DFA0A04FC94B}">
-                    <ma14:wrappingTextBoxFlag xmlns:ma14="http://schemas.microsoft.com/office/mac/drawingml/2011/main" val="1"/>
-                  </a:ext>
-                </a:extLst>
-              </p:spPr>
-              <p:txBody>
-                <a:bodyPr wrap="square" lIns="45719" tIns="45719" rIns="45719" bIns="45719" numCol="1" anchor="t">
-                  <a:spAutoFit/>
-                </a:bodyPr>
-                <a:lstStyle/>
                 <a:p>
                   <a:pPr>
-                    <a:lnSpc>
-                      <a:spcPct val="115000"/>
-                    </a:lnSpc>
                     <a:spcBef>
                       <a:spcPts val="1000"/>
                     </a:spcBef>
@@ -9570,9 +9443,6 @@
                 </a:p>
                 <a:p>
                   <a:pPr algn="ctr">
-                    <a:lnSpc>
-                      <a:spcPct val="115000"/>
-                    </a:lnSpc>
                     <a:spcBef>
                       <a:spcPts val="1000"/>
                     </a:spcBef>
@@ -9981,9 +9851,6 @@
                 </a:p>
                 <a:p>
                   <a:pPr>
-                    <a:lnSpc>
-                      <a:spcPct val="115000"/>
-                    </a:lnSpc>
                     <a:spcBef>
                       <a:spcPts val="1000"/>
                     </a:spcBef>
@@ -10075,9 +9942,6 @@
                 </a:p>
                 <a:p>
                   <a:pPr algn="ctr">
-                    <a:lnSpc>
-                      <a:spcPct val="115000"/>
-                    </a:lnSpc>
                     <a:spcBef>
                       <a:spcPts val="1000"/>
                     </a:spcBef>
@@ -10098,7 +9962,7 @@
                           <m:rPr>
                             <m:sty m:val="p"/>
                           </m:rPr>
-                          <a:rPr xmlns:a="http://schemas.openxmlformats.org/drawingml/2006/main" sz="1450" i="1">
+                          <a:rPr xmlns:a="http://schemas.openxmlformats.org/drawingml/2006/main" sz="1350" i="1">
                             <a:solidFill>
                               <a:srgbClr val="000000"/>
                             </a:solidFill>
@@ -10107,7 +9971,7 @@
                           <m:t>d</m:t>
                         </m:r>
                         <m:r>
-                          <a:rPr xmlns:a="http://schemas.openxmlformats.org/drawingml/2006/main" sz="1450" i="1">
+                          <a:rPr xmlns:a="http://schemas.openxmlformats.org/drawingml/2006/main" sz="1350" i="1">
                             <a:solidFill>
                               <a:srgbClr val="000000"/>
                             </a:solidFill>
@@ -10116,7 +9980,7 @@
                           <m:t>f</m:t>
                         </m:r>
                         <m:r>
-                          <a:rPr xmlns:a="http://schemas.openxmlformats.org/drawingml/2006/main" sz="1450" i="1">
+                          <a:rPr xmlns:a="http://schemas.openxmlformats.org/drawingml/2006/main" sz="1350" i="1">
                             <a:solidFill>
                               <a:srgbClr val="000000"/>
                             </a:solidFill>
@@ -10127,7 +9991,7 @@
                         <m:f>
                           <m:fPr>
                             <m:ctrlPr>
-                              <a:rPr xmlns:a="http://schemas.openxmlformats.org/drawingml/2006/main" sz="1450" i="1">
+                              <a:rPr xmlns:a="http://schemas.openxmlformats.org/drawingml/2006/main" sz="1350" i="1">
                                 <a:solidFill>
                                   <a:srgbClr val="000000"/>
                                 </a:solidFill>
@@ -10141,7 +10005,7 @@
                               <m:rPr>
                                 <m:sty m:val="p"/>
                               </m:rPr>
-                              <a:rPr xmlns:a="http://schemas.openxmlformats.org/drawingml/2006/main" sz="1450" i="1">
+                              <a:rPr xmlns:a="http://schemas.openxmlformats.org/drawingml/2006/main" sz="1350" i="1">
                                 <a:solidFill>
                                   <a:srgbClr val="000000"/>
                                 </a:solidFill>
@@ -10150,7 +10014,7 @@
                               <m:t>∂</m:t>
                             </m:r>
                             <m:r>
-                              <a:rPr xmlns:a="http://schemas.openxmlformats.org/drawingml/2006/main" sz="1450" i="1">
+                              <a:rPr xmlns:a="http://schemas.openxmlformats.org/drawingml/2006/main" sz="1350" i="1">
                                 <a:solidFill>
                                   <a:srgbClr val="000000"/>
                                 </a:solidFill>
@@ -10164,7 +10028,7 @@
                               <m:rPr>
                                 <m:sty m:val="p"/>
                               </m:rPr>
-                              <a:rPr xmlns:a="http://schemas.openxmlformats.org/drawingml/2006/main" sz="1450" i="1">
+                              <a:rPr xmlns:a="http://schemas.openxmlformats.org/drawingml/2006/main" sz="1350" i="1">
                                 <a:solidFill>
                                   <a:srgbClr val="000000"/>
                                 </a:solidFill>
@@ -10173,7 +10037,7 @@
                               <m:t>∂</m:t>
                             </m:r>
                             <m:r>
-                              <a:rPr xmlns:a="http://schemas.openxmlformats.org/drawingml/2006/main" sz="1450" i="1">
+                              <a:rPr xmlns:a="http://schemas.openxmlformats.org/drawingml/2006/main" sz="1350" i="1">
                                 <a:solidFill>
                                   <a:srgbClr val="000000"/>
                                 </a:solidFill>
@@ -10187,7 +10051,7 @@
                           <m:rPr>
                             <m:sty m:val="p"/>
                           </m:rPr>
-                          <a:rPr xmlns:a="http://schemas.openxmlformats.org/drawingml/2006/main" sz="1450" i="1">
+                          <a:rPr xmlns:a="http://schemas.openxmlformats.org/drawingml/2006/main" sz="1350" i="1">
                             <a:solidFill>
                               <a:srgbClr val="000000"/>
                             </a:solidFill>
@@ -10196,7 +10060,7 @@
                           <m:t>d</m:t>
                         </m:r>
                         <m:r>
-                          <a:rPr xmlns:a="http://schemas.openxmlformats.org/drawingml/2006/main" sz="1450" i="1">
+                          <a:rPr xmlns:a="http://schemas.openxmlformats.org/drawingml/2006/main" sz="1350" i="1">
                             <a:solidFill>
                               <a:srgbClr val="000000"/>
                             </a:solidFill>
@@ -10205,7 +10069,7 @@
                           <m:t>t</m:t>
                         </m:r>
                         <m:r>
-                          <a:rPr xmlns:a="http://schemas.openxmlformats.org/drawingml/2006/main" sz="1450" i="1">
+                          <a:rPr xmlns:a="http://schemas.openxmlformats.org/drawingml/2006/main" sz="1350" i="1">
                             <a:solidFill>
                               <a:srgbClr val="000000"/>
                             </a:solidFill>
@@ -10216,7 +10080,7 @@
                         <m:f>
                           <m:fPr>
                             <m:ctrlPr>
-                              <a:rPr xmlns:a="http://schemas.openxmlformats.org/drawingml/2006/main" sz="1450" i="1">
+                              <a:rPr xmlns:a="http://schemas.openxmlformats.org/drawingml/2006/main" sz="1350" i="1">
                                 <a:solidFill>
                                   <a:srgbClr val="000000"/>
                                 </a:solidFill>
@@ -10230,7 +10094,7 @@
                               <m:rPr>
                                 <m:sty m:val="p"/>
                               </m:rPr>
-                              <a:rPr xmlns:a="http://schemas.openxmlformats.org/drawingml/2006/main" sz="1450" i="1">
+                              <a:rPr xmlns:a="http://schemas.openxmlformats.org/drawingml/2006/main" sz="1350" i="1">
                                 <a:solidFill>
                                   <a:srgbClr val="000000"/>
                                 </a:solidFill>
@@ -10239,7 +10103,7 @@
                               <m:t>∂</m:t>
                             </m:r>
                             <m:r>
-                              <a:rPr xmlns:a="http://schemas.openxmlformats.org/drawingml/2006/main" sz="1450" i="1">
+                              <a:rPr xmlns:a="http://schemas.openxmlformats.org/drawingml/2006/main" sz="1350" i="1">
                                 <a:solidFill>
                                   <a:srgbClr val="000000"/>
                                 </a:solidFill>
@@ -10253,7 +10117,7 @@
                               <m:rPr>
                                 <m:sty m:val="p"/>
                               </m:rPr>
-                              <a:rPr xmlns:a="http://schemas.openxmlformats.org/drawingml/2006/main" sz="1450" i="1">
+                              <a:rPr xmlns:a="http://schemas.openxmlformats.org/drawingml/2006/main" sz="1350" i="1">
                                 <a:solidFill>
                                   <a:srgbClr val="000000"/>
                                 </a:solidFill>
@@ -10262,7 +10126,7 @@
                               <m:t>∂</m:t>
                             </m:r>
                             <m:r>
-                              <a:rPr xmlns:a="http://schemas.openxmlformats.org/drawingml/2006/main" sz="1450" i="1">
+                              <a:rPr xmlns:a="http://schemas.openxmlformats.org/drawingml/2006/main" sz="1350" i="1">
                                 <a:solidFill>
                                   <a:srgbClr val="000000"/>
                                 </a:solidFill>
@@ -10273,7 +10137,7 @@
                           </m:den>
                         </m:f>
                         <m:r>
-                          <a:rPr xmlns:a="http://schemas.openxmlformats.org/drawingml/2006/main" sz="1450" i="1">
+                          <a:rPr xmlns:a="http://schemas.openxmlformats.org/drawingml/2006/main" sz="1350" i="1">
                             <a:solidFill>
                               <a:srgbClr val="000000"/>
                             </a:solidFill>
@@ -10284,7 +10148,7 @@
                         <m:sSub>
                           <m:e>
                             <m:r>
-                              <a:rPr xmlns:a="http://schemas.openxmlformats.org/drawingml/2006/main" sz="1450" i="1">
+                              <a:rPr xmlns:a="http://schemas.openxmlformats.org/drawingml/2006/main" sz="1350" i="1">
                                 <a:solidFill>
                                   <a:srgbClr val="000000"/>
                                 </a:solidFill>
@@ -10295,7 +10159,7 @@
                           </m:e>
                           <m:sub>
                             <m:r>
-                              <a:rPr xmlns:a="http://schemas.openxmlformats.org/drawingml/2006/main" sz="1450" i="1">
+                              <a:rPr xmlns:a="http://schemas.openxmlformats.org/drawingml/2006/main" sz="1350" i="1">
                                 <a:solidFill>
                                   <a:srgbClr val="000000"/>
                                 </a:solidFill>
@@ -10309,7 +10173,7 @@
                           <m:rPr>
                             <m:sty m:val="p"/>
                           </m:rPr>
-                          <a:rPr xmlns:a="http://schemas.openxmlformats.org/drawingml/2006/main" sz="1450" i="1">
+                          <a:rPr xmlns:a="http://schemas.openxmlformats.org/drawingml/2006/main" sz="1350" i="1">
                             <a:solidFill>
                               <a:srgbClr val="000000"/>
                             </a:solidFill>
@@ -10318,7 +10182,7 @@
                           <m:t>d</m:t>
                         </m:r>
                         <m:r>
-                          <a:rPr xmlns:a="http://schemas.openxmlformats.org/drawingml/2006/main" sz="1450" i="1">
+                          <a:rPr xmlns:a="http://schemas.openxmlformats.org/drawingml/2006/main" sz="1350" i="1">
                             <a:solidFill>
                               <a:srgbClr val="000000"/>
                             </a:solidFill>
@@ -10327,7 +10191,7 @@
                           <m:t>t</m:t>
                         </m:r>
                         <m:r>
-                          <a:rPr xmlns:a="http://schemas.openxmlformats.org/drawingml/2006/main" sz="1450" i="1">
+                          <a:rPr xmlns:a="http://schemas.openxmlformats.org/drawingml/2006/main" sz="1350" i="1">
                             <a:solidFill>
                               <a:srgbClr val="000000"/>
                             </a:solidFill>
@@ -10338,7 +10202,7 @@
                         <m:sSub>
                           <m:e>
                             <m:r>
-                              <a:rPr xmlns:a="http://schemas.openxmlformats.org/drawingml/2006/main" sz="1450" i="1">
+                              <a:rPr xmlns:a="http://schemas.openxmlformats.org/drawingml/2006/main" sz="1350" i="1">
                                 <a:solidFill>
                                   <a:srgbClr val="000000"/>
                                 </a:solidFill>
@@ -10349,7 +10213,7 @@
                           </m:e>
                           <m:sub>
                             <m:r>
-                              <a:rPr xmlns:a="http://schemas.openxmlformats.org/drawingml/2006/main" sz="1450" i="1">
+                              <a:rPr xmlns:a="http://schemas.openxmlformats.org/drawingml/2006/main" sz="1350" i="1">
                                 <a:solidFill>
                                   <a:srgbClr val="000000"/>
                                 </a:solidFill>
@@ -10363,7 +10227,7 @@
                           <m:rPr>
                             <m:sty m:val="p"/>
                           </m:rPr>
-                          <a:rPr xmlns:a="http://schemas.openxmlformats.org/drawingml/2006/main" sz="1450" i="1">
+                          <a:rPr xmlns:a="http://schemas.openxmlformats.org/drawingml/2006/main" sz="1350" i="1">
                             <a:solidFill>
                               <a:srgbClr val="000000"/>
                             </a:solidFill>
@@ -10374,7 +10238,7 @@
                         <m:sSub>
                           <m:e>
                             <m:r>
-                              <a:rPr xmlns:a="http://schemas.openxmlformats.org/drawingml/2006/main" sz="1450" i="1">
+                              <a:rPr xmlns:a="http://schemas.openxmlformats.org/drawingml/2006/main" sz="1350" i="1">
                                 <a:solidFill>
                                   <a:srgbClr val="000000"/>
                                 </a:solidFill>
@@ -10385,7 +10249,7 @@
                           </m:e>
                           <m:sub>
                             <m:r>
-                              <a:rPr xmlns:a="http://schemas.openxmlformats.org/drawingml/2006/main" sz="1450" i="1">
+                              <a:rPr xmlns:a="http://schemas.openxmlformats.org/drawingml/2006/main" sz="1350" i="1">
                                 <a:solidFill>
                                   <a:srgbClr val="000000"/>
                                 </a:solidFill>
@@ -10396,7 +10260,7 @@
                           </m:sub>
                         </m:sSub>
                         <m:r>
-                          <a:rPr xmlns:a="http://schemas.openxmlformats.org/drawingml/2006/main" sz="1450" i="1">
+                          <a:rPr xmlns:a="http://schemas.openxmlformats.org/drawingml/2006/main" sz="1350" i="1">
                             <a:solidFill>
                               <a:srgbClr val="000000"/>
                             </a:solidFill>
@@ -10405,7 +10269,7 @@
                           <m:t>)</m:t>
                         </m:r>
                         <m:r>
-                          <a:rPr xmlns:a="http://schemas.openxmlformats.org/drawingml/2006/main" sz="1450" i="1">
+                          <a:rPr xmlns:a="http://schemas.openxmlformats.org/drawingml/2006/main" sz="1350" i="1">
                             <a:solidFill>
                               <a:srgbClr val="000000"/>
                             </a:solidFill>
@@ -10416,7 +10280,7 @@
                         <m:f>
                           <m:fPr>
                             <m:ctrlPr>
-                              <a:rPr xmlns:a="http://schemas.openxmlformats.org/drawingml/2006/main" sz="1450" i="1">
+                              <a:rPr xmlns:a="http://schemas.openxmlformats.org/drawingml/2006/main" sz="1350" i="1">
                                 <a:solidFill>
                                   <a:srgbClr val="000000"/>
                                 </a:solidFill>
@@ -10432,7 +10296,7 @@
                                   <m:rPr>
                                     <m:sty m:val="p"/>
                                   </m:rPr>
-                                  <a:rPr xmlns:a="http://schemas.openxmlformats.org/drawingml/2006/main" sz="1450" i="1">
+                                  <a:rPr xmlns:a="http://schemas.openxmlformats.org/drawingml/2006/main" sz="1350" i="1">
                                     <a:solidFill>
                                       <a:srgbClr val="000000"/>
                                     </a:solidFill>
@@ -10443,7 +10307,7 @@
                               </m:e>
                               <m:sup>
                                 <m:r>
-                                  <a:rPr xmlns:a="http://schemas.openxmlformats.org/drawingml/2006/main" sz="1450" i="1">
+                                  <a:rPr xmlns:a="http://schemas.openxmlformats.org/drawingml/2006/main" sz="1350" i="1">
                                     <a:solidFill>
                                       <a:srgbClr val="000000"/>
                                     </a:solidFill>
@@ -10454,7 +10318,7 @@
                               </m:sup>
                             </m:sSup>
                             <m:r>
-                              <a:rPr xmlns:a="http://schemas.openxmlformats.org/drawingml/2006/main" sz="1450" i="1">
+                              <a:rPr xmlns:a="http://schemas.openxmlformats.org/drawingml/2006/main" sz="1350" i="1">
                                 <a:solidFill>
                                   <a:srgbClr val="000000"/>
                                 </a:solidFill>
@@ -10468,7 +10332,7 @@
                               <m:rPr>
                                 <m:sty m:val="p"/>
                               </m:rPr>
-                              <a:rPr xmlns:a="http://schemas.openxmlformats.org/drawingml/2006/main" sz="1450" i="1">
+                              <a:rPr xmlns:a="http://schemas.openxmlformats.org/drawingml/2006/main" sz="1350" i="1">
                                 <a:solidFill>
                                   <a:srgbClr val="000000"/>
                                 </a:solidFill>
@@ -10479,7 +10343,7 @@
                             <m:sSup>
                               <m:e>
                                 <m:r>
-                                  <a:rPr xmlns:a="http://schemas.openxmlformats.org/drawingml/2006/main" sz="1450" i="1">
+                                  <a:rPr xmlns:a="http://schemas.openxmlformats.org/drawingml/2006/main" sz="1350" i="1">
                                     <a:solidFill>
                                       <a:srgbClr val="000000"/>
                                     </a:solidFill>
@@ -10490,7 +10354,7 @@
                               </m:e>
                               <m:sup>
                                 <m:r>
-                                  <a:rPr xmlns:a="http://schemas.openxmlformats.org/drawingml/2006/main" sz="1450" i="1">
+                                  <a:rPr xmlns:a="http://schemas.openxmlformats.org/drawingml/2006/main" sz="1350" i="1">
                                     <a:solidFill>
                                       <a:srgbClr val="000000"/>
                                     </a:solidFill>
@@ -10505,7 +10369,7 @@
                         <m:d>
                           <m:dPr>
                             <m:ctrlPr>
-                              <a:rPr xmlns:a="http://schemas.openxmlformats.org/drawingml/2006/main" sz="1450" i="1">
+                              <a:rPr xmlns:a="http://schemas.openxmlformats.org/drawingml/2006/main" sz="1350" i="1">
                                 <a:solidFill>
                                   <a:srgbClr val="000000"/>
                                 </a:solidFill>
@@ -10517,7 +10381,7 @@
                             <m:sSubSup>
                               <m:e>
                                 <m:r>
-                                  <a:rPr xmlns:a="http://schemas.openxmlformats.org/drawingml/2006/main" sz="1450" i="1">
+                                  <a:rPr xmlns:a="http://schemas.openxmlformats.org/drawingml/2006/main" sz="1350" i="1">
                                     <a:solidFill>
                                       <a:srgbClr val="000000"/>
                                     </a:solidFill>
@@ -10528,7 +10392,7 @@
                               </m:e>
                               <m:sub>
                                 <m:r>
-                                  <a:rPr xmlns:a="http://schemas.openxmlformats.org/drawingml/2006/main" sz="1450" i="1">
+                                  <a:rPr xmlns:a="http://schemas.openxmlformats.org/drawingml/2006/main" sz="1350" i="1">
                                     <a:solidFill>
                                       <a:srgbClr val="000000"/>
                                     </a:solidFill>
@@ -10539,7 +10403,7 @@
                               </m:sub>
                               <m:sup>
                                 <m:r>
-                                  <a:rPr xmlns:a="http://schemas.openxmlformats.org/drawingml/2006/main" sz="1450" i="1">
+                                  <a:rPr xmlns:a="http://schemas.openxmlformats.org/drawingml/2006/main" sz="1350" i="1">
                                     <a:solidFill>
                                       <a:srgbClr val="000000"/>
                                     </a:solidFill>
@@ -10553,7 +10417,7 @@
                               <m:rPr>
                                 <m:sty m:val="p"/>
                               </m:rPr>
-                              <a:rPr xmlns:a="http://schemas.openxmlformats.org/drawingml/2006/main" sz="1450" i="1">
+                              <a:rPr xmlns:a="http://schemas.openxmlformats.org/drawingml/2006/main" sz="1350" i="1">
                                 <a:solidFill>
                                   <a:srgbClr val="000000"/>
                                 </a:solidFill>
@@ -10564,7 +10428,7 @@
                             <m:sSup>
                               <m:e>
                                 <m:r>
-                                  <a:rPr xmlns:a="http://schemas.openxmlformats.org/drawingml/2006/main" sz="1450" i="1">
+                                  <a:rPr xmlns:a="http://schemas.openxmlformats.org/drawingml/2006/main" sz="1350" i="1">
                                     <a:solidFill>
                                       <a:srgbClr val="000000"/>
                                     </a:solidFill>
@@ -10575,7 +10439,7 @@
                               </m:e>
                               <m:sup>
                                 <m:r>
-                                  <a:rPr xmlns:a="http://schemas.openxmlformats.org/drawingml/2006/main" sz="1450" i="1">
+                                  <a:rPr xmlns:a="http://schemas.openxmlformats.org/drawingml/2006/main" sz="1350" i="1">
                                     <a:solidFill>
                                       <a:srgbClr val="000000"/>
                                     </a:solidFill>
@@ -10586,7 +10450,7 @@
                               </m:sup>
                             </m:sSup>
                             <m:r>
-                              <a:rPr xmlns:a="http://schemas.openxmlformats.org/drawingml/2006/main" sz="1450" i="1">
+                              <a:rPr xmlns:a="http://schemas.openxmlformats.org/drawingml/2006/main" sz="1350" i="1">
                                 <a:solidFill>
                                   <a:srgbClr val="000000"/>
                                 </a:solidFill>
@@ -10595,7 +10459,7 @@
                               <m:t>+</m:t>
                             </m:r>
                             <m:r>
-                              <a:rPr xmlns:a="http://schemas.openxmlformats.org/drawingml/2006/main" sz="1450" i="1">
+                              <a:rPr xmlns:a="http://schemas.openxmlformats.org/drawingml/2006/main" sz="1350" i="1">
                                 <a:solidFill>
                                   <a:srgbClr val="000000"/>
                                 </a:solidFill>
@@ -10606,7 +10470,7 @@
                             <m:sSub>
                               <m:e>
                                 <m:r>
-                                  <a:rPr xmlns:a="http://schemas.openxmlformats.org/drawingml/2006/main" sz="1450" i="1">
+                                  <a:rPr xmlns:a="http://schemas.openxmlformats.org/drawingml/2006/main" sz="1350" i="1">
                                     <a:solidFill>
                                       <a:srgbClr val="000000"/>
                                     </a:solidFill>
@@ -10617,7 +10481,7 @@
                               </m:e>
                               <m:sub>
                                 <m:r>
-                                  <a:rPr xmlns:a="http://schemas.openxmlformats.org/drawingml/2006/main" sz="1450" i="1">
+                                  <a:rPr xmlns:a="http://schemas.openxmlformats.org/drawingml/2006/main" sz="1350" i="1">
                                     <a:solidFill>
                                       <a:srgbClr val="000000"/>
                                     </a:solidFill>
@@ -10630,7 +10494,7 @@
                             <m:sSub>
                               <m:e>
                                 <m:r>
-                                  <a:rPr xmlns:a="http://schemas.openxmlformats.org/drawingml/2006/main" sz="1450" i="1">
+                                  <a:rPr xmlns:a="http://schemas.openxmlformats.org/drawingml/2006/main" sz="1350" i="1">
                                     <a:solidFill>
                                       <a:srgbClr val="000000"/>
                                     </a:solidFill>
@@ -10641,7 +10505,7 @@
                               </m:e>
                               <m:sub>
                                 <m:r>
-                                  <a:rPr xmlns:a="http://schemas.openxmlformats.org/drawingml/2006/main" sz="1450" i="1">
+                                  <a:rPr xmlns:a="http://schemas.openxmlformats.org/drawingml/2006/main" sz="1350" i="1">
                                     <a:solidFill>
                                       <a:srgbClr val="000000"/>
                                     </a:solidFill>
@@ -10655,7 +10519,7 @@
                               <m:rPr>
                                 <m:sty m:val="p"/>
                               </m:rPr>
-                              <a:rPr xmlns:a="http://schemas.openxmlformats.org/drawingml/2006/main" sz="1450" i="1">
+                              <a:rPr xmlns:a="http://schemas.openxmlformats.org/drawingml/2006/main" sz="1350" i="1">
                                 <a:solidFill>
                                   <a:srgbClr val="000000"/>
                                 </a:solidFill>
@@ -10664,7 +10528,7 @@
                               <m:t>d</m:t>
                             </m:r>
                             <m:r>
-                              <a:rPr xmlns:a="http://schemas.openxmlformats.org/drawingml/2006/main" sz="1450" i="1">
+                              <a:rPr xmlns:a="http://schemas.openxmlformats.org/drawingml/2006/main" sz="1350" i="1">
                                 <a:solidFill>
                                   <a:srgbClr val="000000"/>
                                 </a:solidFill>
@@ -10676,7 +10540,7 @@
                               <m:rPr>
                                 <m:sty m:val="p"/>
                               </m:rPr>
-                              <a:rPr xmlns:a="http://schemas.openxmlformats.org/drawingml/2006/main" sz="1450" i="1">
+                              <a:rPr xmlns:a="http://schemas.openxmlformats.org/drawingml/2006/main" sz="1350" i="1">
                                 <a:solidFill>
                                   <a:srgbClr val="000000"/>
                                 </a:solidFill>
@@ -10687,7 +10551,7 @@
                             <m:sSub>
                               <m:e>
                                 <m:r>
-                                  <a:rPr xmlns:a="http://schemas.openxmlformats.org/drawingml/2006/main" sz="1450" i="1">
+                                  <a:rPr xmlns:a="http://schemas.openxmlformats.org/drawingml/2006/main" sz="1350" i="1">
                                     <a:solidFill>
                                       <a:srgbClr val="000000"/>
                                     </a:solidFill>
@@ -10698,7 +10562,7 @@
                               </m:e>
                               <m:sub>
                                 <m:r>
-                                  <a:rPr xmlns:a="http://schemas.openxmlformats.org/drawingml/2006/main" sz="1450" i="1">
+                                  <a:rPr xmlns:a="http://schemas.openxmlformats.org/drawingml/2006/main" sz="1350" i="1">
                                     <a:solidFill>
                                       <a:srgbClr val="000000"/>
                                     </a:solidFill>
@@ -10709,7 +10573,7 @@
                               </m:sub>
                             </m:sSub>
                             <m:r>
-                              <a:rPr xmlns:a="http://schemas.openxmlformats.org/drawingml/2006/main" sz="1450" i="1">
+                              <a:rPr xmlns:a="http://schemas.openxmlformats.org/drawingml/2006/main" sz="1350" i="1">
                                 <a:solidFill>
                                   <a:srgbClr val="000000"/>
                                 </a:solidFill>
@@ -10720,7 +10584,7 @@
                             <m:sSubSup>
                               <m:e>
                                 <m:r>
-                                  <a:rPr xmlns:a="http://schemas.openxmlformats.org/drawingml/2006/main" sz="1450" i="1">
+                                  <a:rPr xmlns:a="http://schemas.openxmlformats.org/drawingml/2006/main" sz="1350" i="1">
                                     <a:solidFill>
                                       <a:srgbClr val="000000"/>
                                     </a:solidFill>
@@ -10731,7 +10595,7 @@
                               </m:e>
                               <m:sub>
                                 <m:r>
-                                  <a:rPr xmlns:a="http://schemas.openxmlformats.org/drawingml/2006/main" sz="1450" i="1">
+                                  <a:rPr xmlns:a="http://schemas.openxmlformats.org/drawingml/2006/main" sz="1350" i="1">
                                     <a:solidFill>
                                       <a:srgbClr val="000000"/>
                                     </a:solidFill>
@@ -10742,7 +10606,7 @@
                               </m:sub>
                               <m:sup>
                                 <m:r>
-                                  <a:rPr xmlns:a="http://schemas.openxmlformats.org/drawingml/2006/main" sz="1450" i="1">
+                                  <a:rPr xmlns:a="http://schemas.openxmlformats.org/drawingml/2006/main" sz="1350" i="1">
                                     <a:solidFill>
                                       <a:srgbClr val="000000"/>
                                     </a:solidFill>
@@ -10756,7 +10620,7 @@
                               <m:rPr>
                                 <m:sty m:val="p"/>
                               </m:rPr>
-                              <a:rPr xmlns:a="http://schemas.openxmlformats.org/drawingml/2006/main" sz="1450" i="1">
+                              <a:rPr xmlns:a="http://schemas.openxmlformats.org/drawingml/2006/main" sz="1350" i="1">
                                 <a:solidFill>
                                   <a:srgbClr val="000000"/>
                                 </a:solidFill>
@@ -10767,7 +10631,7 @@
                             <m:sSubSup>
                               <m:e>
                                 <m:r>
-                                  <a:rPr xmlns:a="http://schemas.openxmlformats.org/drawingml/2006/main" sz="1450" i="1">
+                                  <a:rPr xmlns:a="http://schemas.openxmlformats.org/drawingml/2006/main" sz="1350" i="1">
                                     <a:solidFill>
                                       <a:srgbClr val="000000"/>
                                     </a:solidFill>
@@ -10778,7 +10642,7 @@
                               </m:e>
                               <m:sub>
                                 <m:r>
-                                  <a:rPr xmlns:a="http://schemas.openxmlformats.org/drawingml/2006/main" sz="1450" i="1">
+                                  <a:rPr xmlns:a="http://schemas.openxmlformats.org/drawingml/2006/main" sz="1350" i="1">
                                     <a:solidFill>
                                       <a:srgbClr val="000000"/>
                                     </a:solidFill>
@@ -10789,7 +10653,7 @@
                               </m:sub>
                               <m:sup>
                                 <m:r>
-                                  <a:rPr xmlns:a="http://schemas.openxmlformats.org/drawingml/2006/main" sz="1450" i="1">
+                                  <a:rPr xmlns:a="http://schemas.openxmlformats.org/drawingml/2006/main" sz="1350" i="1">
                                     <a:solidFill>
                                       <a:srgbClr val="000000"/>
                                     </a:solidFill>
@@ -10802,7 +10666,7 @@
                           </m:e>
                         </m:d>
                         <m:r>
-                          <a:rPr xmlns:a="http://schemas.openxmlformats.org/drawingml/2006/main" sz="1450" i="1">
+                          <a:rPr xmlns:a="http://schemas.openxmlformats.org/drawingml/2006/main" sz="1350" i="1">
                             <a:solidFill>
                               <a:srgbClr val="000000"/>
                             </a:solidFill>
@@ -10811,7 +10675,7 @@
                           <m:t>+</m:t>
                         </m:r>
                         <m:r>
-                          <a:rPr xmlns:a="http://schemas.openxmlformats.org/drawingml/2006/main" sz="1450" i="1">
+                          <a:rPr xmlns:a="http://schemas.openxmlformats.org/drawingml/2006/main" sz="1350" i="1">
                             <a:solidFill>
                               <a:srgbClr val="000000"/>
                             </a:solidFill>
@@ -10825,9 +10689,6 @@
                 </a:p>
                 <a:p>
                   <a:pPr>
-                    <a:lnSpc>
-                      <a:spcPct val="115000"/>
-                    </a:lnSpc>
                     <a:spcBef>
                       <a:spcPts val="1000"/>
                     </a:spcBef>
@@ -11222,9 +11083,6 @@
                 </a:p>
                 <a:p>
                   <a:pPr algn="ctr">
-                    <a:lnSpc>
-                      <a:spcPct val="115000"/>
-                    </a:lnSpc>
                     <a:spcBef>
                       <a:spcPts val="1000"/>
                     </a:spcBef>
@@ -11749,10 +11607,20 @@
                   </a14:m>
                 </a:p>
                 <a:p>
+                  <a:pPr algn="ctr">
+                    <a:spcBef>
+                      <a:spcPts val="1000"/>
+                    </a:spcBef>
+                    <a:defRPr sz="1600">
+                      <a:latin typeface="Calibri"/>
+                      <a:ea typeface="Calibri"/>
+                      <a:cs typeface="Calibri"/>
+                      <a:sym typeface="Calibri"/>
+                    </a:defRPr>
+                  </a:pPr>
+                </a:p>
+                <a:p>
                   <a:pPr>
-                    <a:lnSpc>
-                      <a:spcPct val="115000"/>
-                    </a:lnSpc>
                     <a:spcBef>
                       <a:spcPts val="1000"/>
                     </a:spcBef>
@@ -11937,9 +11805,6 @@
                 </a:p>
                 <a:p>
                   <a:pPr>
-                    <a:lnSpc>
-                      <a:spcPct val="115000"/>
-                    </a:lnSpc>
                     <a:spcBef>
                       <a:spcPts val="1000"/>
                     </a:spcBef>
@@ -11956,7 +11821,7 @@
                   <a14:m>
                     <m:oMath>
                       <m:r>
-                        <a:rPr xmlns:a="http://schemas.openxmlformats.org/drawingml/2006/main" sz="1650" i="1">
+                        <a:rPr xmlns:a="http://schemas.openxmlformats.org/drawingml/2006/main" sz="1400" i="1">
                           <a:solidFill>
                             <a:srgbClr val="000000"/>
                           </a:solidFill>
@@ -11965,7 +11830,7 @@
                         <m:t>f</m:t>
                       </m:r>
                       <m:r>
-                        <a:rPr xmlns:a="http://schemas.openxmlformats.org/drawingml/2006/main" sz="1650" i="1">
+                        <a:rPr xmlns:a="http://schemas.openxmlformats.org/drawingml/2006/main" sz="1400" i="1">
                           <a:solidFill>
                             <a:srgbClr val="000000"/>
                           </a:solidFill>
@@ -11976,7 +11841,7 @@
                       <m:sSub>
                         <m:e>
                           <m:r>
-                            <a:rPr xmlns:a="http://schemas.openxmlformats.org/drawingml/2006/main" sz="1650" i="1">
+                            <a:rPr xmlns:a="http://schemas.openxmlformats.org/drawingml/2006/main" sz="1400" i="1">
                               <a:solidFill>
                                 <a:srgbClr val="000000"/>
                               </a:solidFill>
@@ -11987,7 +11852,7 @@
                         </m:e>
                         <m:sub>
                           <m:r>
-                            <a:rPr xmlns:a="http://schemas.openxmlformats.org/drawingml/2006/main" sz="1650" i="1">
+                            <a:rPr xmlns:a="http://schemas.openxmlformats.org/drawingml/2006/main" sz="1400" i="1">
                               <a:solidFill>
                                 <a:srgbClr val="000000"/>
                               </a:solidFill>
@@ -11998,7 +11863,7 @@
                         </m:sub>
                       </m:sSub>
                       <m:r>
-                        <a:rPr xmlns:a="http://schemas.openxmlformats.org/drawingml/2006/main" sz="1650" i="1">
+                        <a:rPr xmlns:a="http://schemas.openxmlformats.org/drawingml/2006/main" sz="1400" i="1">
                           <a:solidFill>
                             <a:srgbClr val="000000"/>
                           </a:solidFill>
@@ -12007,7 +11872,7 @@
                         <m:t>)</m:t>
                       </m:r>
                       <m:r>
-                        <a:rPr xmlns:a="http://schemas.openxmlformats.org/drawingml/2006/main" sz="1650" i="1">
+                        <a:rPr xmlns:a="http://schemas.openxmlformats.org/drawingml/2006/main" sz="1400" i="1">
                           <a:solidFill>
                             <a:srgbClr val="000000"/>
                           </a:solidFill>
@@ -12019,7 +11884,7 @@
                         <m:rPr>
                           <m:sty m:val="p"/>
                         </m:rPr>
-                        <a:rPr xmlns:a="http://schemas.openxmlformats.org/drawingml/2006/main" sz="1650" i="1">
+                        <a:rPr xmlns:a="http://schemas.openxmlformats.org/drawingml/2006/main" sz="1400" i="1">
                           <a:solidFill>
                             <a:srgbClr val="000000"/>
                           </a:solidFill>
@@ -12030,7 +11895,7 @@
                       <m:sSub>
                         <m:e>
                           <m:r>
-                            <a:rPr xmlns:a="http://schemas.openxmlformats.org/drawingml/2006/main" sz="1650" i="1">
+                            <a:rPr xmlns:a="http://schemas.openxmlformats.org/drawingml/2006/main" sz="1400" i="1">
                               <a:solidFill>
                                 <a:srgbClr val="000000"/>
                               </a:solidFill>
@@ -12041,7 +11906,7 @@
                         </m:e>
                         <m:sub>
                           <m:r>
-                            <a:rPr xmlns:a="http://schemas.openxmlformats.org/drawingml/2006/main" sz="1650" i="1">
+                            <a:rPr xmlns:a="http://schemas.openxmlformats.org/drawingml/2006/main" sz="1400" i="1">
                               <a:solidFill>
                                 <a:srgbClr val="000000"/>
                               </a:solidFill>
@@ -12059,9 +11924,6 @@
                 </a:p>
                 <a:p>
                   <a:pPr lvl="2" algn="ctr">
-                    <a:lnSpc>
-                      <a:spcPct val="115000"/>
-                    </a:lnSpc>
                     <a:spcBef>
                       <a:spcPts val="1000"/>
                     </a:spcBef>
@@ -12081,7 +11943,7 @@
                         <m:m>
                           <m:mPr>
                             <m:ctrlPr>
-                              <a:rPr xmlns:a="http://schemas.openxmlformats.org/drawingml/2006/main" sz="1700" i="1">
+                              <a:rPr xmlns:a="http://schemas.openxmlformats.org/drawingml/2006/main" sz="1450" i="1">
                                 <a:solidFill>
                                   <a:srgbClr val="000000"/>
                                 </a:solidFill>
@@ -12105,7 +11967,7 @@
                                 <m:rPr>
                                   <m:sty m:val="p"/>
                                 </m:rPr>
-                                <a:rPr xmlns:a="http://schemas.openxmlformats.org/drawingml/2006/main" sz="1700" i="1">
+                                <a:rPr xmlns:a="http://schemas.openxmlformats.org/drawingml/2006/main" sz="1450" i="1">
                                   <a:solidFill>
                                     <a:srgbClr val="000000"/>
                                   </a:solidFill>
@@ -12114,7 +11976,7 @@
                                 <m:t>d</m:t>
                               </m:r>
                               <m:r>
-                                <a:rPr xmlns:a="http://schemas.openxmlformats.org/drawingml/2006/main" sz="1700" i="1">
+                                <a:rPr xmlns:a="http://schemas.openxmlformats.org/drawingml/2006/main" sz="1450" i="1">
                                   <a:solidFill>
                                     <a:srgbClr val="000000"/>
                                   </a:solidFill>
@@ -12125,7 +11987,7 @@
                             </m:e>
                             <m:e>
                               <m:r>
-                                <a:rPr xmlns:a="http://schemas.openxmlformats.org/drawingml/2006/main" sz="1700" i="1">
+                                <a:rPr xmlns:a="http://schemas.openxmlformats.org/drawingml/2006/main" sz="1450" i="1">
                                   <a:solidFill>
                                     <a:srgbClr val="000000"/>
                                   </a:solidFill>
@@ -12139,7 +12001,7 @@
                                     <m:scrLvl m:val="0"/>
                                   </m:argPr>
                                   <m:r>
-                                    <a:rPr xmlns:a="http://schemas.openxmlformats.org/drawingml/2006/main" sz="1700" i="1">
+                                    <a:rPr xmlns:a="http://schemas.openxmlformats.org/drawingml/2006/main" sz="1450" i="1">
                                       <a:solidFill>
                                         <a:srgbClr val="000000"/>
                                       </a:solidFill>
@@ -12153,7 +12015,7 @@
                                     <m:scrLvl m:val="0"/>
                                   </m:argPr>
                                   <m:r>
-                                    <a:rPr xmlns:a="http://schemas.openxmlformats.org/drawingml/2006/main" sz="1700" i="1">
+                                    <a:rPr xmlns:a="http://schemas.openxmlformats.org/drawingml/2006/main" sz="1450" i="1">
                                       <a:solidFill>
                                         <a:srgbClr val="000000"/>
                                       </a:solidFill>
@@ -12164,7 +12026,7 @@
                                 </m:sup>
                               </m:sSup>
                               <m:r>
-                                <a:rPr xmlns:a="http://schemas.openxmlformats.org/drawingml/2006/main" sz="1700" i="1">
+                                <a:rPr xmlns:a="http://schemas.openxmlformats.org/drawingml/2006/main" sz="1450" i="1">
                                   <a:solidFill>
                                     <a:srgbClr val="000000"/>
                                   </a:solidFill>
@@ -12178,7 +12040,7 @@
                                     <m:scrLvl m:val="0"/>
                                   </m:argPr>
                                   <m:r>
-                                    <a:rPr xmlns:a="http://schemas.openxmlformats.org/drawingml/2006/main" sz="1700" i="1">
+                                    <a:rPr xmlns:a="http://schemas.openxmlformats.org/drawingml/2006/main" sz="1450" i="1">
                                       <a:solidFill>
                                         <a:srgbClr val="000000"/>
                                       </a:solidFill>
@@ -12192,7 +12054,7 @@
                                     <m:scrLvl m:val="0"/>
                                   </m:argPr>
                                   <m:r>
-                                    <a:rPr xmlns:a="http://schemas.openxmlformats.org/drawingml/2006/main" sz="1700" i="1">
+                                    <a:rPr xmlns:a="http://schemas.openxmlformats.org/drawingml/2006/main" sz="1450" i="1">
                                       <a:solidFill>
                                         <a:srgbClr val="000000"/>
                                       </a:solidFill>
@@ -12203,7 +12065,7 @@
                                 </m:sub>
                               </m:sSub>
                               <m:r>
-                                <a:rPr xmlns:a="http://schemas.openxmlformats.org/drawingml/2006/main" sz="1700" i="1">
+                                <a:rPr xmlns:a="http://schemas.openxmlformats.org/drawingml/2006/main" sz="1450" i="1">
                                   <a:solidFill>
                                     <a:srgbClr val="000000"/>
                                   </a:solidFill>
@@ -12215,7 +12077,7 @@
                                 <m:rPr>
                                   <m:sty m:val="p"/>
                                 </m:rPr>
-                                <a:rPr xmlns:a="http://schemas.openxmlformats.org/drawingml/2006/main" sz="1700" i="1">
+                                <a:rPr xmlns:a="http://schemas.openxmlformats.org/drawingml/2006/main" sz="1450" i="1">
                                   <a:solidFill>
                                     <a:srgbClr val="000000"/>
                                   </a:solidFill>
@@ -12229,7 +12091,7 @@
                                     <m:scrLvl m:val="0"/>
                                   </m:argPr>
                                   <m:r>
-                                    <a:rPr xmlns:a="http://schemas.openxmlformats.org/drawingml/2006/main" sz="1700" i="1">
+                                    <a:rPr xmlns:a="http://schemas.openxmlformats.org/drawingml/2006/main" sz="1450" i="1">
                                       <a:solidFill>
                                         <a:srgbClr val="000000"/>
                                       </a:solidFill>
@@ -12243,7 +12105,7 @@
                                     <m:scrLvl m:val="0"/>
                                   </m:argPr>
                                   <m:r>
-                                    <a:rPr xmlns:a="http://schemas.openxmlformats.org/drawingml/2006/main" sz="1700" i="1">
+                                    <a:rPr xmlns:a="http://schemas.openxmlformats.org/drawingml/2006/main" sz="1450" i="1">
                                       <a:solidFill>
                                         <a:srgbClr val="000000"/>
                                       </a:solidFill>
@@ -12254,7 +12116,7 @@
                                 </m:sub>
                               </m:sSub>
                               <m:r>
-                                <a:rPr xmlns:a="http://schemas.openxmlformats.org/drawingml/2006/main" sz="1700" i="1">
+                                <a:rPr xmlns:a="http://schemas.openxmlformats.org/drawingml/2006/main" sz="1450" i="1">
                                   <a:solidFill>
                                     <a:srgbClr val="000000"/>
                                   </a:solidFill>
@@ -12265,7 +12127,7 @@
                               <m:f>
                                 <m:fPr>
                                   <m:ctrlPr>
-                                    <a:rPr xmlns:a="http://schemas.openxmlformats.org/drawingml/2006/main" sz="1700" i="1">
+                                    <a:rPr xmlns:a="http://schemas.openxmlformats.org/drawingml/2006/main" sz="1450" i="1">
                                       <a:solidFill>
                                         <a:srgbClr val="000000"/>
                                       </a:solidFill>
@@ -12279,7 +12141,7 @@
                                     <m:scrLvl m:val="0"/>
                                   </m:argPr>
                                   <m:r>
-                                    <a:rPr xmlns:a="http://schemas.openxmlformats.org/drawingml/2006/main" sz="1700" i="1">
+                                    <a:rPr xmlns:a="http://schemas.openxmlformats.org/drawingml/2006/main" sz="1450" i="1">
                                       <a:solidFill>
                                         <a:srgbClr val="000000"/>
                                       </a:solidFill>
@@ -12293,7 +12155,7 @@
                                     <m:scrLvl m:val="0"/>
                                   </m:argPr>
                                   <m:r>
-                                    <a:rPr xmlns:a="http://schemas.openxmlformats.org/drawingml/2006/main" sz="1700" i="1">
+                                    <a:rPr xmlns:a="http://schemas.openxmlformats.org/drawingml/2006/main" sz="1450" i="1">
                                       <a:solidFill>
                                         <a:srgbClr val="000000"/>
                                       </a:solidFill>
@@ -12309,7 +12171,7 @@
                                     <m:scrLvl m:val="0"/>
                                   </m:argPr>
                                   <m:r>
-                                    <a:rPr xmlns:a="http://schemas.openxmlformats.org/drawingml/2006/main" sz="1700" i="1">
+                                    <a:rPr xmlns:a="http://schemas.openxmlformats.org/drawingml/2006/main" sz="1450" i="1">
                                       <a:solidFill>
                                         <a:srgbClr val="000000"/>
                                       </a:solidFill>
@@ -12323,7 +12185,7 @@
                                     <m:scrLvl m:val="0"/>
                                   </m:argPr>
                                   <m:r>
-                                    <a:rPr xmlns:a="http://schemas.openxmlformats.org/drawingml/2006/main" sz="1700" i="1">
+                                    <a:rPr xmlns:a="http://schemas.openxmlformats.org/drawingml/2006/main" sz="1450" i="1">
                                       <a:solidFill>
                                         <a:srgbClr val="000000"/>
                                       </a:solidFill>
@@ -12332,7 +12194,7 @@
                                     <m:t>′</m:t>
                                   </m:r>
                                   <m:r>
-                                    <a:rPr xmlns:a="http://schemas.openxmlformats.org/drawingml/2006/main" sz="1700" i="1">
+                                    <a:rPr xmlns:a="http://schemas.openxmlformats.org/drawingml/2006/main" sz="1450" i="1">
                                       <a:solidFill>
                                         <a:srgbClr val="000000"/>
                                       </a:solidFill>
@@ -12343,7 +12205,7 @@
                                 </m:sup>
                               </m:sSup>
                               <m:r>
-                                <a:rPr xmlns:a="http://schemas.openxmlformats.org/drawingml/2006/main" sz="1700" i="1">
+                                <a:rPr xmlns:a="http://schemas.openxmlformats.org/drawingml/2006/main" sz="1450" i="1">
                                   <a:solidFill>
                                     <a:srgbClr val="000000"/>
                                   </a:solidFill>
@@ -12357,7 +12219,7 @@
                                     <m:scrLvl m:val="0"/>
                                   </m:argPr>
                                   <m:r>
-                                    <a:rPr xmlns:a="http://schemas.openxmlformats.org/drawingml/2006/main" sz="1700" i="1">
+                                    <a:rPr xmlns:a="http://schemas.openxmlformats.org/drawingml/2006/main" sz="1450" i="1">
                                       <a:solidFill>
                                         <a:srgbClr val="000000"/>
                                       </a:solidFill>
@@ -12371,7 +12233,7 @@
                                     <m:scrLvl m:val="0"/>
                                   </m:argPr>
                                   <m:r>
-                                    <a:rPr xmlns:a="http://schemas.openxmlformats.org/drawingml/2006/main" sz="1700" i="1">
+                                    <a:rPr xmlns:a="http://schemas.openxmlformats.org/drawingml/2006/main" sz="1450" i="1">
                                       <a:solidFill>
                                         <a:srgbClr val="000000"/>
                                       </a:solidFill>
@@ -12382,7 +12244,7 @@
                                 </m:sub>
                               </m:sSub>
                               <m:r>
-                                <a:rPr xmlns:a="http://schemas.openxmlformats.org/drawingml/2006/main" sz="1700" i="1">
+                                <a:rPr xmlns:a="http://schemas.openxmlformats.org/drawingml/2006/main" sz="1450" i="1">
                                   <a:solidFill>
                                     <a:srgbClr val="000000"/>
                                   </a:solidFill>
@@ -12391,7 +12253,7 @@
                                 <m:t>)</m:t>
                               </m:r>
                               <m:r>
-                                <a:rPr xmlns:a="http://schemas.openxmlformats.org/drawingml/2006/main" sz="1700" i="1">
+                                <a:rPr xmlns:a="http://schemas.openxmlformats.org/drawingml/2006/main" sz="1450" i="1">
                                   <a:solidFill>
                                     <a:srgbClr val="000000"/>
                                   </a:solidFill>
@@ -12403,7 +12265,7 @@
                                 <m:rPr>
                                   <m:sty m:val="p"/>
                                 </m:rPr>
-                                <a:rPr xmlns:a="http://schemas.openxmlformats.org/drawingml/2006/main" sz="1700" i="1">
+                                <a:rPr xmlns:a="http://schemas.openxmlformats.org/drawingml/2006/main" sz="1450" i="1">
                                   <a:solidFill>
                                     <a:srgbClr val="000000"/>
                                   </a:solidFill>
@@ -12417,7 +12279,7 @@
                                     <m:scrLvl m:val="0"/>
                                   </m:argPr>
                                   <m:r>
-                                    <a:rPr xmlns:a="http://schemas.openxmlformats.org/drawingml/2006/main" sz="1700" i="1">
+                                    <a:rPr xmlns:a="http://schemas.openxmlformats.org/drawingml/2006/main" sz="1450" i="1">
                                       <a:solidFill>
                                         <a:srgbClr val="000000"/>
                                       </a:solidFill>
@@ -12431,7 +12293,7 @@
                                     <m:scrLvl m:val="0"/>
                                   </m:argPr>
                                   <m:r>
-                                    <a:rPr xmlns:a="http://schemas.openxmlformats.org/drawingml/2006/main" sz="1700" i="1">
+                                    <a:rPr xmlns:a="http://schemas.openxmlformats.org/drawingml/2006/main" sz="1450" i="1">
                                       <a:solidFill>
                                         <a:srgbClr val="000000"/>
                                       </a:solidFill>
@@ -12447,7 +12309,7 @@
                                     <m:scrLvl m:val="0"/>
                                   </m:argPr>
                                   <m:r>
-                                    <a:rPr xmlns:a="http://schemas.openxmlformats.org/drawingml/2006/main" sz="1700" i="1">
+                                    <a:rPr xmlns:a="http://schemas.openxmlformats.org/drawingml/2006/main" sz="1450" i="1">
                                       <a:solidFill>
                                         <a:srgbClr val="000000"/>
                                       </a:solidFill>
@@ -12461,7 +12323,7 @@
                                     <m:scrLvl m:val="0"/>
                                   </m:argPr>
                                   <m:r>
-                                    <a:rPr xmlns:a="http://schemas.openxmlformats.org/drawingml/2006/main" sz="1700" i="1">
+                                    <a:rPr xmlns:a="http://schemas.openxmlformats.org/drawingml/2006/main" sz="1450" i="1">
                                       <a:solidFill>
                                         <a:srgbClr val="000000"/>
                                       </a:solidFill>
@@ -12472,7 +12334,7 @@
                                 </m:sup>
                               </m:sSup>
                               <m:r>
-                                <a:rPr xmlns:a="http://schemas.openxmlformats.org/drawingml/2006/main" sz="1700" i="1">
+                                <a:rPr xmlns:a="http://schemas.openxmlformats.org/drawingml/2006/main" sz="1450" i="1">
                                   <a:solidFill>
                                     <a:srgbClr val="000000"/>
                                   </a:solidFill>
@@ -12483,7 +12345,7 @@
                               <m:f>
                                 <m:fPr>
                                   <m:ctrlPr>
-                                    <a:rPr xmlns:a="http://schemas.openxmlformats.org/drawingml/2006/main" sz="1700" i="1">
+                                    <a:rPr xmlns:a="http://schemas.openxmlformats.org/drawingml/2006/main" sz="1450" i="1">
                                       <a:solidFill>
                                         <a:srgbClr val="000000"/>
                                       </a:solidFill>
@@ -12497,7 +12359,7 @@
                                     <m:scrLvl m:val="0"/>
                                   </m:argPr>
                                   <m:r>
-                                    <a:rPr xmlns:a="http://schemas.openxmlformats.org/drawingml/2006/main" sz="1700" i="1">
+                                    <a:rPr xmlns:a="http://schemas.openxmlformats.org/drawingml/2006/main" sz="1450" i="1">
                                       <a:solidFill>
                                         <a:srgbClr val="000000"/>
                                       </a:solidFill>
@@ -12516,7 +12378,7 @@
                                         <m:scrLvl m:val="0"/>
                                       </m:argPr>
                                       <m:r>
-                                        <a:rPr xmlns:a="http://schemas.openxmlformats.org/drawingml/2006/main" sz="1700" i="1">
+                                        <a:rPr xmlns:a="http://schemas.openxmlformats.org/drawingml/2006/main" sz="1450" i="1">
                                           <a:solidFill>
                                             <a:srgbClr val="000000"/>
                                           </a:solidFill>
@@ -12530,7 +12392,7 @@
                                         <m:scrLvl m:val="0"/>
                                       </m:argPr>
                                       <m:r>
-                                        <a:rPr xmlns:a="http://schemas.openxmlformats.org/drawingml/2006/main" sz="1700" i="1">
+                                        <a:rPr xmlns:a="http://schemas.openxmlformats.org/drawingml/2006/main" sz="1450" i="1">
                                           <a:solidFill>
                                             <a:srgbClr val="000000"/>
                                           </a:solidFill>
@@ -12546,7 +12408,7 @@
                                 <m:rPr>
                                   <m:sty m:val="p"/>
                                 </m:rPr>
-                                <a:rPr xmlns:a="http://schemas.openxmlformats.org/drawingml/2006/main" sz="1700" i="1">
+                                <a:rPr xmlns:a="http://schemas.openxmlformats.org/drawingml/2006/main" sz="1450" i="1">
                                   <a:solidFill>
                                     <a:srgbClr val="000000"/>
                                   </a:solidFill>
@@ -12560,7 +12422,7 @@
                                     <m:scrLvl m:val="0"/>
                                   </m:argPr>
                                   <m:r>
-                                    <a:rPr xmlns:a="http://schemas.openxmlformats.org/drawingml/2006/main" sz="1700" i="1">
+                                    <a:rPr xmlns:a="http://schemas.openxmlformats.org/drawingml/2006/main" sz="1450" i="1">
                                       <a:solidFill>
                                         <a:srgbClr val="000000"/>
                                       </a:solidFill>
@@ -12574,7 +12436,7 @@
                                     <m:scrLvl m:val="0"/>
                                   </m:argPr>
                                   <m:r>
-                                    <a:rPr xmlns:a="http://schemas.openxmlformats.org/drawingml/2006/main" sz="1700" i="1">
+                                    <a:rPr xmlns:a="http://schemas.openxmlformats.org/drawingml/2006/main" sz="1450" i="1">
                                       <a:solidFill>
                                         <a:srgbClr val="000000"/>
                                       </a:solidFill>
@@ -12585,7 +12447,7 @@
                                 </m:sub>
                               </m:sSub>
                               <m:r>
-                                <a:rPr xmlns:a="http://schemas.openxmlformats.org/drawingml/2006/main" sz="1700" i="1">
+                                <a:rPr xmlns:a="http://schemas.openxmlformats.org/drawingml/2006/main" sz="1450" i="1">
                                   <a:solidFill>
                                     <a:srgbClr val="000000"/>
                                   </a:solidFill>
@@ -12596,7 +12458,7 @@
                               <m:f>
                                 <m:fPr>
                                   <m:ctrlPr>
-                                    <a:rPr xmlns:a="http://schemas.openxmlformats.org/drawingml/2006/main" sz="1700" i="1">
+                                    <a:rPr xmlns:a="http://schemas.openxmlformats.org/drawingml/2006/main" sz="1450" i="1">
                                       <a:solidFill>
                                         <a:srgbClr val="000000"/>
                                       </a:solidFill>
@@ -12610,7 +12472,7 @@
                                     <m:scrLvl m:val="0"/>
                                   </m:argPr>
                                   <m:r>
-                                    <a:rPr xmlns:a="http://schemas.openxmlformats.org/drawingml/2006/main" sz="1700" i="1">
+                                    <a:rPr xmlns:a="http://schemas.openxmlformats.org/drawingml/2006/main" sz="1450" i="1">
                                       <a:solidFill>
                                         <a:srgbClr val="000000"/>
                                       </a:solidFill>
@@ -12624,7 +12486,7 @@
                                     <m:scrLvl m:val="0"/>
                                   </m:argPr>
                                   <m:r>
-                                    <a:rPr xmlns:a="http://schemas.openxmlformats.org/drawingml/2006/main" sz="1700" i="1">
+                                    <a:rPr xmlns:a="http://schemas.openxmlformats.org/drawingml/2006/main" sz="1450" i="1">
                                       <a:solidFill>
                                         <a:srgbClr val="000000"/>
                                       </a:solidFill>
@@ -12638,7 +12500,7 @@
                                         <m:scrLvl m:val="0"/>
                                       </m:argPr>
                                       <m:r>
-                                        <a:rPr xmlns:a="http://schemas.openxmlformats.org/drawingml/2006/main" sz="1700" i="1">
+                                        <a:rPr xmlns:a="http://schemas.openxmlformats.org/drawingml/2006/main" sz="1450" i="1">
                                           <a:solidFill>
                                             <a:srgbClr val="000000"/>
                                           </a:solidFill>
@@ -12652,7 +12514,7 @@
                                         <m:scrLvl m:val="0"/>
                                       </m:argPr>
                                       <m:r>
-                                        <a:rPr xmlns:a="http://schemas.openxmlformats.org/drawingml/2006/main" sz="1700" i="1">
+                                        <a:rPr xmlns:a="http://schemas.openxmlformats.org/drawingml/2006/main" sz="1450" i="1">
                                           <a:solidFill>
                                             <a:srgbClr val="000000"/>
                                           </a:solidFill>
@@ -12666,7 +12528,7 @@
                                         <m:scrLvl m:val="0"/>
                                       </m:argPr>
                                       <m:r>
-                                        <a:rPr xmlns:a="http://schemas.openxmlformats.org/drawingml/2006/main" sz="1700" i="1">
+                                        <a:rPr xmlns:a="http://schemas.openxmlformats.org/drawingml/2006/main" sz="1450" i="1">
                                           <a:solidFill>
                                             <a:srgbClr val="000000"/>
                                           </a:solidFill>
@@ -12681,7 +12543,7 @@
                               <m:d>
                                 <m:dPr>
                                   <m:ctrlPr>
-                                    <a:rPr xmlns:a="http://schemas.openxmlformats.org/drawingml/2006/main" sz="1700" i="1">
+                                    <a:rPr xmlns:a="http://schemas.openxmlformats.org/drawingml/2006/main" sz="1450" i="1">
                                       <a:solidFill>
                                         <a:srgbClr val="000000"/>
                                       </a:solidFill>
@@ -12699,7 +12561,7 @@
                                         <m:scrLvl m:val="0"/>
                                       </m:argPr>
                                       <m:r>
-                                        <a:rPr xmlns:a="http://schemas.openxmlformats.org/drawingml/2006/main" sz="1700" i="1">
+                                        <a:rPr xmlns:a="http://schemas.openxmlformats.org/drawingml/2006/main" sz="1450" i="1">
                                           <a:solidFill>
                                             <a:srgbClr val="000000"/>
                                           </a:solidFill>
@@ -12713,7 +12575,7 @@
                                         <m:scrLvl m:val="0"/>
                                       </m:argPr>
                                       <m:r>
-                                        <a:rPr xmlns:a="http://schemas.openxmlformats.org/drawingml/2006/main" sz="1700" i="1">
+                                        <a:rPr xmlns:a="http://schemas.openxmlformats.org/drawingml/2006/main" sz="1450" i="1">
                                           <a:solidFill>
                                             <a:srgbClr val="000000"/>
                                           </a:solidFill>
@@ -12729,7 +12591,7 @@
                                         <m:scrLvl m:val="0"/>
                                       </m:argPr>
                                       <m:r>
-                                        <a:rPr xmlns:a="http://schemas.openxmlformats.org/drawingml/2006/main" sz="1700" i="1">
+                                        <a:rPr xmlns:a="http://schemas.openxmlformats.org/drawingml/2006/main" sz="1450" i="1">
                                           <a:solidFill>
                                             <a:srgbClr val="000000"/>
                                           </a:solidFill>
@@ -12743,7 +12605,7 @@
                                         <m:scrLvl m:val="0"/>
                                       </m:argPr>
                                       <m:r>
-                                        <a:rPr xmlns:a="http://schemas.openxmlformats.org/drawingml/2006/main" sz="1700" i="1">
+                                        <a:rPr xmlns:a="http://schemas.openxmlformats.org/drawingml/2006/main" sz="1450" i="1">
                                           <a:solidFill>
                                             <a:srgbClr val="000000"/>
                                           </a:solidFill>
@@ -12757,7 +12619,7 @@
                                         <m:scrLvl m:val="0"/>
                                       </m:argPr>
                                       <m:r>
-                                        <a:rPr xmlns:a="http://schemas.openxmlformats.org/drawingml/2006/main" sz="1700" i="1">
+                                        <a:rPr xmlns:a="http://schemas.openxmlformats.org/drawingml/2006/main" sz="1450" i="1">
                                           <a:solidFill>
                                             <a:srgbClr val="000000"/>
                                           </a:solidFill>
@@ -12771,7 +12633,7 @@
                                     <m:rPr>
                                       <m:sty m:val="p"/>
                                     </m:rPr>
-                                    <a:rPr xmlns:a="http://schemas.openxmlformats.org/drawingml/2006/main" sz="1700" i="1">
+                                    <a:rPr xmlns:a="http://schemas.openxmlformats.org/drawingml/2006/main" sz="1450" i="1">
                                       <a:solidFill>
                                         <a:srgbClr val="000000"/>
                                       </a:solidFill>
@@ -12780,7 +12642,7 @@
                                     <m:t>d</m:t>
                                   </m:r>
                                   <m:r>
-                                    <a:rPr xmlns:a="http://schemas.openxmlformats.org/drawingml/2006/main" sz="1700" i="1">
+                                    <a:rPr xmlns:a="http://schemas.openxmlformats.org/drawingml/2006/main" sz="1450" i="1">
                                       <a:solidFill>
                                         <a:srgbClr val="000000"/>
                                       </a:solidFill>
@@ -12796,7 +12658,7 @@
                             <m:e/>
                             <m:e>
                               <m:r>
-                                <a:rPr xmlns:a="http://schemas.openxmlformats.org/drawingml/2006/main" sz="1700" i="1">
+                                <a:rPr xmlns:a="http://schemas.openxmlformats.org/drawingml/2006/main" sz="1450" i="1">
                                   <a:solidFill>
                                     <a:srgbClr val="000000"/>
                                   </a:solidFill>
@@ -12807,7 +12669,7 @@
                               <m:f>
                                 <m:fPr>
                                   <m:ctrlPr>
-                                    <a:rPr xmlns:a="http://schemas.openxmlformats.org/drawingml/2006/main" sz="1700" i="1">
+                                    <a:rPr xmlns:a="http://schemas.openxmlformats.org/drawingml/2006/main" sz="1450" i="1">
                                       <a:solidFill>
                                         <a:srgbClr val="000000"/>
                                       </a:solidFill>
@@ -12821,7 +12683,7 @@
                                     <m:scrLvl m:val="0"/>
                                   </m:argPr>
                                   <m:r>
-                                    <a:rPr xmlns:a="http://schemas.openxmlformats.org/drawingml/2006/main" sz="1700" i="1">
+                                    <a:rPr xmlns:a="http://schemas.openxmlformats.org/drawingml/2006/main" sz="1450" i="1">
                                       <a:solidFill>
                                         <a:srgbClr val="000000"/>
                                       </a:solidFill>
@@ -12840,7 +12702,7 @@
                                         <m:scrLvl m:val="0"/>
                                       </m:argPr>
                                       <m:r>
-                                        <a:rPr xmlns:a="http://schemas.openxmlformats.org/drawingml/2006/main" sz="1700" i="1">
+                                        <a:rPr xmlns:a="http://schemas.openxmlformats.org/drawingml/2006/main" sz="1450" i="1">
                                           <a:solidFill>
                                             <a:srgbClr val="000000"/>
                                           </a:solidFill>
@@ -12854,7 +12716,7 @@
                                         <m:scrLvl m:val="0"/>
                                       </m:argPr>
                                       <m:r>
-                                        <a:rPr xmlns:a="http://schemas.openxmlformats.org/drawingml/2006/main" sz="1700" i="1">
+                                        <a:rPr xmlns:a="http://schemas.openxmlformats.org/drawingml/2006/main" sz="1450" i="1">
                                           <a:solidFill>
                                             <a:srgbClr val="000000"/>
                                           </a:solidFill>
@@ -12867,7 +12729,7 @@
                                 </m:den>
                               </m:f>
                               <m:r>
-                                <a:rPr xmlns:a="http://schemas.openxmlformats.org/drawingml/2006/main" sz="1700" i="1">
+                                <a:rPr xmlns:a="http://schemas.openxmlformats.org/drawingml/2006/main" sz="1450" i="1">
                                   <a:solidFill>
                                     <a:srgbClr val="000000"/>
                                   </a:solidFill>
@@ -12876,7 +12738,7 @@
                                 <m:t>(</m:t>
                               </m:r>
                               <m:r>
-                                <a:rPr xmlns:a="http://schemas.openxmlformats.org/drawingml/2006/main" sz="1700" i="1">
+                                <a:rPr xmlns:a="http://schemas.openxmlformats.org/drawingml/2006/main" sz="1450" i="1">
                                   <a:solidFill>
                                     <a:srgbClr val="000000"/>
                                   </a:solidFill>
@@ -12890,7 +12752,7 @@
                                     <m:scrLvl m:val="0"/>
                                   </m:argPr>
                                   <m:r>
-                                    <a:rPr xmlns:a="http://schemas.openxmlformats.org/drawingml/2006/main" sz="1700" i="1">
+                                    <a:rPr xmlns:a="http://schemas.openxmlformats.org/drawingml/2006/main" sz="1450" i="1">
                                       <a:solidFill>
                                         <a:srgbClr val="000000"/>
                                       </a:solidFill>
@@ -12904,7 +12766,7 @@
                                     <m:scrLvl m:val="0"/>
                                   </m:argPr>
                                   <m:r>
-                                    <a:rPr xmlns:a="http://schemas.openxmlformats.org/drawingml/2006/main" sz="1700" i="1">
+                                    <a:rPr xmlns:a="http://schemas.openxmlformats.org/drawingml/2006/main" sz="1450" i="1">
                                       <a:solidFill>
                                         <a:srgbClr val="000000"/>
                                       </a:solidFill>
@@ -12918,7 +12780,7 @@
                                 <m:rPr>
                                   <m:sty m:val="p"/>
                                 </m:rPr>
-                                <a:rPr xmlns:a="http://schemas.openxmlformats.org/drawingml/2006/main" sz="1700" i="1">
+                                <a:rPr xmlns:a="http://schemas.openxmlformats.org/drawingml/2006/main" sz="1450" i="1">
                                   <a:solidFill>
                                     <a:srgbClr val="000000"/>
                                   </a:solidFill>
@@ -12932,7 +12794,7 @@
                                     <m:scrLvl m:val="0"/>
                                   </m:argPr>
                                   <m:r>
-                                    <a:rPr xmlns:a="http://schemas.openxmlformats.org/drawingml/2006/main" sz="1700" i="1">
+                                    <a:rPr xmlns:a="http://schemas.openxmlformats.org/drawingml/2006/main" sz="1450" i="1">
                                       <a:solidFill>
                                         <a:srgbClr val="000000"/>
                                       </a:solidFill>
@@ -12946,7 +12808,7 @@
                                     <m:scrLvl m:val="0"/>
                                   </m:argPr>
                                   <m:r>
-                                    <a:rPr xmlns:a="http://schemas.openxmlformats.org/drawingml/2006/main" sz="1700" i="1">
+                                    <a:rPr xmlns:a="http://schemas.openxmlformats.org/drawingml/2006/main" sz="1450" i="1">
                                       <a:solidFill>
                                         <a:srgbClr val="000000"/>
                                       </a:solidFill>
@@ -12957,7 +12819,7 @@
                                 </m:sub>
                               </m:sSub>
                               <m:r>
-                                <a:rPr xmlns:a="http://schemas.openxmlformats.org/drawingml/2006/main" sz="1700" i="1">
+                                <a:rPr xmlns:a="http://schemas.openxmlformats.org/drawingml/2006/main" sz="1450" i="1">
                                   <a:solidFill>
                                     <a:srgbClr val="000000"/>
                                   </a:solidFill>
@@ -12966,7 +12828,7 @@
                                 <m:t>+</m:t>
                               </m:r>
                               <m:r>
-                                <a:rPr xmlns:a="http://schemas.openxmlformats.org/drawingml/2006/main" sz="1700" i="1">
+                                <a:rPr xmlns:a="http://schemas.openxmlformats.org/drawingml/2006/main" sz="1450" i="1">
                                   <a:solidFill>
                                     <a:srgbClr val="000000"/>
                                   </a:solidFill>
@@ -12980,7 +12842,7 @@
                                     <m:scrLvl m:val="0"/>
                                   </m:argPr>
                                   <m:r>
-                                    <a:rPr xmlns:a="http://schemas.openxmlformats.org/drawingml/2006/main" sz="1700" i="1">
+                                    <a:rPr xmlns:a="http://schemas.openxmlformats.org/drawingml/2006/main" sz="1450" i="1">
                                       <a:solidFill>
                                         <a:srgbClr val="000000"/>
                                       </a:solidFill>
@@ -12994,7 +12856,7 @@
                                     <m:scrLvl m:val="0"/>
                                   </m:argPr>
                                   <m:r>
-                                    <a:rPr xmlns:a="http://schemas.openxmlformats.org/drawingml/2006/main" sz="1700" i="1">
+                                    <a:rPr xmlns:a="http://schemas.openxmlformats.org/drawingml/2006/main" sz="1450" i="1">
                                       <a:solidFill>
                                         <a:srgbClr val="000000"/>
                                       </a:solidFill>
@@ -13008,7 +12870,7 @@
                                 <m:rPr>
                                   <m:sty m:val="p"/>
                                 </m:rPr>
-                                <a:rPr xmlns:a="http://schemas.openxmlformats.org/drawingml/2006/main" sz="1700" i="1">
+                                <a:rPr xmlns:a="http://schemas.openxmlformats.org/drawingml/2006/main" sz="1450" i="1">
                                   <a:solidFill>
                                     <a:srgbClr val="000000"/>
                                   </a:solidFill>
@@ -13017,7 +12879,7 @@
                                 <m:t>d</m:t>
                               </m:r>
                               <m:r>
-                                <a:rPr xmlns:a="http://schemas.openxmlformats.org/drawingml/2006/main" sz="1700" i="1">
+                                <a:rPr xmlns:a="http://schemas.openxmlformats.org/drawingml/2006/main" sz="1450" i="1">
                                   <a:solidFill>
                                     <a:srgbClr val="000000"/>
                                   </a:solidFill>
@@ -13026,7 +12888,7 @@
                                 <m:t>t</m:t>
                               </m:r>
                               <m:r>
-                                <a:rPr xmlns:a="http://schemas.openxmlformats.org/drawingml/2006/main" sz="1700" i="1">
+                                <a:rPr xmlns:a="http://schemas.openxmlformats.org/drawingml/2006/main" sz="1450" i="1">
                                   <a:solidFill>
                                     <a:srgbClr val="000000"/>
                                   </a:solidFill>
@@ -13035,7 +12897,7 @@
                                 <m:t>)</m:t>
                               </m:r>
                               <m:r>
-                                <a:rPr xmlns:a="http://schemas.openxmlformats.org/drawingml/2006/main" sz="1700" i="1">
+                                <a:rPr xmlns:a="http://schemas.openxmlformats.org/drawingml/2006/main" sz="1450" i="1">
                                   <a:solidFill>
                                     <a:srgbClr val="000000"/>
                                   </a:solidFill>
@@ -13046,7 +12908,7 @@
                               <m:f>
                                 <m:fPr>
                                   <m:ctrlPr>
-                                    <a:rPr xmlns:a="http://schemas.openxmlformats.org/drawingml/2006/main" sz="1700" i="1">
+                                    <a:rPr xmlns:a="http://schemas.openxmlformats.org/drawingml/2006/main" sz="1450" i="1">
                                       <a:solidFill>
                                         <a:srgbClr val="000000"/>
                                       </a:solidFill>
@@ -13065,7 +12927,7 @@
                                         <m:scrLvl m:val="0"/>
                                       </m:argPr>
                                       <m:r>
-                                        <a:rPr xmlns:a="http://schemas.openxmlformats.org/drawingml/2006/main" sz="1700" i="1">
+                                        <a:rPr xmlns:a="http://schemas.openxmlformats.org/drawingml/2006/main" sz="1450" i="1">
                                           <a:solidFill>
                                             <a:srgbClr val="000000"/>
                                           </a:solidFill>
@@ -13079,7 +12941,7 @@
                                         <m:scrLvl m:val="0"/>
                                       </m:argPr>
                                       <m:r>
-                                        <a:rPr xmlns:a="http://schemas.openxmlformats.org/drawingml/2006/main" sz="1700" i="1">
+                                        <a:rPr xmlns:a="http://schemas.openxmlformats.org/drawingml/2006/main" sz="1450" i="1">
                                           <a:solidFill>
                                             <a:srgbClr val="000000"/>
                                           </a:solidFill>
@@ -13095,7 +12957,7 @@
                                     <m:scrLvl m:val="0"/>
                                   </m:argPr>
                                   <m:r>
-                                    <a:rPr xmlns:a="http://schemas.openxmlformats.org/drawingml/2006/main" sz="1700" i="1">
+                                    <a:rPr xmlns:a="http://schemas.openxmlformats.org/drawingml/2006/main" sz="1450" i="1">
                                       <a:solidFill>
                                         <a:srgbClr val="000000"/>
                                       </a:solidFill>
@@ -13109,7 +12971,7 @@
                                 <m:rPr>
                                   <m:sty m:val="p"/>
                                 </m:rPr>
-                                <a:rPr xmlns:a="http://schemas.openxmlformats.org/drawingml/2006/main" sz="1700" i="1">
+                                <a:rPr xmlns:a="http://schemas.openxmlformats.org/drawingml/2006/main" sz="1450" i="1">
                                   <a:solidFill>
                                     <a:srgbClr val="000000"/>
                                   </a:solidFill>
@@ -13118,7 +12980,7 @@
                                 <m:t>d</m:t>
                               </m:r>
                               <m:r>
-                                <a:rPr xmlns:a="http://schemas.openxmlformats.org/drawingml/2006/main" sz="1700" i="1">
+                                <a:rPr xmlns:a="http://schemas.openxmlformats.org/drawingml/2006/main" sz="1450" i="1">
                                   <a:solidFill>
                                     <a:srgbClr val="000000"/>
                                   </a:solidFill>
@@ -13127,7 +12989,7 @@
                                 <m:t>t</m:t>
                               </m:r>
                               <m:r>
-                                <a:rPr xmlns:a="http://schemas.openxmlformats.org/drawingml/2006/main" sz="1700" i="1">
+                                <a:rPr xmlns:a="http://schemas.openxmlformats.org/drawingml/2006/main" sz="1450" i="1">
                                   <a:solidFill>
                                     <a:srgbClr val="000000"/>
                                   </a:solidFill>
@@ -13136,7 +12998,7 @@
                                 <m:t>=</m:t>
                               </m:r>
                               <m:r>
-                                <a:rPr xmlns:a="http://schemas.openxmlformats.org/drawingml/2006/main" sz="1700" i="1">
+                                <a:rPr xmlns:a="http://schemas.openxmlformats.org/drawingml/2006/main" sz="1450" i="1">
                                   <a:solidFill>
                                     <a:srgbClr val="000000"/>
                                   </a:solidFill>
@@ -13148,7 +13010,7 @@
                                 <m:rPr>
                                   <m:sty m:val="p"/>
                                 </m:rPr>
-                                <a:rPr xmlns:a="http://schemas.openxmlformats.org/drawingml/2006/main" sz="1700" i="1">
+                                <a:rPr xmlns:a="http://schemas.openxmlformats.org/drawingml/2006/main" sz="1450" i="1">
                                   <a:solidFill>
                                     <a:srgbClr val="000000"/>
                                   </a:solidFill>
@@ -13162,7 +13024,7 @@
                                     <m:scrLvl m:val="0"/>
                                   </m:argPr>
                                   <m:r>
-                                    <a:rPr xmlns:a="http://schemas.openxmlformats.org/drawingml/2006/main" sz="1700" i="1">
+                                    <a:rPr xmlns:a="http://schemas.openxmlformats.org/drawingml/2006/main" sz="1450" i="1">
                                       <a:solidFill>
                                         <a:srgbClr val="000000"/>
                                       </a:solidFill>
@@ -13176,7 +13038,7 @@
                                     <m:scrLvl m:val="0"/>
                                   </m:argPr>
                                   <m:r>
-                                    <a:rPr xmlns:a="http://schemas.openxmlformats.org/drawingml/2006/main" sz="1700" i="1">
+                                    <a:rPr xmlns:a="http://schemas.openxmlformats.org/drawingml/2006/main" sz="1450" i="1">
                                       <a:solidFill>
                                         <a:srgbClr val="000000"/>
                                       </a:solidFill>
@@ -13187,7 +13049,7 @@
                                 </m:sub>
                               </m:sSub>
                               <m:r>
-                                <a:rPr xmlns:a="http://schemas.openxmlformats.org/drawingml/2006/main" sz="1700" i="1">
+                                <a:rPr xmlns:a="http://schemas.openxmlformats.org/drawingml/2006/main" sz="1450" i="1">
                                   <a:solidFill>
                                     <a:srgbClr val="000000"/>
                                   </a:solidFill>
@@ -13198,7 +13060,7 @@
                               <m:d>
                                 <m:dPr>
                                   <m:ctrlPr>
-                                    <a:rPr xmlns:a="http://schemas.openxmlformats.org/drawingml/2006/main" sz="1700" i="1">
+                                    <a:rPr xmlns:a="http://schemas.openxmlformats.org/drawingml/2006/main" sz="1450" i="1">
                                       <a:solidFill>
                                         <a:srgbClr val="000000"/>
                                       </a:solidFill>
@@ -13211,7 +13073,7 @@
                                     <m:scrLvl m:val="0"/>
                                   </m:argPr>
                                   <m:r>
-                                    <a:rPr xmlns:a="http://schemas.openxmlformats.org/drawingml/2006/main" sz="1700" i="1">
+                                    <a:rPr xmlns:a="http://schemas.openxmlformats.org/drawingml/2006/main" sz="1450" i="1">
                                       <a:solidFill>
                                         <a:srgbClr val="000000"/>
                                       </a:solidFill>
@@ -13220,7 +13082,7 @@
                                     <m:t>μ</m:t>
                                   </m:r>
                                   <m:r>
-                                    <a:rPr xmlns:a="http://schemas.openxmlformats.org/drawingml/2006/main" sz="1700" i="1">
+                                    <a:rPr xmlns:a="http://schemas.openxmlformats.org/drawingml/2006/main" sz="1450" i="1">
                                       <a:solidFill>
                                         <a:srgbClr val="000000"/>
                                       </a:solidFill>
@@ -13231,7 +13093,7 @@
                                   <m:f>
                                     <m:fPr>
                                       <m:ctrlPr>
-                                        <a:rPr xmlns:a="http://schemas.openxmlformats.org/drawingml/2006/main" sz="1700" i="1">
+                                        <a:rPr xmlns:a="http://schemas.openxmlformats.org/drawingml/2006/main" sz="1450" i="1">
                                           <a:solidFill>
                                             <a:srgbClr val="000000"/>
                                           </a:solidFill>
@@ -13250,7 +13112,7 @@
                                             <m:scrLvl m:val="0"/>
                                           </m:argPr>
                                           <m:r>
-                                            <a:rPr xmlns:a="http://schemas.openxmlformats.org/drawingml/2006/main" sz="1700" i="1">
+                                            <a:rPr xmlns:a="http://schemas.openxmlformats.org/drawingml/2006/main" sz="1450" i="1">
                                               <a:solidFill>
                                                 <a:srgbClr val="000000"/>
                                               </a:solidFill>
@@ -13264,7 +13126,7 @@
                                             <m:scrLvl m:val="0"/>
                                           </m:argPr>
                                           <m:r>
-                                            <a:rPr xmlns:a="http://schemas.openxmlformats.org/drawingml/2006/main" sz="1700" i="1">
+                                            <a:rPr xmlns:a="http://schemas.openxmlformats.org/drawingml/2006/main" sz="1450" i="1">
                                               <a:solidFill>
                                                 <a:srgbClr val="000000"/>
                                               </a:solidFill>
@@ -13280,7 +13142,7 @@
                                         <m:scrLvl m:val="0"/>
                                       </m:argPr>
                                       <m:r>
-                                        <a:rPr xmlns:a="http://schemas.openxmlformats.org/drawingml/2006/main" sz="1700" i="1">
+                                        <a:rPr xmlns:a="http://schemas.openxmlformats.org/drawingml/2006/main" sz="1450" i="1">
                                           <a:solidFill>
                                             <a:srgbClr val="000000"/>
                                           </a:solidFill>
@@ -13296,7 +13158,7 @@
                                 <m:rPr>
                                   <m:sty m:val="p"/>
                                 </m:rPr>
-                                <a:rPr xmlns:a="http://schemas.openxmlformats.org/drawingml/2006/main" sz="1700" i="1">
+                                <a:rPr xmlns:a="http://schemas.openxmlformats.org/drawingml/2006/main" sz="1450" i="1">
                                   <a:solidFill>
                                     <a:srgbClr val="000000"/>
                                   </a:solidFill>
@@ -13305,7 +13167,7 @@
                                 <m:t>d</m:t>
                               </m:r>
                               <m:r>
-                                <a:rPr xmlns:a="http://schemas.openxmlformats.org/drawingml/2006/main" sz="1700" i="1">
+                                <a:rPr xmlns:a="http://schemas.openxmlformats.org/drawingml/2006/main" sz="1450" i="1">
                                   <a:solidFill>
                                     <a:srgbClr val="000000"/>
                                   </a:solidFill>
@@ -13320,11 +13182,41 @@
                     </m:oMathPara>
                   </a14:m>
                 </a:p>
+              </p:txBody>
+            </p:sp>
+            <p:sp>
+              <p:nvSpPr>
+                <p:cNvPr id="122" name="The Wiener process greatly limits the possibilities for solving this DE. It is inexact, nonlinear, and nonhomogenous. The integrating factor cannot be used either due to the Wiener process. As such, separation of variables is the only suitable method. In"/>
+                <p:cNvSpPr txBox="1"/>
+                <p:nvPr/>
+              </p:nvSpPr>
+              <p:spPr>
+                <a:xfrm>
+                  <a:off x="5411093" y="0"/>
+                  <a:ext cx="5125740" cy="15295615"/>
+                </a:xfrm>
+                <a:prstGeom prst="rect">
+                  <a:avLst/>
+                </a:prstGeom>
+                <a:noFill/>
+                <a:ln w="12700" cap="flat">
+                  <a:noFill/>
+                  <a:miter lim="400000"/>
+                </a:ln>
+                <a:effectLst/>
+                <a:extLst>
+                  <a:ext uri="{C572A759-6A51-4108-AA02-DFA0A04FC94B}">
+                    <ma14:wrappingTextBoxFlag xmlns:ma14="http://schemas.microsoft.com/office/mac/drawingml/2011/main" val="1"/>
+                  </a:ext>
+                </a:extLst>
+              </p:spPr>
+              <p:txBody>
+                <a:bodyPr wrap="square" lIns="45719" tIns="45719" rIns="45719" bIns="45719" numCol="1" anchor="t">
+                  <a:noAutofit/>
+                </a:bodyPr>
+                <a:lstStyle/>
                 <a:p>
-                  <a:pPr lvl="2">
-                    <a:lnSpc>
-                      <a:spcPct val="115000"/>
-                    </a:lnSpc>
+                  <a:pPr lvl="2" algn="ctr">
                     <a:spcBef>
                       <a:spcPts val="1000"/>
                     </a:spcBef>
@@ -13335,15 +13227,26 @@
                       <a:sym typeface="Calibri"/>
                     </a:defRPr>
                   </a:pPr>
+                </a:p>
+                <a:p>
+                  <a:pPr defTabSz="457200">
+                    <a:spcBef>
+                      <a:spcPts val="1200"/>
+                    </a:spcBef>
+                    <a:defRPr sz="1600">
+                      <a:latin typeface="Times Roman"/>
+                      <a:ea typeface="Times Roman"/>
+                      <a:cs typeface="Times Roman"/>
+                      <a:sym typeface="Times Roman"/>
+                    </a:defRPr>
+                  </a:pPr>
                   <a:r>
-                    <a:t>This then simply becomes a separable differential equation</a:t>
+                    <a:t>The Wiener process greatly limits the possibilities for solving this DE. It is inexact, nonlinear, and nonhomogenous. The integrating factor cannot be used either due to the Wiener process. As such, separation of variables is the only suitable method. Integrating the separable DE, </a:t>
                   </a:r>
+                  <a:endParaRPr sz="1200"/>
                 </a:p>
                 <a:p>
                   <a:pPr lvl="2" algn="ctr">
-                    <a:lnSpc>
-                      <a:spcPct val="115000"/>
-                    </a:lnSpc>
                     <a:spcBef>
                       <a:spcPts val="1000"/>
                     </a:spcBef>
@@ -13609,9 +13512,6 @@
                 </a:p>
                 <a:p>
                   <a:pPr lvl="2">
-                    <a:lnSpc>
-                      <a:spcPct val="115000"/>
-                    </a:lnSpc>
                     <a:spcBef>
                       <a:spcPts val="1000"/>
                     </a:spcBef>
@@ -13628,9 +13528,6 @@
                 </a:p>
                 <a:p>
                   <a:pPr lvl="2" algn="ctr">
-                    <a:lnSpc>
-                      <a:spcPct val="115000"/>
-                    </a:lnSpc>
                     <a:spcBef>
                       <a:spcPts val="1000"/>
                     </a:spcBef>
@@ -13849,9 +13746,6 @@
                 </a:p>
                 <a:p>
                   <a:pPr lvl="2">
-                    <a:lnSpc>
-                      <a:spcPct val="115000"/>
-                    </a:lnSpc>
                     <a:spcBef>
                       <a:spcPts val="1000"/>
                     </a:spcBef>
@@ -13884,9 +13778,6 @@
                 </a:p>
                 <a:p>
                   <a:pPr lvl="2" algn="ctr">
-                    <a:lnSpc>
-                      <a:spcPct val="115000"/>
-                    </a:lnSpc>
                     <a:spcBef>
                       <a:spcPts val="1000"/>
                     </a:spcBef>
@@ -13932,30 +13823,15 @@
                         </a:rPr>
                         <m:t>=</m:t>
                       </m:r>
-                      <m:sSub>
-                        <m:e>
-                          <m:r>
-                            <a:rPr xmlns:a="http://schemas.openxmlformats.org/drawingml/2006/main" sz="1700" i="1">
-                              <a:solidFill>
-                                <a:srgbClr val="000000"/>
-                              </a:solidFill>
-                              <a:latin typeface="Cambria Math" panose="02040503050406030204" pitchFamily="18" charset="0"/>
-                            </a:rPr>
-                            <m:t>S</m:t>
-                          </m:r>
-                        </m:e>
-                        <m:sub>
-                          <m:r>
-                            <a:rPr xmlns:a="http://schemas.openxmlformats.org/drawingml/2006/main" sz="1700" i="1">
-                              <a:solidFill>
-                                <a:srgbClr val="000000"/>
-                              </a:solidFill>
-                              <a:latin typeface="Cambria Math" panose="02040503050406030204" pitchFamily="18" charset="0"/>
-                            </a:rPr>
-                            <m:t>0</m:t>
-                          </m:r>
-                        </m:sub>
-                      </m:sSub>
+                      <m:r>
+                        <a:rPr xmlns:a="http://schemas.openxmlformats.org/drawingml/2006/main" sz="1700" i="1">
+                          <a:solidFill>
+                            <a:srgbClr val="000000"/>
+                          </a:solidFill>
+                          <a:latin typeface="Cambria Math" panose="02040503050406030204" pitchFamily="18" charset="0"/>
+                        </a:rPr>
+                        <m:t>C</m:t>
+                      </m:r>
                       <m:sSup>
                         <m:e>
                           <m:r>
@@ -14114,6 +13990,108 @@
                   </a:r>
                   <a14:m>
                     <m:oMath>
+                      <m:r>
+                        <a:rPr xmlns:a="http://schemas.openxmlformats.org/drawingml/2006/main" sz="1750" i="1">
+                          <a:solidFill>
+                            <a:srgbClr val="000000"/>
+                          </a:solidFill>
+                          <a:latin typeface="Cambria Math" panose="02040503050406030204" pitchFamily="18" charset="0"/>
+                        </a:rPr>
+                        <m:t>C</m:t>
+                      </m:r>
+                      <m:r>
+                        <a:rPr xmlns:a="http://schemas.openxmlformats.org/drawingml/2006/main" sz="1750" i="1">
+                          <a:solidFill>
+                            <a:srgbClr val="000000"/>
+                          </a:solidFill>
+                          <a:latin typeface="Cambria Math" panose="02040503050406030204" pitchFamily="18" charset="0"/>
+                        </a:rPr>
+                        <m:t>=</m:t>
+                      </m:r>
+                      <m:sSup>
+                        <m:e>
+                          <m:r>
+                            <m:rPr>
+                              <m:sty m:val="p"/>
+                            </m:rPr>
+                            <a:rPr xmlns:a="http://schemas.openxmlformats.org/drawingml/2006/main" sz="1750" i="1">
+                              <a:solidFill>
+                                <a:srgbClr val="000000"/>
+                              </a:solidFill>
+                              <a:latin typeface="Cambria Math" panose="02040503050406030204" pitchFamily="18" charset="0"/>
+                            </a:rPr>
+                            <m:t>e</m:t>
+                          </m:r>
+                        </m:e>
+                        <m:sup>
+                          <m:r>
+                            <a:rPr xmlns:a="http://schemas.openxmlformats.org/drawingml/2006/main" sz="1750" i="1">
+                              <a:solidFill>
+                                <a:srgbClr val="000000"/>
+                              </a:solidFill>
+                              <a:latin typeface="Cambria Math" panose="02040503050406030204" pitchFamily="18" charset="0"/>
+                            </a:rPr>
+                            <m:t>C</m:t>
+                          </m:r>
+                        </m:sup>
+                      </m:sSup>
+                    </m:oMath>
+                  </a14:m>
+                  <a:r>
+                    <a:t> </a:t>
+                  </a:r>
+                </a:p>
+                <a:p>
+                  <a:pPr lvl="2">
+                    <a:spcBef>
+                      <a:spcPts val="1000"/>
+                    </a:spcBef>
+                    <a:defRPr sz="1600">
+                      <a:latin typeface="Calibri"/>
+                      <a:ea typeface="Calibri"/>
+                      <a:cs typeface="Calibri"/>
+                      <a:sym typeface="Calibri"/>
+                    </a:defRPr>
+                  </a:pPr>
+                  <a:r>
+                    <a:t>(This solution method was largely adapted from [3] and [4]) At time </a:t>
+                  </a:r>
+                  <a14:m>
+                    <m:oMath>
+                      <m:r>
+                        <a:rPr xmlns:a="http://schemas.openxmlformats.org/drawingml/2006/main" sz="1750" i="1">
+                          <a:solidFill>
+                            <a:srgbClr val="000000"/>
+                          </a:solidFill>
+                          <a:latin typeface="Cambria Math" panose="02040503050406030204" pitchFamily="18" charset="0"/>
+                        </a:rPr>
+                        <m:t>t</m:t>
+                      </m:r>
+                      <m:r>
+                        <a:rPr xmlns:a="http://schemas.openxmlformats.org/drawingml/2006/main" sz="1750" i="1">
+                          <a:solidFill>
+                            <a:srgbClr val="000000"/>
+                          </a:solidFill>
+                          <a:latin typeface="Cambria Math" panose="02040503050406030204" pitchFamily="18" charset="0"/>
+                        </a:rPr>
+                        <m:t>=</m:t>
+                      </m:r>
+                      <m:r>
+                        <a:rPr xmlns:a="http://schemas.openxmlformats.org/drawingml/2006/main" sz="1750" i="1">
+                          <a:solidFill>
+                            <a:srgbClr val="000000"/>
+                          </a:solidFill>
+                          <a:latin typeface="Cambria Math" panose="02040503050406030204" pitchFamily="18" charset="0"/>
+                        </a:rPr>
+                        <m:t>0</m:t>
+                      </m:r>
+                    </m:oMath>
+                  </a14:m>
+                  <a:r>
+                    <a:t>, </a:t>
+                  </a:r>
+                  <a14:m>
+                    <m:oMath>
                       <m:sSub>
                         <m:e>
                           <m:r>
@@ -14134,69 +14112,14 @@
                               </a:solidFill>
                               <a:latin typeface="Cambria Math" panose="02040503050406030204" pitchFamily="18" charset="0"/>
                             </a:rPr>
-                            <m:t>0</m:t>
+                            <m:t>t</m:t>
                           </m:r>
                         </m:sub>
                       </m:sSub>
-                      <m:r>
-                        <a:rPr xmlns:a="http://schemas.openxmlformats.org/drawingml/2006/main" sz="1700" i="1">
-                          <a:solidFill>
-                            <a:srgbClr val="000000"/>
-                          </a:solidFill>
-                          <a:latin typeface="Cambria Math" panose="02040503050406030204" pitchFamily="18" charset="0"/>
-                        </a:rPr>
-                        <m:t>=</m:t>
-                      </m:r>
-                      <m:sSup>
-                        <m:e>
-                          <m:r>
-                            <m:rPr>
-                              <m:sty m:val="p"/>
-                            </m:rPr>
-                            <a:rPr xmlns:a="http://schemas.openxmlformats.org/drawingml/2006/main" sz="1700" i="1">
-                              <a:solidFill>
-                                <a:srgbClr val="000000"/>
-                              </a:solidFill>
-                              <a:latin typeface="Cambria Math" panose="02040503050406030204" pitchFamily="18" charset="0"/>
-                            </a:rPr>
-                            <m:t>e</m:t>
-                          </m:r>
-                        </m:e>
-                        <m:sup>
-                          <m:r>
-                            <a:rPr xmlns:a="http://schemas.openxmlformats.org/drawingml/2006/main" sz="1700" i="1">
-                              <a:solidFill>
-                                <a:srgbClr val="000000"/>
-                              </a:solidFill>
-                              <a:latin typeface="Cambria Math" panose="02040503050406030204" pitchFamily="18" charset="0"/>
-                            </a:rPr>
-                            <m:t>C</m:t>
-                          </m:r>
-                        </m:sup>
-                      </m:sSup>
                     </m:oMath>
                   </a14:m>
                   <a:r>
-                    <a:t> is the initial stock price</a:t>
-                  </a:r>
-                </a:p>
-                <a:p>
-                  <a:pPr lvl="2">
-                    <a:lnSpc>
-                      <a:spcPct val="115000"/>
-                    </a:lnSpc>
-                    <a:spcBef>
-                      <a:spcPts val="1000"/>
-                    </a:spcBef>
-                    <a:defRPr sz="1600">
-                      <a:latin typeface="Calibri"/>
-                      <a:ea typeface="Calibri"/>
-                      <a:cs typeface="Calibri"/>
-                      <a:sym typeface="Calibri"/>
-                    </a:defRPr>
-                  </a:pPr>
-                  <a:r>
-                    <a:t>Substituting the values of the constants </a:t>
+                    <a:t> is equal to the initial stock price </a:t>
                   </a:r>
                   <a14:m>
                     <m:oMath>
@@ -14227,46 +14150,11 @@
                     </m:oMath>
                   </a14:m>
                   <a:r>
-                    <a:t>, </a:t>
-                  </a:r>
-                  <a14:m>
-                    <m:oMath>
-                      <m:r>
-                        <a:rPr xmlns:a="http://schemas.openxmlformats.org/drawingml/2006/main" sz="1750" i="1">
-                          <a:solidFill>
-                            <a:srgbClr val="000000"/>
-                          </a:solidFill>
-                          <a:latin typeface="Cambria Math" panose="02040503050406030204" pitchFamily="18" charset="0"/>
-                        </a:rPr>
-                        <m:t>μ</m:t>
-                      </m:r>
-                    </m:oMath>
-                  </a14:m>
-                  <a:r>
-                    <a:t>, and </a:t>
-                  </a:r>
-                  <a14:m>
-                    <m:oMath>
-                      <m:r>
-                        <a:rPr xmlns:a="http://schemas.openxmlformats.org/drawingml/2006/main" sz="1700" i="1">
-                          <a:solidFill>
-                            <a:srgbClr val="000000"/>
-                          </a:solidFill>
-                          <a:latin typeface="Cambria Math" panose="02040503050406030204" pitchFamily="18" charset="0"/>
-                        </a:rPr>
-                        <m:t>σ</m:t>
-                      </m:r>
-                    </m:oMath>
-                  </a14:m>
-                  <a:r>
-                    <a:t>,</a:t>
+                    <a:t>, so</a:t>
                   </a:r>
                 </a:p>
                 <a:p>
                   <a:pPr lvl="2" algn="ctr">
-                    <a:lnSpc>
-                      <a:spcPct val="115000"/>
-                    </a:lnSpc>
                     <a:spcBef>
                       <a:spcPts val="1000"/>
                     </a:spcBef>
@@ -14314,7 +14202,7 @@
                             </a:solidFill>
                             <a:latin typeface="Cambria Math" panose="02040503050406030204" pitchFamily="18" charset="0"/>
                           </a:rPr>
-                          <m:t>=</m:t>
+                          <m:t>(</m:t>
                         </m:r>
                         <m:r>
                           <a:rPr xmlns:a="http://schemas.openxmlformats.org/drawingml/2006/main" sz="1700" i="1">
@@ -14323,106 +14211,28 @@
                             </a:solidFill>
                             <a:latin typeface="Cambria Math" panose="02040503050406030204" pitchFamily="18" charset="0"/>
                           </a:rPr>
-                          <m:t>141.501</m:t>
+                          <m:t>0</m:t>
                         </m:r>
-                        <m:sSup>
+                        <m:r>
+                          <a:rPr xmlns:a="http://schemas.openxmlformats.org/drawingml/2006/main" sz="1700" i="1">
+                            <a:solidFill>
+                              <a:srgbClr val="000000"/>
+                            </a:solidFill>
+                            <a:latin typeface="Cambria Math" panose="02040503050406030204" pitchFamily="18" charset="0"/>
+                          </a:rPr>
+                          <m:t>)</m:t>
+                        </m:r>
+                        <m:r>
+                          <a:rPr xmlns:a="http://schemas.openxmlformats.org/drawingml/2006/main" sz="1700" i="1">
+                            <a:solidFill>
+                              <a:srgbClr val="000000"/>
+                            </a:solidFill>
+                            <a:latin typeface="Cambria Math" panose="02040503050406030204" pitchFamily="18" charset="0"/>
+                          </a:rPr>
+                          <m:t>=</m:t>
+                        </m:r>
+                        <m:sSub>
                           <m:e>
-                            <m:r>
-                              <m:rPr>
-                                <m:sty m:val="p"/>
-                              </m:rPr>
-                              <a:rPr xmlns:a="http://schemas.openxmlformats.org/drawingml/2006/main" sz="1700" i="1">
-                                <a:solidFill>
-                                  <a:srgbClr val="000000"/>
-                                </a:solidFill>
-                                <a:latin typeface="Cambria Math" panose="02040503050406030204" pitchFamily="18" charset="0"/>
-                              </a:rPr>
-                              <m:t>e</m:t>
-                            </m:r>
-                          </m:e>
-                          <m:sup>
-                            <m:d>
-                              <m:dPr>
-                                <m:ctrlPr>
-                                  <a:rPr xmlns:a="http://schemas.openxmlformats.org/drawingml/2006/main" sz="1700" i="1">
-                                    <a:solidFill>
-                                      <a:srgbClr val="000000"/>
-                                    </a:solidFill>
-                                    <a:latin typeface="Cambria Math" panose="02040503050406030204" pitchFamily="18" charset="0"/>
-                                  </a:rPr>
-                                </m:ctrlPr>
-                              </m:dPr>
-                              <m:e>
-                                <m:r>
-                                  <a:rPr xmlns:a="http://schemas.openxmlformats.org/drawingml/2006/main" sz="1700" i="1">
-                                    <a:solidFill>
-                                      <a:srgbClr val="000000"/>
-                                    </a:solidFill>
-                                    <a:latin typeface="Cambria Math" panose="02040503050406030204" pitchFamily="18" charset="0"/>
-                                  </a:rPr>
-                                  <m:t>0.00064</m:t>
-                                </m:r>
-                                <m:r>
-                                  <a:rPr xmlns:a="http://schemas.openxmlformats.org/drawingml/2006/main" sz="1700" i="1">
-                                    <a:solidFill>
-                                      <a:srgbClr val="000000"/>
-                                    </a:solidFill>
-                                    <a:latin typeface="Cambria Math" panose="02040503050406030204" pitchFamily="18" charset="0"/>
-                                  </a:rPr>
-                                  <m:t>+</m:t>
-                                </m:r>
-                                <m:f>
-                                  <m:fPr>
-                                    <m:ctrlPr>
-                                      <a:rPr xmlns:a="http://schemas.openxmlformats.org/drawingml/2006/main" sz="1700" i="1">
-                                        <a:solidFill>
-                                          <a:srgbClr val="000000"/>
-                                        </a:solidFill>
-                                        <a:latin typeface="Cambria Math" panose="02040503050406030204" pitchFamily="18" charset="0"/>
-                                      </a:rPr>
-                                    </m:ctrlPr>
-                                    <m:type m:val="bar"/>
-                                  </m:fPr>
-                                  <m:num>
-                                    <m:sSup>
-                                      <m:e>
-                                        <m:r>
-                                          <a:rPr xmlns:a="http://schemas.openxmlformats.org/drawingml/2006/main" sz="1700" i="1">
-                                            <a:solidFill>
-                                              <a:srgbClr val="000000"/>
-                                            </a:solidFill>
-                                            <a:latin typeface="Cambria Math" panose="02040503050406030204" pitchFamily="18" charset="0"/>
-                                          </a:rPr>
-                                          <m:t>4.356</m:t>
-                                        </m:r>
-                                      </m:e>
-                                      <m:sup>
-                                        <m:r>
-                                          <a:rPr xmlns:a="http://schemas.openxmlformats.org/drawingml/2006/main" sz="1700" i="1">
-                                            <a:solidFill>
-                                              <a:srgbClr val="000000"/>
-                                            </a:solidFill>
-                                            <a:latin typeface="Cambria Math" panose="02040503050406030204" pitchFamily="18" charset="0"/>
-                                          </a:rPr>
-                                          <m:t>2</m:t>
-                                        </m:r>
-                                      </m:sup>
-                                    </m:sSup>
-                                  </m:num>
-                                  <m:den>
-                                    <m:r>
-                                      <a:rPr xmlns:a="http://schemas.openxmlformats.org/drawingml/2006/main" sz="1700" i="1">
-                                        <a:solidFill>
-                                          <a:srgbClr val="000000"/>
-                                        </a:solidFill>
-                                        <a:latin typeface="Cambria Math" panose="02040503050406030204" pitchFamily="18" charset="0"/>
-                                      </a:rPr>
-                                      <m:t>2</m:t>
-                                    </m:r>
-                                  </m:den>
-                                </m:f>
-                              </m:e>
-                            </m:d>
                             <m:r>
                               <a:rPr xmlns:a="http://schemas.openxmlformats.org/drawingml/2006/main" sz="1700" i="1">
                                 <a:solidFill>
@@ -14430,8 +14240,10 @@
                                 </a:solidFill>
                                 <a:latin typeface="Cambria Math" panose="02040503050406030204" pitchFamily="18" charset="0"/>
                               </a:rPr>
-                              <m:t>t</m:t>
+                              <m:t>S</m:t>
                             </m:r>
+                          </m:e>
+                          <m:sub>
                             <m:r>
                               <a:rPr xmlns:a="http://schemas.openxmlformats.org/drawingml/2006/main" sz="1700" i="1">
                                 <a:solidFill>
@@ -14439,43 +14251,10 @@
                                 </a:solidFill>
                                 <a:latin typeface="Cambria Math" panose="02040503050406030204" pitchFamily="18" charset="0"/>
                               </a:rPr>
-                              <m:t>+</m:t>
+                              <m:t>0</m:t>
                             </m:r>
-                            <m:r>
-                              <a:rPr xmlns:a="http://schemas.openxmlformats.org/drawingml/2006/main" sz="1700" i="1">
-                                <a:solidFill>
-                                  <a:srgbClr val="000000"/>
-                                </a:solidFill>
-                                <a:latin typeface="Cambria Math" panose="02040503050406030204" pitchFamily="18" charset="0"/>
-                              </a:rPr>
-                              <m:t>4.356</m:t>
-                            </m:r>
-                            <m:sSub>
-                              <m:e>
-                                <m:r>
-                                  <a:rPr xmlns:a="http://schemas.openxmlformats.org/drawingml/2006/main" sz="1700" i="1">
-                                    <a:solidFill>
-                                      <a:srgbClr val="000000"/>
-                                    </a:solidFill>
-                                    <a:latin typeface="Cambria Math" panose="02040503050406030204" pitchFamily="18" charset="0"/>
-                                  </a:rPr>
-                                  <m:t>W</m:t>
-                                </m:r>
-                              </m:e>
-                              <m:sub>
-                                <m:r>
-                                  <a:rPr xmlns:a="http://schemas.openxmlformats.org/drawingml/2006/main" sz="1700" i="1">
-                                    <a:solidFill>
-                                      <a:srgbClr val="000000"/>
-                                    </a:solidFill>
-                                    <a:latin typeface="Cambria Math" panose="02040503050406030204" pitchFamily="18" charset="0"/>
-                                  </a:rPr>
-                                  <m:t>t</m:t>
-                                </m:r>
-                              </m:sub>
-                            </m:sSub>
-                          </m:sup>
-                        </m:sSup>
+                          </m:sub>
+                        </m:sSub>
                         <m:r>
                           <a:rPr xmlns:a="http://schemas.openxmlformats.org/drawingml/2006/main" sz="1700" i="1">
                             <a:solidFill>
@@ -14492,7 +14271,7 @@
                             </a:solidFill>
                             <a:latin typeface="Cambria Math" panose="02040503050406030204" pitchFamily="18" charset="0"/>
                           </a:rPr>
-                          <m:t>141.501</m:t>
+                          <m:t>C</m:t>
                         </m:r>
                         <m:sSup>
                           <m:e>
@@ -14517,10 +14296,289 @@
                                 </a:solidFill>
                                 <a:latin typeface="Cambria Math" panose="02040503050406030204" pitchFamily="18" charset="0"/>
                               </a:rPr>
-                              <m:t>9.488</m:t>
+                              <m:t>0</m:t>
                             </m:r>
+                          </m:sup>
+                        </m:sSup>
+                        <m:r>
+                          <a:rPr xmlns:a="http://schemas.openxmlformats.org/drawingml/2006/main" sz="1700" i="1">
+                            <a:solidFill>
+                              <a:srgbClr val="000000"/>
+                            </a:solidFill>
+                            <a:latin typeface="Cambria Math" panose="02040503050406030204" pitchFamily="18" charset="0"/>
+                          </a:rPr>
+                          <m:t>=</m:t>
+                        </m:r>
+                        <m:r>
+                          <a:rPr xmlns:a="http://schemas.openxmlformats.org/drawingml/2006/main" sz="1700" i="1">
+                            <a:solidFill>
+                              <a:srgbClr val="000000"/>
+                            </a:solidFill>
+                            <a:latin typeface="Cambria Math" panose="02040503050406030204" pitchFamily="18" charset="0"/>
+                          </a:rPr>
+                          <m:t>C</m:t>
+                        </m:r>
+                        <m:r>
+                          <a:rPr xmlns:a="http://schemas.openxmlformats.org/drawingml/2006/main" sz="1700" i="1">
+                            <a:solidFill>
+                              <a:srgbClr val="000000"/>
+                            </a:solidFill>
+                            <a:latin typeface="Cambria Math" panose="02040503050406030204" pitchFamily="18" charset="0"/>
+                          </a:rPr>
+                          <m:t>=</m:t>
+                        </m:r>
+                        <m:r>
+                          <a:rPr xmlns:a="http://schemas.openxmlformats.org/drawingml/2006/main" sz="1700" i="1">
+                            <a:solidFill>
+                              <a:srgbClr val="000000"/>
+                            </a:solidFill>
+                            <a:latin typeface="Cambria Math" panose="02040503050406030204" pitchFamily="18" charset="0"/>
+                          </a:rPr>
+                          <m:t>141.501</m:t>
+                        </m:r>
+                      </m:oMath>
+                    </m:oMathPara>
+                  </a14:m>
+                </a:p>
+                <a:p>
+                  <a:pPr lvl="2">
+                    <a:spcBef>
+                      <a:spcPts val="1000"/>
+                    </a:spcBef>
+                    <a:defRPr sz="1600">
+                      <a:latin typeface="Calibri"/>
+                      <a:ea typeface="Calibri"/>
+                      <a:cs typeface="Calibri"/>
+                      <a:sym typeface="Calibri"/>
+                    </a:defRPr>
+                  </a:pPr>
+                  <a:r>
+                    <a:t>Substituting the values of the constants </a:t>
+                  </a:r>
+                  <a14:m>
+                    <m:oMath>
+                      <m:sSub>
+                        <m:e>
+                          <m:r>
+                            <a:rPr xmlns:a="http://schemas.openxmlformats.org/drawingml/2006/main" sz="1800" i="1">
+                              <a:solidFill>
+                                <a:srgbClr val="000000"/>
+                              </a:solidFill>
+                              <a:latin typeface="Cambria Math" panose="02040503050406030204" pitchFamily="18" charset="0"/>
+                            </a:rPr>
+                            <m:t>S</m:t>
+                          </m:r>
+                        </m:e>
+                        <m:sub>
+                          <m:r>
+                            <a:rPr xmlns:a="http://schemas.openxmlformats.org/drawingml/2006/main" sz="1800" i="1">
+                              <a:solidFill>
+                                <a:srgbClr val="000000"/>
+                              </a:solidFill>
+                              <a:latin typeface="Cambria Math" panose="02040503050406030204" pitchFamily="18" charset="0"/>
+                            </a:rPr>
+                            <m:t>0</m:t>
+                          </m:r>
+                        </m:sub>
+                      </m:sSub>
+                    </m:oMath>
+                  </a14:m>
+                  <a:r>
+                    <a:t>, </a:t>
+                  </a:r>
+                  <a14:m>
+                    <m:oMath>
+                      <m:r>
+                        <a:rPr xmlns:a="http://schemas.openxmlformats.org/drawingml/2006/main" sz="1750" i="1">
+                          <a:solidFill>
+                            <a:srgbClr val="000000"/>
+                          </a:solidFill>
+                          <a:latin typeface="Cambria Math" panose="02040503050406030204" pitchFamily="18" charset="0"/>
+                        </a:rPr>
+                        <m:t>μ</m:t>
+                      </m:r>
+                    </m:oMath>
+                  </a14:m>
+                  <a:r>
+                    <a:t>, and </a:t>
+                  </a:r>
+                  <a14:m>
+                    <m:oMath>
+                      <m:r>
+                        <a:rPr xmlns:a="http://schemas.openxmlformats.org/drawingml/2006/main" sz="1700" i="1">
+                          <a:solidFill>
+                            <a:srgbClr val="000000"/>
+                          </a:solidFill>
+                          <a:latin typeface="Cambria Math" panose="02040503050406030204" pitchFamily="18" charset="0"/>
+                        </a:rPr>
+                        <m:t>σ</m:t>
+                      </m:r>
+                    </m:oMath>
+                  </a14:m>
+                  <a:r>
+                    <a:t>,</a:t>
+                  </a:r>
+                </a:p>
+                <a:p>
+                  <a:pPr lvl="2" algn="ctr">
+                    <a:spcBef>
+                      <a:spcPts val="1000"/>
+                    </a:spcBef>
+                    <a:defRPr sz="1600">
+                      <a:latin typeface="Calibri"/>
+                      <a:ea typeface="Calibri"/>
+                      <a:cs typeface="Calibri"/>
+                      <a:sym typeface="Calibri"/>
+                    </a:defRPr>
+                  </a:pPr>
+                  <a14:m>
+                    <m:oMathPara>
+                      <m:oMathParaPr>
+                        <m:jc m:val="center"/>
+                      </m:oMathParaPr>
+                      <m:oMath>
+                        <m:sSub>
+                          <m:e>
                             <m:r>
-                              <a:rPr xmlns:a="http://schemas.openxmlformats.org/drawingml/2006/main" sz="1700" i="1">
+                              <a:rPr xmlns:a="http://schemas.openxmlformats.org/drawingml/2006/main" sz="1650" i="1">
+                                <a:solidFill>
+                                  <a:srgbClr val="000000"/>
+                                </a:solidFill>
+                                <a:latin typeface="Cambria Math" panose="02040503050406030204" pitchFamily="18" charset="0"/>
+                              </a:rPr>
+                              <m:t>S</m:t>
+                            </m:r>
+                          </m:e>
+                          <m:sub>
+                            <m:r>
+                              <a:rPr xmlns:a="http://schemas.openxmlformats.org/drawingml/2006/main" sz="1650" i="1">
+                                <a:solidFill>
+                                  <a:srgbClr val="000000"/>
+                                </a:solidFill>
+                                <a:latin typeface="Cambria Math" panose="02040503050406030204" pitchFamily="18" charset="0"/>
+                              </a:rPr>
+                              <m:t>t</m:t>
+                            </m:r>
+                          </m:sub>
+                        </m:sSub>
+                        <m:r>
+                          <a:rPr xmlns:a="http://schemas.openxmlformats.org/drawingml/2006/main" sz="1650" i="1">
+                            <a:solidFill>
+                              <a:srgbClr val="000000"/>
+                            </a:solidFill>
+                            <a:latin typeface="Cambria Math" panose="02040503050406030204" pitchFamily="18" charset="0"/>
+                          </a:rPr>
+                          <m:t>=</m:t>
+                        </m:r>
+                        <m:r>
+                          <a:rPr xmlns:a="http://schemas.openxmlformats.org/drawingml/2006/main" sz="1650" i="1">
+                            <a:solidFill>
+                              <a:srgbClr val="000000"/>
+                            </a:solidFill>
+                            <a:latin typeface="Cambria Math" panose="02040503050406030204" pitchFamily="18" charset="0"/>
+                          </a:rPr>
+                          <m:t>141.501</m:t>
+                        </m:r>
+                        <m:sSup>
+                          <m:e>
+                            <m:r>
+                              <m:rPr>
+                                <m:sty m:val="p"/>
+                              </m:rPr>
+                              <a:rPr xmlns:a="http://schemas.openxmlformats.org/drawingml/2006/main" sz="1650" i="1">
+                                <a:solidFill>
+                                  <a:srgbClr val="000000"/>
+                                </a:solidFill>
+                                <a:latin typeface="Cambria Math" panose="02040503050406030204" pitchFamily="18" charset="0"/>
+                              </a:rPr>
+                              <m:t>e</m:t>
+                            </m:r>
+                          </m:e>
+                          <m:sup>
+                            <m:d>
+                              <m:dPr>
+                                <m:ctrlPr>
+                                  <a:rPr xmlns:a="http://schemas.openxmlformats.org/drawingml/2006/main" sz="1650" i="1">
+                                    <a:solidFill>
+                                      <a:srgbClr val="000000"/>
+                                    </a:solidFill>
+                                    <a:latin typeface="Cambria Math" panose="02040503050406030204" pitchFamily="18" charset="0"/>
+                                  </a:rPr>
+                                </m:ctrlPr>
+                              </m:dPr>
+                              <m:e>
+                                <m:r>
+                                  <a:rPr xmlns:a="http://schemas.openxmlformats.org/drawingml/2006/main" sz="1650" i="1">
+                                    <a:solidFill>
+                                      <a:srgbClr val="000000"/>
+                                    </a:solidFill>
+                                    <a:latin typeface="Cambria Math" panose="02040503050406030204" pitchFamily="18" charset="0"/>
+                                  </a:rPr>
+                                  <m:t>0.00064</m:t>
+                                </m:r>
+                                <m:r>
+                                  <a:rPr xmlns:a="http://schemas.openxmlformats.org/drawingml/2006/main" sz="1650" i="1">
+                                    <a:solidFill>
+                                      <a:srgbClr val="000000"/>
+                                    </a:solidFill>
+                                    <a:latin typeface="Cambria Math" panose="02040503050406030204" pitchFamily="18" charset="0"/>
+                                  </a:rPr>
+                                  <m:t>+</m:t>
+                                </m:r>
+                                <m:f>
+                                  <m:fPr>
+                                    <m:ctrlPr>
+                                      <a:rPr xmlns:a="http://schemas.openxmlformats.org/drawingml/2006/main" sz="1650" i="1">
+                                        <a:solidFill>
+                                          <a:srgbClr val="000000"/>
+                                        </a:solidFill>
+                                        <a:latin typeface="Cambria Math" panose="02040503050406030204" pitchFamily="18" charset="0"/>
+                                      </a:rPr>
+                                    </m:ctrlPr>
+                                    <m:type m:val="bar"/>
+                                  </m:fPr>
+                                  <m:num>
+                                    <m:sSup>
+                                      <m:e>
+                                        <m:r>
+                                          <a:rPr xmlns:a="http://schemas.openxmlformats.org/drawingml/2006/main" sz="1650" i="1">
+                                            <a:solidFill>
+                                              <a:srgbClr val="000000"/>
+                                            </a:solidFill>
+                                            <a:latin typeface="Cambria Math" panose="02040503050406030204" pitchFamily="18" charset="0"/>
+                                          </a:rPr>
+                                          <m:t>4.356</m:t>
+                                        </m:r>
+                                      </m:e>
+                                      <m:sup>
+                                        <m:r>
+                                          <a:rPr xmlns:a="http://schemas.openxmlformats.org/drawingml/2006/main" sz="1650" i="1">
+                                            <a:solidFill>
+                                              <a:srgbClr val="000000"/>
+                                            </a:solidFill>
+                                            <a:latin typeface="Cambria Math" panose="02040503050406030204" pitchFamily="18" charset="0"/>
+                                          </a:rPr>
+                                          <m:t>2</m:t>
+                                        </m:r>
+                                      </m:sup>
+                                    </m:sSup>
+                                  </m:num>
+                                  <m:den>
+                                    <m:r>
+                                      <a:rPr xmlns:a="http://schemas.openxmlformats.org/drawingml/2006/main" sz="1650" i="1">
+                                        <a:solidFill>
+                                          <a:srgbClr val="000000"/>
+                                        </a:solidFill>
+                                        <a:latin typeface="Cambria Math" panose="02040503050406030204" pitchFamily="18" charset="0"/>
+                                      </a:rPr>
+                                      <m:t>2</m:t>
+                                    </m:r>
+                                  </m:den>
+                                </m:f>
+                              </m:e>
+                            </m:d>
+                            <m:r>
+                              <a:rPr xmlns:a="http://schemas.openxmlformats.org/drawingml/2006/main" sz="1650" i="1">
                                 <a:solidFill>
                                   <a:srgbClr val="000000"/>
                                 </a:solidFill>
@@ -14529,7 +14587,7 @@
                               <m:t>t</m:t>
                             </m:r>
                             <m:r>
-                              <a:rPr xmlns:a="http://schemas.openxmlformats.org/drawingml/2006/main" sz="1700" i="1">
+                              <a:rPr xmlns:a="http://schemas.openxmlformats.org/drawingml/2006/main" sz="1650" i="1">
                                 <a:solidFill>
                                   <a:srgbClr val="000000"/>
                                 </a:solidFill>
@@ -14538,7 +14596,7 @@
                               <m:t>+</m:t>
                             </m:r>
                             <m:r>
-                              <a:rPr xmlns:a="http://schemas.openxmlformats.org/drawingml/2006/main" sz="1700" i="1">
+                              <a:rPr xmlns:a="http://schemas.openxmlformats.org/drawingml/2006/main" sz="1650" i="1">
                                 <a:solidFill>
                                   <a:srgbClr val="000000"/>
                                 </a:solidFill>
@@ -14549,7 +14607,7 @@
                             <m:sSub>
                               <m:e>
                                 <m:r>
-                                  <a:rPr xmlns:a="http://schemas.openxmlformats.org/drawingml/2006/main" sz="1700" i="1">
+                                  <a:rPr xmlns:a="http://schemas.openxmlformats.org/drawingml/2006/main" sz="1650" i="1">
                                     <a:solidFill>
                                       <a:srgbClr val="000000"/>
                                     </a:solidFill>
@@ -14560,7 +14618,103 @@
                               </m:e>
                               <m:sub>
                                 <m:r>
-                                  <a:rPr xmlns:a="http://schemas.openxmlformats.org/drawingml/2006/main" sz="1700" i="1">
+                                  <a:rPr xmlns:a="http://schemas.openxmlformats.org/drawingml/2006/main" sz="1650" i="1">
+                                    <a:solidFill>
+                                      <a:srgbClr val="000000"/>
+                                    </a:solidFill>
+                                    <a:latin typeface="Cambria Math" panose="02040503050406030204" pitchFamily="18" charset="0"/>
+                                  </a:rPr>
+                                  <m:t>t</m:t>
+                                </m:r>
+                              </m:sub>
+                            </m:sSub>
+                          </m:sup>
+                        </m:sSup>
+                        <m:r>
+                          <a:rPr xmlns:a="http://schemas.openxmlformats.org/drawingml/2006/main" sz="1650" i="1">
+                            <a:solidFill>
+                              <a:srgbClr val="000000"/>
+                            </a:solidFill>
+                            <a:latin typeface="Cambria Math" panose="02040503050406030204" pitchFamily="18" charset="0"/>
+                          </a:rPr>
+                          <m:t>=</m:t>
+                        </m:r>
+                        <m:r>
+                          <a:rPr xmlns:a="http://schemas.openxmlformats.org/drawingml/2006/main" sz="1650" i="1">
+                            <a:solidFill>
+                              <a:srgbClr val="000000"/>
+                            </a:solidFill>
+                            <a:latin typeface="Cambria Math" panose="02040503050406030204" pitchFamily="18" charset="0"/>
+                          </a:rPr>
+                          <m:t>141.501</m:t>
+                        </m:r>
+                        <m:sSup>
+                          <m:e>
+                            <m:r>
+                              <m:rPr>
+                                <m:sty m:val="p"/>
+                              </m:rPr>
+                              <a:rPr xmlns:a="http://schemas.openxmlformats.org/drawingml/2006/main" sz="1650" i="1">
+                                <a:solidFill>
+                                  <a:srgbClr val="000000"/>
+                                </a:solidFill>
+                                <a:latin typeface="Cambria Math" panose="02040503050406030204" pitchFamily="18" charset="0"/>
+                              </a:rPr>
+                              <m:t>e</m:t>
+                            </m:r>
+                          </m:e>
+                          <m:sup>
+                            <m:r>
+                              <a:rPr xmlns:a="http://schemas.openxmlformats.org/drawingml/2006/main" sz="1650" i="1">
+                                <a:solidFill>
+                                  <a:srgbClr val="000000"/>
+                                </a:solidFill>
+                                <a:latin typeface="Cambria Math" panose="02040503050406030204" pitchFamily="18" charset="0"/>
+                              </a:rPr>
+                              <m:t>9.488</m:t>
+                            </m:r>
+                            <m:r>
+                              <a:rPr xmlns:a="http://schemas.openxmlformats.org/drawingml/2006/main" sz="1650" i="1">
+                                <a:solidFill>
+                                  <a:srgbClr val="000000"/>
+                                </a:solidFill>
+                                <a:latin typeface="Cambria Math" panose="02040503050406030204" pitchFamily="18" charset="0"/>
+                              </a:rPr>
+                              <m:t>t</m:t>
+                            </m:r>
+                            <m:r>
+                              <a:rPr xmlns:a="http://schemas.openxmlformats.org/drawingml/2006/main" sz="1650" i="1">
+                                <a:solidFill>
+                                  <a:srgbClr val="000000"/>
+                                </a:solidFill>
+                                <a:latin typeface="Cambria Math" panose="02040503050406030204" pitchFamily="18" charset="0"/>
+                              </a:rPr>
+                              <m:t>+</m:t>
+                            </m:r>
+                            <m:r>
+                              <a:rPr xmlns:a="http://schemas.openxmlformats.org/drawingml/2006/main" sz="1650" i="1">
+                                <a:solidFill>
+                                  <a:srgbClr val="000000"/>
+                                </a:solidFill>
+                                <a:latin typeface="Cambria Math" panose="02040503050406030204" pitchFamily="18" charset="0"/>
+                              </a:rPr>
+                              <m:t>4.356</m:t>
+                            </m:r>
+                            <m:sSub>
+                              <m:e>
+                                <m:r>
+                                  <a:rPr xmlns:a="http://schemas.openxmlformats.org/drawingml/2006/main" sz="1650" i="1">
+                                    <a:solidFill>
+                                      <a:srgbClr val="000000"/>
+                                    </a:solidFill>
+                                    <a:latin typeface="Cambria Math" panose="02040503050406030204" pitchFamily="18" charset="0"/>
+                                  </a:rPr>
+                                  <m:t>W</m:t>
+                                </m:r>
+                              </m:e>
+                              <m:sub>
+                                <m:r>
+                                  <a:rPr xmlns:a="http://schemas.openxmlformats.org/drawingml/2006/main" sz="1650" i="1">
                                     <a:solidFill>
                                       <a:srgbClr val="000000"/>
                                     </a:solidFill>
@@ -14578,9 +14732,6 @@
                 </a:p>
                 <a:p>
                   <a:pPr lvl="2">
-                    <a:lnSpc>
-                      <a:spcPct val="115000"/>
-                    </a:lnSpc>
                     <a:spcBef>
                       <a:spcPts val="1000"/>
                     </a:spcBef>
@@ -14592,46 +14743,544 @@
                     </a:defRPr>
                   </a:pPr>
                   <a:r>
-                    <a:t>In MatLab,</a:t>
+                    <a:t>In MatLab</a:t>
                   </a:r>
+                </a:p>
+                <a:p>
+                  <a:pPr defTabSz="457200">
+                    <a:defRPr sz="1600">
+                      <a:latin typeface="Courier"/>
+                      <a:ea typeface="Courier"/>
+                      <a:cs typeface="Courier"/>
+                      <a:sym typeface="Courier"/>
+                    </a:defRPr>
+                  </a:pPr>
+                  <a:r>
+                    <a:t>close </a:t>
+                  </a:r>
+                  <a:r>
+                    <a:rPr>
+                      <a:solidFill>
+                        <a:srgbClr val="B83AF7"/>
+                      </a:solidFill>
+                    </a:rPr>
+                    <a:t>all</a:t>
+                  </a:r>
+                  <a:r>
+                    <a:t>;</a:t>
+                  </a:r>
+                </a:p>
+                <a:p>
+                  <a:pPr defTabSz="457200">
+                    <a:defRPr sz="1600">
+                      <a:latin typeface="Courier"/>
+                      <a:ea typeface="Courier"/>
+                      <a:cs typeface="Courier"/>
+                      <a:sym typeface="Courier"/>
+                    </a:defRPr>
+                  </a:pPr>
+                  <a:r>
+                    <a:t>clear </a:t>
+                  </a:r>
+                  <a:r>
+                    <a:rPr>
+                      <a:solidFill>
+                        <a:srgbClr val="B83AF7"/>
+                      </a:solidFill>
+                    </a:rPr>
+                    <a:t>all</a:t>
+                  </a:r>
+                  <a:r>
+                    <a:t>;</a:t>
+                  </a:r>
+                </a:p>
+                <a:p>
+                  <a:pPr defTabSz="457200">
+                    <a:defRPr sz="1600">
+                      <a:latin typeface="Courier"/>
+                      <a:ea typeface="Courier"/>
+                      <a:cs typeface="Courier"/>
+                      <a:sym typeface="Courier"/>
+                    </a:defRPr>
+                  </a:pPr>
+                </a:p>
+                <a:p>
+                  <a:pPr defTabSz="457200">
+                    <a:defRPr sz="1600">
+                      <a:latin typeface="Courier"/>
+                      <a:ea typeface="Courier"/>
+                      <a:cs typeface="Courier"/>
+                      <a:sym typeface="Courier"/>
+                    </a:defRPr>
+                  </a:pPr>
+                  <a:r>
+                    <a:t>dom = [0, 30];</a:t>
+                  </a:r>
+                </a:p>
+                <a:p>
+                  <a:pPr defTabSz="457200">
+                    <a:defRPr sz="1600">
+                      <a:latin typeface="Courier"/>
+                      <a:ea typeface="Courier"/>
+                      <a:cs typeface="Courier"/>
+                      <a:sym typeface="Courier"/>
+                    </a:defRPr>
+                  </a:pPr>
+                  <a:r>
+                    <a:t>n = 1000;</a:t>
+                  </a:r>
+                </a:p>
+                <a:p>
+                  <a:pPr defTabSz="457200">
+                    <a:defRPr sz="1600">
+                      <a:latin typeface="Courier"/>
+                      <a:ea typeface="Courier"/>
+                      <a:cs typeface="Courier"/>
+                      <a:sym typeface="Courier"/>
+                    </a:defRPr>
+                  </a:pPr>
+                  <a:r>
+                    <a:t>dt = (dom(2) - dom(1))/50;</a:t>
+                  </a:r>
+                </a:p>
+                <a:p>
+                  <a:pPr defTabSz="457200">
+                    <a:defRPr sz="1600">
+                      <a:latin typeface="Courier"/>
+                      <a:ea typeface="Courier"/>
+                      <a:cs typeface="Courier"/>
+                      <a:sym typeface="Courier"/>
+                    </a:defRPr>
+                  </a:pPr>
+                  <a:r>
+                    <a:t>S0 = 141.501;</a:t>
+                  </a:r>
+                </a:p>
+                <a:p>
+                  <a:pPr defTabSz="457200">
+                    <a:defRPr sz="1600">
+                      <a:latin typeface="Courier"/>
+                      <a:ea typeface="Courier"/>
+                      <a:cs typeface="Courier"/>
+                      <a:sym typeface="Courier"/>
+                    </a:defRPr>
+                  </a:pPr>
+                </a:p>
+                <a:p>
+                  <a:pPr defTabSz="457200">
+                    <a:defRPr sz="1600">
+                      <a:latin typeface="Courier"/>
+                      <a:ea typeface="Courier"/>
+                      <a:cs typeface="Courier"/>
+                      <a:sym typeface="Courier"/>
+                    </a:defRPr>
+                  </a:pPr>
+                  <a:r>
+                    <a:t>ndist = makedist(</a:t>
+                  </a:r>
+                  <a:r>
+                    <a:rPr>
+                      <a:solidFill>
+                        <a:srgbClr val="B83AF7"/>
+                      </a:solidFill>
+                    </a:rPr>
+                    <a:t>'Normal'</a:t>
+                  </a:r>
+                  <a:r>
+                    <a:t>, 0 , sqrt(dt));</a:t>
+                  </a:r>
+                </a:p>
+                <a:p>
+                  <a:pPr defTabSz="457200">
+                    <a:defRPr sz="1600">
+                      <a:latin typeface="Courier"/>
+                      <a:ea typeface="Courier"/>
+                      <a:cs typeface="Courier"/>
+                      <a:sym typeface="Courier"/>
+                    </a:defRPr>
+                  </a:pPr>
+                </a:p>
+                <a:p>
+                  <a:pPr defTabSz="457200">
+                    <a:defRPr sz="1600">
+                      <a:latin typeface="Courier"/>
+                      <a:ea typeface="Courier"/>
+                      <a:cs typeface="Courier"/>
+                      <a:sym typeface="Courier"/>
+                    </a:defRPr>
+                  </a:pPr>
+                  <a:r>
+                    <a:t>mu = 0.00064;</a:t>
+                  </a:r>
+                </a:p>
+                <a:p>
+                  <a:pPr defTabSz="457200">
+                    <a:defRPr sz="1600">
+                      <a:latin typeface="Courier"/>
+                      <a:ea typeface="Courier"/>
+                      <a:cs typeface="Courier"/>
+                      <a:sym typeface="Courier"/>
+                    </a:defRPr>
+                  </a:pPr>
+                  <a:r>
+                    <a:t>sigma = 4.356;</a:t>
+                  </a:r>
+                </a:p>
+                <a:p>
+                  <a:pPr defTabSz="457200">
+                    <a:defRPr sz="1600">
+                      <a:latin typeface="Courier"/>
+                      <a:ea typeface="Courier"/>
+                      <a:cs typeface="Courier"/>
+                      <a:sym typeface="Courier"/>
+                    </a:defRPr>
+                  </a:pPr>
+                </a:p>
+                <a:p>
+                  <a:pPr defTabSz="457200">
+                    <a:defRPr sz="1600">
+                      <a:latin typeface="Courier"/>
+                      <a:ea typeface="Courier"/>
+                      <a:cs typeface="Courier"/>
+                      <a:sym typeface="Courier"/>
+                    </a:defRPr>
+                  </a:pPr>
+                  <a:r>
+                    <a:t>tvals = linspace(dom(1), dom(2), n);</a:t>
+                  </a:r>
+                </a:p>
+                <a:p>
+                  <a:pPr defTabSz="457200">
+                    <a:defRPr sz="1600">
+                      <a:latin typeface="Courier"/>
+                      <a:ea typeface="Courier"/>
+                      <a:cs typeface="Courier"/>
+                      <a:sym typeface="Courier"/>
+                    </a:defRPr>
+                  </a:pPr>
+                  <a:r>
+                    <a:t>Svals = zeros(1, n);</a:t>
+                  </a:r>
+                </a:p>
+                <a:p>
+                  <a:pPr defTabSz="457200">
+                    <a:defRPr sz="1600">
+                      <a:latin typeface="Courier"/>
+                      <a:ea typeface="Courier"/>
+                      <a:cs typeface="Courier"/>
+                      <a:sym typeface="Courier"/>
+                    </a:defRPr>
+                  </a:pPr>
+                  <a:r>
+                    <a:t>Svals(1) = S0;</a:t>
+                  </a:r>
+                </a:p>
+                <a:p>
+                  <a:pPr defTabSz="457200">
+                    <a:defRPr sz="1600">
+                      <a:latin typeface="Courier"/>
+                      <a:ea typeface="Courier"/>
+                      <a:cs typeface="Courier"/>
+                      <a:sym typeface="Courier"/>
+                    </a:defRPr>
+                  </a:pPr>
+                  <a:r>
+                    <a:rPr>
+                      <a:solidFill>
+                        <a:srgbClr val="1433FF"/>
+                      </a:solidFill>
+                    </a:rPr>
+                    <a:t>for </a:t>
+                  </a:r>
+                  <a:r>
+                    <a:t>i = 2:n</a:t>
+                  </a:r>
+                </a:p>
+                <a:p>
+                  <a:pPr defTabSz="457200">
+                    <a:defRPr sz="1600">
+                      <a:latin typeface="Courier"/>
+                      <a:ea typeface="Courier"/>
+                      <a:cs typeface="Courier"/>
+                      <a:sym typeface="Courier"/>
+                    </a:defRPr>
+                  </a:pPr>
+                  <a:r>
+                    <a:t>    t = dom(1) + (i - 1) .* dt;</a:t>
+                  </a:r>
+                </a:p>
+                <a:p>
+                  <a:pPr defTabSz="457200">
+                    <a:defRPr sz="1600">
+                      <a:latin typeface="Courier"/>
+                      <a:ea typeface="Courier"/>
+                      <a:cs typeface="Courier"/>
+                      <a:sym typeface="Courier"/>
+                    </a:defRPr>
+                  </a:pPr>
+                  <a:r>
+                    <a:t>    S = Svals(i - 1);</a:t>
+                  </a:r>
+                </a:p>
+                <a:p>
+                  <a:pPr defTabSz="457200">
+                    <a:defRPr sz="1600">
+                      <a:latin typeface="Courier"/>
+                      <a:ea typeface="Courier"/>
+                      <a:cs typeface="Courier"/>
+                      <a:sym typeface="Courier"/>
+                    </a:defRPr>
+                  </a:pPr>
+                  <a:r>
+                    <a:t>    dW = random(ndist);</a:t>
+                  </a:r>
+                </a:p>
+                <a:p>
+                  <a:pPr defTabSz="457200">
+                    <a:defRPr sz="1600">
+                      <a:latin typeface="Courier"/>
+                      <a:ea typeface="Courier"/>
+                      <a:cs typeface="Courier"/>
+                      <a:sym typeface="Courier"/>
+                    </a:defRPr>
+                  </a:pPr>
+                  <a:r>
+                    <a:t>    Svals(i) = S + mu .* dt + sigma .* dW</a:t>
+                  </a:r>
+                </a:p>
+                <a:p>
+                  <a:pPr defTabSz="457200">
+                    <a:defRPr sz="1600">
+                      <a:solidFill>
+                        <a:srgbClr val="1433FF"/>
+                      </a:solidFill>
+                      <a:latin typeface="Courier"/>
+                      <a:ea typeface="Courier"/>
+                      <a:cs typeface="Courier"/>
+                      <a:sym typeface="Courier"/>
+                    </a:defRPr>
+                  </a:pPr>
+                  <a:r>
+                    <a:t>end</a:t>
+                  </a:r>
+                </a:p>
+                <a:p>
+                  <a:pPr defTabSz="457200">
+                    <a:defRPr sz="1600">
+                      <a:latin typeface="Courier"/>
+                      <a:ea typeface="Courier"/>
+                      <a:cs typeface="Courier"/>
+                      <a:sym typeface="Courier"/>
+                    </a:defRPr>
+                  </a:pPr>
+                  <a:r>
+                    <a:t>figure()</a:t>
+                  </a:r>
+                </a:p>
+                <a:p>
+                  <a:pPr defTabSz="457200">
+                    <a:defRPr sz="1600">
+                      <a:latin typeface="Courier"/>
+                      <a:ea typeface="Courier"/>
+                      <a:cs typeface="Courier"/>
+                      <a:sym typeface="Courier"/>
+                    </a:defRPr>
+                  </a:pPr>
+                  <a:r>
+                    <a:t>hold </a:t>
+                  </a:r>
+                  <a:r>
+                    <a:rPr>
+                      <a:solidFill>
+                        <a:srgbClr val="B83AF7"/>
+                      </a:solidFill>
+                    </a:rPr>
+                    <a:t>on</a:t>
+                  </a:r>
+                  <a:r>
+                    <a:t>;</a:t>
+                  </a:r>
+                </a:p>
+                <a:p>
+                  <a:pPr defTabSz="457200">
+                    <a:defRPr sz="1600">
+                      <a:latin typeface="Courier"/>
+                      <a:ea typeface="Courier"/>
+                      <a:cs typeface="Courier"/>
+                      <a:sym typeface="Courier"/>
+                    </a:defRPr>
+                  </a:pPr>
+                  <a:r>
+                    <a:t>plot(tvals, Svals);</a:t>
+                  </a:r>
+                </a:p>
+                <a:p>
+                  <a:pPr defTabSz="457200">
+                    <a:defRPr sz="1600">
+                      <a:solidFill>
+                        <a:srgbClr val="B83AF7"/>
+                      </a:solidFill>
+                      <a:latin typeface="Courier"/>
+                      <a:ea typeface="Courier"/>
+                      <a:cs typeface="Courier"/>
+                      <a:sym typeface="Courier"/>
+                    </a:defRPr>
+                  </a:pPr>
+                  <a:r>
+                    <a:rPr>
+                      <a:solidFill>
+                        <a:srgbClr val="000000"/>
+                      </a:solidFill>
+                    </a:rPr>
+                    <a:t>xlabel(</a:t>
+                  </a:r>
+                  <a:r>
+                    <a:t>'time (days from 9/27/22) (t)'</a:t>
+                  </a:r>
+                  <a:r>
+                    <a:rPr>
+                      <a:solidFill>
+                        <a:srgbClr val="000000"/>
+                      </a:solidFill>
+                    </a:rPr>
+                    <a:t>)</a:t>
+                  </a:r>
+                  <a:endParaRPr>
+                    <a:solidFill>
+                      <a:srgbClr val="000000"/>
+                    </a:solidFill>
+                  </a:endParaRPr>
+                </a:p>
+                <a:p>
+                  <a:pPr defTabSz="457200">
+                    <a:defRPr sz="1600">
+                      <a:solidFill>
+                        <a:srgbClr val="B83AF7"/>
+                      </a:solidFill>
+                      <a:latin typeface="Courier"/>
+                      <a:ea typeface="Courier"/>
+                      <a:cs typeface="Courier"/>
+                      <a:sym typeface="Courier"/>
+                    </a:defRPr>
+                  </a:pPr>
+                  <a:r>
+                    <a:rPr>
+                      <a:solidFill>
+                        <a:srgbClr val="000000"/>
+                      </a:solidFill>
+                    </a:rPr>
+                    <a:t>ylabel(</a:t>
+                  </a:r>
+                  <a:r>
+                    <a:t>'stock price (USD) (S_t)'</a:t>
+                  </a:r>
+                  <a:r>
+                    <a:rPr>
+                      <a:solidFill>
+                        <a:srgbClr val="000000"/>
+                      </a:solidFill>
+                    </a:rPr>
+                    <a:t>)</a:t>
+                  </a:r>
+                  <a:endParaRPr>
+                    <a:solidFill>
+                      <a:srgbClr val="000000"/>
+                    </a:solidFill>
+                  </a:endParaRPr>
+                </a:p>
+                <a:p>
+                  <a:pPr defTabSz="457200">
+                    <a:defRPr sz="1600">
+                      <a:latin typeface="Courier"/>
+                      <a:ea typeface="Courier"/>
+                      <a:cs typeface="Courier"/>
+                      <a:sym typeface="Courier"/>
+                    </a:defRPr>
+                  </a:pPr>
+                </a:p>
+                <a:p>
+                  <a:pPr defTabSz="457200">
+                    <a:defRPr sz="1600">
+                      <a:solidFill>
+                        <a:srgbClr val="008F18"/>
+                      </a:solidFill>
+                      <a:latin typeface="Courier"/>
+                      <a:ea typeface="Courier"/>
+                      <a:cs typeface="Courier"/>
+                      <a:sym typeface="Courier"/>
+                    </a:defRPr>
+                  </a:pPr>
+                  <a:r>
+                    <a:t>% Solving for the non-stochastic term</a:t>
+                  </a:r>
+                </a:p>
+                <a:p>
+                  <a:pPr defTabSz="457200">
+                    <a:defRPr sz="1600">
+                      <a:latin typeface="Courier"/>
+                      <a:ea typeface="Courier"/>
+                      <a:cs typeface="Courier"/>
+                      <a:sym typeface="Courier"/>
+                    </a:defRPr>
+                  </a:pPr>
+                  <a:r>
+                    <a:t>syms </a:t>
+                  </a:r>
+                  <a:r>
+                    <a:rPr>
+                      <a:solidFill>
+                        <a:srgbClr val="B83AF7"/>
+                      </a:solidFill>
+                    </a:rPr>
+                    <a:t>s(t)</a:t>
+                  </a:r>
+                  <a:endParaRPr>
+                    <a:solidFill>
+                      <a:srgbClr val="B83AF7"/>
+                    </a:solidFill>
+                  </a:endParaRPr>
+                </a:p>
+                <a:p>
+                  <a:pPr defTabSz="457200">
+                    <a:defRPr sz="1600">
+                      <a:latin typeface="Courier"/>
+                      <a:ea typeface="Courier"/>
+                      <a:cs typeface="Courier"/>
+                      <a:sym typeface="Courier"/>
+                    </a:defRPr>
+                  </a:pPr>
+                  <a:r>
+                    <a:t>ode = diff(s, t) == s;</a:t>
+                  </a:r>
+                </a:p>
+                <a:p>
+                  <a:pPr defTabSz="457200">
+                    <a:defRPr sz="1600">
+                      <a:latin typeface="Courier"/>
+                      <a:ea typeface="Courier"/>
+                      <a:cs typeface="Courier"/>
+                      <a:sym typeface="Courier"/>
+                    </a:defRPr>
+                  </a:pPr>
+                  <a:r>
+                    <a:t>sol(t) = dsolve(ode);</a:t>
+                  </a:r>
+                </a:p>
+                <a:p>
+                  <a:pPr defTabSz="457200">
+                    <a:defRPr sz="1200">
+                      <a:latin typeface="Courier"/>
+                      <a:ea typeface="Courier"/>
+                      <a:cs typeface="Courier"/>
+                      <a:sym typeface="Courier"/>
+                    </a:defRPr>
+                  </a:pPr>
                 </a:p>
               </p:txBody>
             </p:sp>
             <p:pic>
               <p:nvPicPr>
-                <p:cNvPr id="127" name="modelGraph.jpg" descr="modelGraph.jpg"/>
-                <p:cNvPicPr>
-                  <a:picLocks noChangeAspect="1"/>
-                </p:cNvPicPr>
-                <p:nvPr/>
-              </p:nvPicPr>
-              <p:blipFill>
-                <a:blip r:embed="rId3">
-                  <a:extLst/>
-                </a:blip>
-                <a:srcRect l="0" t="0" r="0" b="0"/>
-                <a:stretch>
-                  <a:fillRect/>
-                </a:stretch>
-              </p:blipFill>
-              <p:spPr>
-                <a:xfrm>
-                  <a:off x="9357410" y="13012446"/>
-                  <a:ext cx="2460575" cy="1845431"/>
-                </a:xfrm>
-                <a:prstGeom prst="rect">
-                  <a:avLst/>
-                </a:prstGeom>
-                <a:ln w="12700" cap="flat">
-                  <a:noFill/>
-                  <a:miter lim="400000"/>
-                </a:ln>
-                <a:effectLst/>
-              </p:spPr>
-            </p:pic>
-            <p:pic>
-              <p:nvPicPr>
-                <p:cNvPr id="128" name="sol.png" descr="sol.png"/>
+                <p:cNvPr id="123" name="modelGraph.jpg" descr="modelGraph.jpg"/>
                 <p:cNvPicPr>
                   <a:picLocks noChangeAspect="1"/>
                 </p:cNvPicPr>
@@ -14648,8 +15297,8 @@
               </p:blipFill>
               <p:spPr>
                 <a:xfrm>
-                  <a:off x="10132904" y="15018579"/>
-                  <a:ext cx="909626" cy="1080180"/>
+                  <a:off x="5052346" y="15396545"/>
+                  <a:ext cx="4978331" cy="3733750"/>
                 </a:xfrm>
                 <a:prstGeom prst="rect">
                   <a:avLst/>
@@ -14664,28 +15313,28 @@
           </p:grpSp>
           <p:grpSp>
             <p:nvGrpSpPr>
-              <p:cNvPr id="132" name="Text Box 2"/>
+              <p:cNvPr id="127" name="Text Box 2"/>
               <p:cNvGrpSpPr/>
               <p:nvPr/>
             </p:nvGrpSpPr>
             <p:grpSpPr>
               <a:xfrm>
-                <a:off x="2831774" y="8131829"/>
-                <a:ext cx="20369311" cy="1176721"/>
+                <a:off x="2660446" y="7639836"/>
+                <a:ext cx="19136927" cy="1105527"/>
                 <a:chOff x="0" y="0"/>
-                <a:chExt cx="20369310" cy="1176720"/>
+                <a:chExt cx="19136926" cy="1105526"/>
               </a:xfrm>
             </p:grpSpPr>
             <p:sp>
               <p:nvSpPr>
-                <p:cNvPr id="130" name="Rectangle"/>
+                <p:cNvPr id="125" name="Rectangle"/>
                 <p:cNvSpPr/>
                 <p:nvPr/>
               </p:nvSpPr>
               <p:spPr>
                 <a:xfrm>
                   <a:off x="-1" y="-1"/>
-                  <a:ext cx="20369312" cy="1176722"/>
+                  <a:ext cx="19136927" cy="1105528"/>
                 </a:xfrm>
                 <a:prstGeom prst="rect">
                   <a:avLst/>
@@ -14724,14 +15373,14 @@
             </p:sp>
             <p:sp>
               <p:nvSpPr>
-                <p:cNvPr id="131" name="Introduction"/>
+                <p:cNvPr id="126" name="Introduction"/>
                 <p:cNvSpPr txBox="1"/>
                 <p:nvPr/>
               </p:nvSpPr>
               <p:spPr>
                 <a:xfrm>
                   <a:off x="-1" y="-1"/>
-                  <a:ext cx="20369312" cy="915791"/>
+                  <a:ext cx="19136927" cy="860383"/>
                 </a:xfrm>
                 <a:prstGeom prst="rect">
                   <a:avLst/>
@@ -14750,7 +15399,7 @@
               </p:spPr>
               <p:txBody>
                 <a:bodyPr wrap="square" lIns="0" tIns="0" rIns="0" bIns="0" numCol="1" anchor="t">
-                  <a:spAutoFit/>
+                  <a:noAutofit/>
                 </a:bodyPr>
                 <a:lstStyle>
                   <a:lvl1pPr algn="ctr">
@@ -14784,28 +15433,28 @@
           </p:grpSp>
           <p:grpSp>
             <p:nvGrpSpPr>
-              <p:cNvPr id="135" name="Text Box 2"/>
+              <p:cNvPr id="130" name="Text Box 2"/>
               <p:cNvGrpSpPr/>
               <p:nvPr/>
             </p:nvGrpSpPr>
             <p:grpSpPr>
               <a:xfrm>
-                <a:off x="9323193" y="2499570"/>
-                <a:ext cx="27031882" cy="5117104"/>
+                <a:off x="8759121" y="2348341"/>
+                <a:ext cx="25396399" cy="4890046"/>
                 <a:chOff x="0" y="0"/>
-                <a:chExt cx="27031881" cy="5117103"/>
+                <a:chExt cx="25396398" cy="4890045"/>
               </a:xfrm>
             </p:grpSpPr>
             <p:sp>
               <p:nvSpPr>
-                <p:cNvPr id="133" name="Rectangle"/>
+                <p:cNvPr id="128" name="Rectangle"/>
                 <p:cNvSpPr/>
                 <p:nvPr/>
               </p:nvSpPr>
               <p:spPr>
                 <a:xfrm>
                   <a:off x="0" y="-1"/>
-                  <a:ext cx="27031882" cy="5117105"/>
+                  <a:ext cx="25396399" cy="4807509"/>
                 </a:xfrm>
                 <a:prstGeom prst="rect">
                   <a:avLst/>
@@ -14849,52 +15498,18 @@
             </p:sp>
             <p:sp>
               <p:nvSpPr>
-                <p:cNvPr id="134" name="Stochastically Modeling Stock Price…"/>
-                <p:cNvSpPr/>
+                <p:cNvPr id="129" name="Stochastically Modeling Stock Price…"/>
+                <p:cNvSpPr txBox="1"/>
                 <p:nvPr/>
               </p:nvSpPr>
               <p:spPr>
                 <a:xfrm>
-                  <a:off x="50482" y="4762"/>
-                  <a:ext cx="26930919" cy="1"/>
+                  <a:off x="47428" y="4474"/>
+                  <a:ext cx="25301544" cy="4885572"/>
                 </a:xfrm>
-                <a:custGeom>
+                <a:prstGeom prst="rect">
                   <a:avLst/>
-                  <a:gdLst/>
-                  <a:ahLst/>
-                  <a:cxnLst>
-                    <a:cxn ang="0">
-                      <a:pos x="wd2" y="hd2"/>
-                    </a:cxn>
-                    <a:cxn ang="5400000">
-                      <a:pos x="wd2" y="hd2"/>
-                    </a:cxn>
-                    <a:cxn ang="10800000">
-                      <a:pos x="wd2" y="hd2"/>
-                    </a:cxn>
-                    <a:cxn ang="16200000">
-                      <a:pos x="wd2" y="hd2"/>
-                    </a:cxn>
-                  </a:cxnLst>
-                  <a:rect l="0" t="0" r="r" b="b"/>
-                  <a:pathLst>
-                    <a:path w="21600" h="0" fill="norm" stroke="1" extrusionOk="0">
-                      <a:moveTo>
-                        <a:pt x="0" y="0"/>
-                      </a:moveTo>
-                      <a:lnTo>
-                        <a:pt x="21600" y="0"/>
-                      </a:lnTo>
-                      <a:lnTo>
-                        <a:pt x="21600" y="0"/>
-                      </a:lnTo>
-                      <a:lnTo>
-                        <a:pt x="0" y="0"/>
-                      </a:lnTo>
-                      <a:close/>
-                    </a:path>
-                  </a:pathLst>
-                </a:custGeom>
+                </a:prstGeom>
                 <a:noFill/>
                 <a:ln w="12700" cap="flat">
                   <a:noFill/>
@@ -14909,7 +15524,7 @@
               </p:spPr>
               <p:txBody>
                 <a:bodyPr wrap="square" lIns="45719" tIns="45719" rIns="45719" bIns="45719" numCol="1" anchor="t">
-                  <a:spAutoFit/>
+                  <a:noAutofit/>
                 </a:bodyPr>
                 <a:lstStyle/>
                 <a:p>
@@ -14984,28 +15599,28 @@
           </p:grpSp>
           <p:grpSp>
             <p:nvGrpSpPr>
-              <p:cNvPr id="138" name="Group 57"/>
+              <p:cNvPr id="133" name="Group 57"/>
               <p:cNvGrpSpPr/>
               <p:nvPr/>
             </p:nvGrpSpPr>
             <p:grpSpPr>
               <a:xfrm>
-                <a:off x="-1" y="776726"/>
-                <a:ext cx="1457982" cy="33738550"/>
+                <a:off x="-1" y="729732"/>
+                <a:ext cx="1369772" cy="31697300"/>
                 <a:chOff x="0" y="0"/>
-                <a:chExt cx="1457980" cy="33738549"/>
+                <a:chExt cx="1369770" cy="31697299"/>
               </a:xfrm>
             </p:grpSpPr>
             <p:sp>
               <p:nvSpPr>
-                <p:cNvPr id="136" name="Text Box 2"/>
+                <p:cNvPr id="131" name="Text Box 2"/>
                 <p:cNvSpPr txBox="1"/>
                 <p:nvPr/>
               </p:nvSpPr>
               <p:spPr>
                 <a:xfrm rot="16200000">
-                  <a:off x="-16070559" y="16070558"/>
-                  <a:ext cx="33148347" cy="1007230"/>
+                  <a:off x="-15098257" y="15098256"/>
+                  <a:ext cx="31142803" cy="946290"/>
                 </a:xfrm>
                 <a:prstGeom prst="rect">
                   <a:avLst/>
@@ -15024,7 +15639,7 @@
               </p:spPr>
               <p:txBody>
                 <a:bodyPr wrap="square" lIns="45719" tIns="45719" rIns="45719" bIns="45719" numCol="1" anchor="t">
-                  <a:spAutoFit/>
+                  <a:noAutofit/>
                 </a:bodyPr>
                 <a:lstStyle>
                   <a:lvl1pPr algn="ctr">
@@ -15052,14 +15667,14 @@
             </p:sp>
             <p:sp>
               <p:nvSpPr>
-                <p:cNvPr id="137" name="Straight Arrow Connector 69"/>
+                <p:cNvPr id="132" name="Straight Arrow Connector 69"/>
                 <p:cNvSpPr/>
                 <p:nvPr/>
               </p:nvSpPr>
               <p:spPr>
                 <a:xfrm flipH="1">
-                  <a:off x="1457980" y="820143"/>
-                  <a:ext cx="1" cy="32918407"/>
+                  <a:off x="1369770" y="770523"/>
+                  <a:ext cx="1" cy="30926776"/>
                 </a:xfrm>
                 <a:prstGeom prst="line">
                   <a:avLst/>
@@ -15089,28 +15704,28 @@
           </p:grpSp>
           <p:grpSp>
             <p:nvGrpSpPr>
-              <p:cNvPr id="141" name="Group 58"/>
+              <p:cNvPr id="136" name="Group 58"/>
               <p:cNvGrpSpPr/>
               <p:nvPr/>
             </p:nvGrpSpPr>
             <p:grpSpPr>
               <a:xfrm>
-                <a:off x="2369336" y="0"/>
-                <a:ext cx="47879066" cy="1084173"/>
-                <a:chOff x="0" y="0"/>
-                <a:chExt cx="47879065" cy="1084172"/>
+                <a:off x="2225985" y="-1"/>
+                <a:ext cx="44982288" cy="1018579"/>
+                <a:chOff x="-1" y="0"/>
+                <a:chExt cx="44982286" cy="1018577"/>
               </a:xfrm>
             </p:grpSpPr>
             <p:sp>
               <p:nvSpPr>
-                <p:cNvPr id="139" name="Text Box 2"/>
+                <p:cNvPr id="134" name="Text Box 2"/>
                 <p:cNvSpPr txBox="1"/>
                 <p:nvPr/>
               </p:nvSpPr>
               <p:spPr>
                 <a:xfrm>
-                  <a:off x="540168" y="0"/>
-                  <a:ext cx="47338898" cy="1007230"/>
+                  <a:off x="507487" y="0"/>
+                  <a:ext cx="44474799" cy="946290"/>
                 </a:xfrm>
                 <a:prstGeom prst="rect">
                   <a:avLst/>
@@ -15129,7 +15744,7 @@
               </p:spPr>
               <p:txBody>
                 <a:bodyPr wrap="square" lIns="45719" tIns="45719" rIns="45719" bIns="45719" numCol="1" anchor="t">
-                  <a:spAutoFit/>
+                  <a:noAutofit/>
                 </a:bodyPr>
                 <a:lstStyle>
                   <a:lvl1pPr algn="ctr">
@@ -15157,14 +15772,14 @@
             </p:sp>
             <p:sp>
               <p:nvSpPr>
-                <p:cNvPr id="140" name="Straight Arrow Connector 67"/>
+                <p:cNvPr id="135" name="Straight Arrow Connector 67"/>
                 <p:cNvSpPr/>
                 <p:nvPr/>
               </p:nvSpPr>
               <p:spPr>
                 <a:xfrm flipH="1" flipV="1">
-                  <a:off x="0" y="1084172"/>
-                  <a:ext cx="44029341" cy="1"/>
+                  <a:off x="-1" y="1018577"/>
+                  <a:ext cx="41365478" cy="1"/>
                 </a:xfrm>
                 <a:prstGeom prst="line">
                   <a:avLst/>
@@ -15194,28 +15809,28 @@
           </p:grpSp>
           <p:grpSp>
             <p:nvGrpSpPr>
-              <p:cNvPr id="144" name="Text Box 2"/>
+              <p:cNvPr id="139" name="Text Box 2"/>
               <p:cNvGrpSpPr/>
               <p:nvPr/>
             </p:nvGrpSpPr>
             <p:grpSpPr>
               <a:xfrm>
-                <a:off x="2831774" y="25386200"/>
-                <a:ext cx="20368955" cy="1353283"/>
+                <a:off x="2660446" y="23850282"/>
+                <a:ext cx="19136592" cy="1271407"/>
                 <a:chOff x="0" y="0"/>
-                <a:chExt cx="20368953" cy="1353282"/>
+                <a:chExt cx="19136591" cy="1271405"/>
               </a:xfrm>
             </p:grpSpPr>
             <p:sp>
               <p:nvSpPr>
-                <p:cNvPr id="142" name="Rectangle"/>
+                <p:cNvPr id="137" name="Rectangle"/>
                 <p:cNvSpPr/>
                 <p:nvPr/>
               </p:nvSpPr>
               <p:spPr>
                 <a:xfrm>
                   <a:off x="0" y="-1"/>
-                  <a:ext cx="20368954" cy="1353284"/>
+                  <a:ext cx="19136592" cy="1271407"/>
                 </a:xfrm>
                 <a:prstGeom prst="rect">
                   <a:avLst/>
@@ -15251,14 +15866,14 @@
             </p:sp>
             <p:sp>
               <p:nvSpPr>
-                <p:cNvPr id="143" name="Statistical Data"/>
+                <p:cNvPr id="138" name="Statistical Data"/>
                 <p:cNvSpPr txBox="1"/>
                 <p:nvPr/>
               </p:nvSpPr>
               <p:spPr>
                 <a:xfrm>
                   <a:off x="0" y="-1"/>
-                  <a:ext cx="20368954" cy="915791"/>
+                  <a:ext cx="19136592" cy="860383"/>
                 </a:xfrm>
                 <a:prstGeom prst="rect">
                   <a:avLst/>
@@ -15277,7 +15892,7 @@
               </p:spPr>
               <p:txBody>
                 <a:bodyPr wrap="square" lIns="0" tIns="0" rIns="0" bIns="0" numCol="1" anchor="t">
-                  <a:spAutoFit/>
+                  <a:noAutofit/>
                 </a:bodyPr>
                 <a:lstStyle>
                   <a:lvl1pPr algn="ctr">
@@ -15308,28 +15923,28 @@
           </p:grpSp>
           <p:grpSp>
             <p:nvGrpSpPr>
-              <p:cNvPr id="147" name="Text Box 2"/>
+              <p:cNvPr id="142" name="Text Box 2"/>
               <p:cNvGrpSpPr/>
               <p:nvPr/>
             </p:nvGrpSpPr>
             <p:grpSpPr>
               <a:xfrm>
-                <a:off x="2831693" y="26908360"/>
-                <a:ext cx="20322694" cy="7348955"/>
+                <a:off x="2660370" y="25280349"/>
+                <a:ext cx="19093130" cy="6904327"/>
                 <a:chOff x="0" y="0"/>
-                <a:chExt cx="20322692" cy="7348953"/>
+                <a:chExt cx="19093129" cy="6904326"/>
               </a:xfrm>
             </p:grpSpPr>
             <p:sp>
               <p:nvSpPr>
-                <p:cNvPr id="145" name="Rectangle"/>
+                <p:cNvPr id="140" name="Rectangle"/>
                 <p:cNvSpPr/>
                 <p:nvPr/>
               </p:nvSpPr>
               <p:spPr>
                 <a:xfrm>
                   <a:off x="0" y="0"/>
-                  <a:ext cx="20322693" cy="7014805"/>
+                  <a:ext cx="19093130" cy="6590395"/>
                 </a:xfrm>
                 <a:prstGeom prst="rect">
                   <a:avLst/>
@@ -15373,14 +15988,14 @@
             </p:sp>
             <p:sp>
               <p:nvSpPr>
-                <p:cNvPr id="146" name="Phase 2…"/>
+                <p:cNvPr id="141" name="Rectangle"/>
                 <p:cNvSpPr txBox="1"/>
                 <p:nvPr/>
               </p:nvSpPr>
               <p:spPr>
                 <a:xfrm>
-                  <a:off x="50482" y="4762"/>
-                  <a:ext cx="20221729" cy="7344193"/>
+                  <a:off x="47428" y="4474"/>
+                  <a:ext cx="18998274" cy="6899854"/>
                 </a:xfrm>
                 <a:prstGeom prst="rect">
                   <a:avLst/>
@@ -15391,15 +16006,10 @@
                   <a:miter lim="400000"/>
                 </a:ln>
                 <a:effectLst/>
-                <a:extLst>
-                  <a:ext uri="{C572A759-6A51-4108-AA02-DFA0A04FC94B}">
-                    <ma14:wrappingTextBoxFlag xmlns:ma14="http://schemas.microsoft.com/office/mac/drawingml/2011/main" val="1"/>
-                  </a:ext>
-                </a:extLst>
               </p:spPr>
               <p:txBody>
                 <a:bodyPr wrap="square" lIns="45719" tIns="45719" rIns="45719" bIns="45719" numCol="1" anchor="t">
-                  <a:spAutoFit/>
+                  <a:noAutofit/>
                 </a:bodyPr>
                 <a:lstStyle/>
                 <a:p>
@@ -15417,126 +16027,34 @@
                       <a:sym typeface="Calibri"/>
                     </a:defRPr>
                   </a:pPr>
-                  <a:r>
-                    <a:t> </a:t>
-                  </a:r>
-                </a:p>
-                <a:p>
-                  <a:pPr algn="ctr">
-                    <a:lnSpc>
-                      <a:spcPct val="115000"/>
-                    </a:lnSpc>
-                    <a:spcBef>
-                      <a:spcPts val="1000"/>
-                    </a:spcBef>
-                    <a:defRPr sz="4800">
-                      <a:latin typeface="Calibri"/>
-                      <a:ea typeface="Calibri"/>
-                      <a:cs typeface="Calibri"/>
-                      <a:sym typeface="Calibri"/>
-                    </a:defRPr>
-                  </a:pPr>
-                </a:p>
-                <a:p>
-                  <a:pPr algn="ctr">
-                    <a:lnSpc>
-                      <a:spcPct val="115000"/>
-                    </a:lnSpc>
-                    <a:spcBef>
-                      <a:spcPts val="1000"/>
-                    </a:spcBef>
-                    <a:defRPr sz="7200">
-                      <a:latin typeface="Calibri"/>
-                      <a:ea typeface="Calibri"/>
-                      <a:cs typeface="Calibri"/>
-                      <a:sym typeface="Calibri"/>
-                    </a:defRPr>
-                  </a:pPr>
-                  <a:r>
-                    <a:t>Phase 2</a:t>
-                  </a:r>
-                </a:p>
-                <a:p>
-                  <a:pPr algn="ctr">
-                    <a:lnSpc>
-                      <a:spcPct val="115000"/>
-                    </a:lnSpc>
-                    <a:spcBef>
-                      <a:spcPts val="1000"/>
-                    </a:spcBef>
-                    <a:defRPr sz="4800">
-                      <a:latin typeface="Calibri"/>
-                      <a:ea typeface="Calibri"/>
-                      <a:cs typeface="Calibri"/>
-                      <a:sym typeface="Calibri"/>
-                    </a:defRPr>
-                  </a:pPr>
-                  <a:r>
-                    <a:t>Text of explanations to be 16 point font</a:t>
-                  </a:r>
-                </a:p>
-                <a:p>
-                  <a:pPr algn="ctr">
-                    <a:lnSpc>
-                      <a:spcPct val="115000"/>
-                    </a:lnSpc>
-                    <a:spcBef>
-                      <a:spcPts val="1000"/>
-                    </a:spcBef>
-                    <a:defRPr sz="4800">
-                      <a:latin typeface="Calibri"/>
-                      <a:ea typeface="Calibri"/>
-                      <a:cs typeface="Calibri"/>
-                      <a:sym typeface="Calibri"/>
-                    </a:defRPr>
-                  </a:pPr>
-                  <a:r>
-                    <a:t>All tables and graphs should be organized in logical order</a:t>
-                  </a:r>
-                </a:p>
-                <a:p>
-                  <a:pPr algn="ctr">
-                    <a:lnSpc>
-                      <a:spcPct val="115000"/>
-                    </a:lnSpc>
-                    <a:spcBef>
-                      <a:spcPts val="1000"/>
-                    </a:spcBef>
-                    <a:defRPr sz="4800">
-                      <a:latin typeface="Calibri"/>
-                      <a:ea typeface="Calibri"/>
-                      <a:cs typeface="Calibri"/>
-                      <a:sym typeface="Calibri"/>
-                    </a:defRPr>
-                  </a:pPr>
                 </a:p>
               </p:txBody>
             </p:sp>
           </p:grpSp>
           <p:grpSp>
             <p:nvGrpSpPr>
-              <p:cNvPr id="150" name="Text Box 2"/>
+              <p:cNvPr id="145" name="Text Box 2"/>
               <p:cNvGrpSpPr/>
               <p:nvPr/>
             </p:nvGrpSpPr>
             <p:grpSpPr>
               <a:xfrm>
-                <a:off x="23670818" y="8131829"/>
-                <a:ext cx="10163303" cy="1226417"/>
+                <a:off x="22238686" y="7639836"/>
+                <a:ext cx="9548403" cy="1152216"/>
                 <a:chOff x="0" y="0"/>
-                <a:chExt cx="10163302" cy="1226415"/>
+                <a:chExt cx="9548401" cy="1152215"/>
               </a:xfrm>
             </p:grpSpPr>
             <p:sp>
               <p:nvSpPr>
-                <p:cNvPr id="148" name="Rectangle"/>
+                <p:cNvPr id="143" name="Rectangle"/>
                 <p:cNvSpPr/>
                 <p:nvPr/>
               </p:nvSpPr>
               <p:spPr>
                 <a:xfrm>
                   <a:off x="-1" y="0"/>
-                  <a:ext cx="10163304" cy="1226416"/>
+                  <a:ext cx="9548403" cy="1152216"/>
                 </a:xfrm>
                 <a:prstGeom prst="rect">
                   <a:avLst/>
@@ -15572,14 +16090,14 @@
             </p:sp>
             <p:sp>
               <p:nvSpPr>
-                <p:cNvPr id="149" name="Model Analysis"/>
+                <p:cNvPr id="144" name="Model Analysis"/>
                 <p:cNvSpPr txBox="1"/>
                 <p:nvPr/>
               </p:nvSpPr>
               <p:spPr>
                 <a:xfrm>
                   <a:off x="-1" y="0"/>
-                  <a:ext cx="10163304" cy="915790"/>
+                  <a:ext cx="9548403" cy="860382"/>
                 </a:xfrm>
                 <a:prstGeom prst="rect">
                   <a:avLst/>
@@ -15598,7 +16116,7 @@
               </p:spPr>
               <p:txBody>
                 <a:bodyPr wrap="square" lIns="0" tIns="0" rIns="0" bIns="0" numCol="1" anchor="t">
-                  <a:spAutoFit/>
+                  <a:noAutofit/>
                 </a:bodyPr>
                 <a:lstStyle>
                   <a:lvl1pPr algn="ctr">
@@ -15629,28 +16147,28 @@
           </p:grpSp>
           <p:grpSp>
             <p:nvGrpSpPr>
-              <p:cNvPr id="153" name="Text Box 2"/>
+              <p:cNvPr id="148" name="Text Box 2"/>
               <p:cNvGrpSpPr/>
               <p:nvPr/>
             </p:nvGrpSpPr>
             <p:grpSpPr>
               <a:xfrm>
-                <a:off x="34218469" y="8004955"/>
-                <a:ext cx="11656130" cy="2960311"/>
+                <a:off x="32148183" y="7520639"/>
+                <a:ext cx="10950911" cy="2781206"/>
                 <a:chOff x="0" y="0"/>
-                <a:chExt cx="11656128" cy="2960310"/>
+                <a:chExt cx="10950909" cy="2781205"/>
               </a:xfrm>
             </p:grpSpPr>
             <p:sp>
               <p:nvSpPr>
-                <p:cNvPr id="151" name="Rectangle"/>
+                <p:cNvPr id="146" name="Rectangle"/>
                 <p:cNvSpPr/>
                 <p:nvPr/>
               </p:nvSpPr>
               <p:spPr>
                 <a:xfrm>
                   <a:off x="0" y="-1"/>
-                  <a:ext cx="11656129" cy="2960312"/>
+                  <a:ext cx="10950910" cy="2781207"/>
                 </a:xfrm>
                 <a:prstGeom prst="rect">
                   <a:avLst/>
@@ -15686,14 +16204,14 @@
             </p:sp>
             <p:sp>
               <p:nvSpPr>
-                <p:cNvPr id="152" name="GOOG Price Model"/>
+                <p:cNvPr id="147" name="GOOG Price Model"/>
                 <p:cNvSpPr txBox="1"/>
                 <p:nvPr/>
               </p:nvSpPr>
               <p:spPr>
                 <a:xfrm>
                   <a:off x="0" y="-1"/>
-                  <a:ext cx="11656129" cy="2170759"/>
+                  <a:ext cx="10950910" cy="2039424"/>
                 </a:xfrm>
                 <a:prstGeom prst="rect">
                   <a:avLst/>
@@ -15712,7 +16230,7 @@
               </p:spPr>
               <p:txBody>
                 <a:bodyPr wrap="square" lIns="0" tIns="0" rIns="0" bIns="0" numCol="1" anchor="t">
-                  <a:spAutoFit/>
+                  <a:noAutofit/>
                 </a:bodyPr>
                 <a:lstStyle/>
                 <a:p>
@@ -15759,28 +16277,28 @@
           </p:grpSp>
           <p:grpSp>
             <p:nvGrpSpPr>
-              <p:cNvPr id="156" name="Text Box 2"/>
+              <p:cNvPr id="151" name="Text Box 2"/>
               <p:cNvGrpSpPr/>
               <p:nvPr/>
             </p:nvGrpSpPr>
             <p:grpSpPr>
               <a:xfrm>
-                <a:off x="29990842" y="27754433"/>
-                <a:ext cx="10376820" cy="1353283"/>
+                <a:off x="22417294" y="26154844"/>
+                <a:ext cx="9254811" cy="1206957"/>
                 <a:chOff x="0" y="0"/>
-                <a:chExt cx="10376819" cy="1353282"/>
+                <a:chExt cx="9254809" cy="1206956"/>
               </a:xfrm>
             </p:grpSpPr>
             <p:sp>
               <p:nvSpPr>
-                <p:cNvPr id="154" name="Rectangle"/>
+                <p:cNvPr id="149" name="Rectangle"/>
                 <p:cNvSpPr/>
                 <p:nvPr/>
               </p:nvSpPr>
               <p:spPr>
                 <a:xfrm>
                   <a:off x="-1" y="-1"/>
-                  <a:ext cx="10376821" cy="1353284"/>
+                  <a:ext cx="9254811" cy="1206958"/>
                 </a:xfrm>
                 <a:prstGeom prst="rect">
                   <a:avLst/>
@@ -15816,14 +16334,14 @@
             </p:sp>
             <p:sp>
               <p:nvSpPr>
-                <p:cNvPr id="155" name="Conclusion"/>
+                <p:cNvPr id="150" name="Conclusion"/>
                 <p:cNvSpPr txBox="1"/>
                 <p:nvPr/>
               </p:nvSpPr>
               <p:spPr>
                 <a:xfrm>
                   <a:off x="-1" y="-1"/>
-                  <a:ext cx="10376821" cy="915791"/>
+                  <a:ext cx="9254811" cy="816769"/>
                 </a:xfrm>
                 <a:prstGeom prst="rect">
                   <a:avLst/>
@@ -15842,7 +16360,7 @@
               </p:spPr>
               <p:txBody>
                 <a:bodyPr wrap="square" lIns="0" tIns="0" rIns="0" bIns="0" numCol="1" anchor="t">
-                  <a:spAutoFit/>
+                  <a:noAutofit/>
                 </a:bodyPr>
                 <a:lstStyle>
                   <a:lvl1pPr algn="ctr">
@@ -15873,7 +16391,7 @@
           </p:grpSp>
           <p:pic>
             <p:nvPicPr>
-              <p:cNvPr id="157" name="Picture 64" descr="Picture 64"/>
+              <p:cNvPr id="152" name="Picture 64" descr="Picture 64"/>
               <p:cNvPicPr>
                 <a:picLocks noChangeAspect="1"/>
               </p:cNvPicPr>
@@ -15890,8 +16408,8 @@
             </p:blipFill>
             <p:spPr>
               <a:xfrm>
-                <a:off x="2874662" y="2295774"/>
-                <a:ext cx="5209888" cy="5195189"/>
+                <a:off x="2700739" y="2156874"/>
+                <a:ext cx="4894679" cy="4880870"/>
               </a:xfrm>
               <a:prstGeom prst="rect">
                 <a:avLst/>
@@ -15905,28 +16423,28 @@
           </p:pic>
           <p:grpSp>
             <p:nvGrpSpPr>
-              <p:cNvPr id="160" name="Picture 65"/>
+              <p:cNvPr id="155" name="Picture 65"/>
               <p:cNvGrpSpPr/>
               <p:nvPr/>
             </p:nvGrpSpPr>
             <p:grpSpPr>
               <a:xfrm>
-                <a:off x="37459589" y="2887780"/>
-                <a:ext cx="7750950" cy="4009726"/>
+                <a:off x="35193208" y="2713063"/>
+                <a:ext cx="7282003" cy="3767129"/>
                 <a:chOff x="0" y="0"/>
-                <a:chExt cx="7750949" cy="4009725"/>
+                <a:chExt cx="7282001" cy="3767128"/>
               </a:xfrm>
             </p:grpSpPr>
             <p:sp>
               <p:nvSpPr>
-                <p:cNvPr id="158" name="Rectangle"/>
+                <p:cNvPr id="153" name="Rectangle"/>
                 <p:cNvSpPr/>
                 <p:nvPr/>
               </p:nvSpPr>
               <p:spPr>
                 <a:xfrm>
                   <a:off x="0" y="0"/>
-                  <a:ext cx="7750950" cy="4009726"/>
+                  <a:ext cx="7282002" cy="3767129"/>
                 </a:xfrm>
                 <a:prstGeom prst="rect">
                   <a:avLst/>
@@ -15954,7 +16472,7 @@
             </p:sp>
             <p:pic>
               <p:nvPicPr>
-                <p:cNvPr id="159" name="image2.png" descr="image2.png"/>
+                <p:cNvPr id="154" name="image2.png" descr="image2.png"/>
                 <p:cNvPicPr>
                   <a:picLocks noChangeAspect="1"/>
                 </p:cNvPicPr>
@@ -15971,7 +16489,7 @@
               <p:spPr>
                 <a:xfrm>
                   <a:off x="0" y="0"/>
-                  <a:ext cx="7750950" cy="4009726"/>
+                  <a:ext cx="7282002" cy="3767129"/>
                 </a:xfrm>
                 <a:prstGeom prst="rect">
                   <a:avLst/>
@@ -15984,17 +16502,221 @@
               </p:spPr>
             </p:pic>
           </p:grpSp>
+          <p:sp>
+            <p:nvSpPr>
+              <p:cNvPr id="156" name="This project yielded a model that can be used to predict the stock price of Alphabet Inc using data collected up to the date 10/25/2022, after which the stock price is to be predicted. This model can also be generalized to other stocks by applying the sa"/>
+              <p:cNvSpPr txBox="1"/>
+              <p:nvPr/>
+            </p:nvSpPr>
+            <p:spPr>
+              <a:xfrm>
+                <a:off x="22500499" y="27763547"/>
+                <a:ext cx="9024777" cy="4056939"/>
+              </a:xfrm>
+              <a:prstGeom prst="rect">
+                <a:avLst/>
+              </a:prstGeom>
+              <a:noFill/>
+              <a:ln w="12700" cap="flat">
+                <a:noFill/>
+                <a:miter lim="400000"/>
+              </a:ln>
+              <a:effectLst/>
+              <a:extLst>
+                <a:ext uri="{C572A759-6A51-4108-AA02-DFA0A04FC94B}">
+                  <ma14:wrappingTextBoxFlag xmlns:ma14="http://schemas.microsoft.com/office/mac/drawingml/2011/main" val="1"/>
+                </a:ext>
+              </a:extLst>
+            </p:spPr>
+            <p:txBody>
+              <a:bodyPr wrap="square" lIns="45719" tIns="45719" rIns="45719" bIns="45719" numCol="1" anchor="t">
+                <a:noAutofit/>
+              </a:bodyPr>
+              <a:lstStyle/>
+              <a:p>
+                <a:pPr algn="just" defTabSz="457200">
+                  <a:defRPr sz="1600"/>
+                </a:pPr>
+                <a:r>
+                  <a:t>This project yielded a model that can be used to predict the stock price of Alphabet Inc using data collected up to the date 10/25/2022, after which the stock price is to be predicted. This model can also be generalized to other stocks by applying the same differential equation model with a different set of time-series data of Stock Price (</a:t>
+                </a:r>
+                <a14:m>
+                  <m:oMath>
+                    <m:sSub>
+                      <m:e>
+                        <m:r>
+                          <a:rPr xmlns:a="http://schemas.openxmlformats.org/drawingml/2006/main" sz="1950" i="1">
+                            <a:solidFill>
+                              <a:srgbClr val="000000"/>
+                            </a:solidFill>
+                            <a:latin typeface="Cambria Math" panose="02040503050406030204" pitchFamily="18" charset="0"/>
+                          </a:rPr>
+                          <m:t>S</m:t>
+                        </m:r>
+                      </m:e>
+                      <m:sub>
+                        <m:r>
+                          <a:rPr xmlns:a="http://schemas.openxmlformats.org/drawingml/2006/main" sz="1950" i="1">
+                            <a:solidFill>
+                              <a:srgbClr val="000000"/>
+                            </a:solidFill>
+                            <a:latin typeface="Cambria Math" panose="02040503050406030204" pitchFamily="18" charset="0"/>
+                          </a:rPr>
+                          <m:t>t</m:t>
+                        </m:r>
+                      </m:sub>
+                    </m:sSub>
+                  </m:oMath>
+                </a14:m>
+                <a:r>
+                  <a:rPr baseline="-5999" i="1" sz="960"/>
+                  <a:t>t</a:t>
+                </a:r>
+                <a:r>
+                  <a:t>)</a:t>
+                </a:r>
+                <a:r>
+                  <a:rPr i="1"/>
+                  <a:t> </a:t>
+                </a:r>
+                <a:r>
+                  <a:t>vs. Time (</a:t>
+                </a:r>
+                <a14:m>
+                  <m:oMath>
+                    <m:r>
+                      <a:rPr xmlns:a="http://schemas.openxmlformats.org/drawingml/2006/main" sz="2050" i="1">
+                        <a:solidFill>
+                          <a:srgbClr val="000000"/>
+                        </a:solidFill>
+                        <a:latin typeface="Cambria Math" panose="02040503050406030204" pitchFamily="18" charset="0"/>
+                      </a:rPr>
+                      <m:t>t</m:t>
+                    </m:r>
+                  </m:oMath>
+                </a14:m>
+                <a:r>
+                  <a:t>) of that stock. Modeling stock prices allows more informed decisions to be made, taking into account more accurate predictions to make choices. The model is stochastic, so figuring out how to implement it required an understanding of stochastic calculus. Stochastic calculus is built on both calculus and probability, so learning about it forced us to better understand both. This project made clear the power of differential equations to obtain a family of functions which can be widely applied given parameters and boundary conditions. In this case, it was the initial stock price (</a:t>
+                </a:r>
+                <a14:m>
+                  <m:oMath>
+                    <m:sSub>
+                      <m:e>
+                        <m:r>
+                          <a:rPr xmlns:a="http://schemas.openxmlformats.org/drawingml/2006/main" sz="2000" i="1">
+                            <a:solidFill>
+                              <a:srgbClr val="000000"/>
+                            </a:solidFill>
+                            <a:latin typeface="Cambria Math" panose="02040503050406030204" pitchFamily="18" charset="0"/>
+                          </a:rPr>
+                          <m:t>S</m:t>
+                        </m:r>
+                      </m:e>
+                      <m:sub>
+                        <m:r>
+                          <a:rPr xmlns:a="http://schemas.openxmlformats.org/drawingml/2006/main" sz="2000" i="1">
+                            <a:solidFill>
+                              <a:srgbClr val="000000"/>
+                            </a:solidFill>
+                            <a:latin typeface="Cambria Math" panose="02040503050406030204" pitchFamily="18" charset="0"/>
+                          </a:rPr>
+                          <m:t>0</m:t>
+                        </m:r>
+                      </m:sub>
+                    </m:sSub>
+                  </m:oMath>
+                </a14:m>
+                <a:r>
+                  <a:t>) that was the boundary condition for the initial value problem. </a:t>
+                </a:r>
+                <a:endParaRPr sz="1200">
+                  <a:latin typeface="Times Roman"/>
+                  <a:ea typeface="Times Roman"/>
+                  <a:cs typeface="Times Roman"/>
+                  <a:sym typeface="Times Roman"/>
+                </a:endParaRPr>
+              </a:p>
+              <a:p>
+                <a:pPr defTabSz="457200">
+                  <a:defRPr sz="1200">
+                    <a:latin typeface="Times Roman"/>
+                    <a:ea typeface="Times Roman"/>
+                    <a:cs typeface="Times Roman"/>
+                    <a:sym typeface="Times Roman"/>
+                  </a:defRPr>
+                </a:pPr>
+              </a:p>
+              <a:p>
+                <a:pPr algn="just" defTabSz="457200">
+                  <a:defRPr sz="1600"/>
+                </a:pPr>
+                <a:r>
+                  <a:t>“Employ differential equations to make pragmatic predictions regarding something that is otherwise known to be quite random.” - Arnav Patri</a:t>
+                </a:r>
+                <a:endParaRPr sz="1200">
+                  <a:latin typeface="Times Roman"/>
+                  <a:ea typeface="Times Roman"/>
+                  <a:cs typeface="Times Roman"/>
+                  <a:sym typeface="Times Roman"/>
+                </a:endParaRPr>
+              </a:p>
+              <a:p>
+                <a:pPr defTabSz="457200">
+                  <a:defRPr sz="1200">
+                    <a:latin typeface="Times Roman"/>
+                    <a:ea typeface="Times Roman"/>
+                    <a:cs typeface="Times Roman"/>
+                    <a:sym typeface="Times Roman"/>
+                  </a:defRPr>
+                </a:pPr>
+              </a:p>
+              <a:p>
+                <a:pPr algn="just" defTabSz="457200">
+                  <a:defRPr sz="1600"/>
+                </a:pPr>
+                <a:r>
+                  <a:t>“Employ data to predict future outcomes and obtain quantifiable results by applying mathematics to a real-life problem.” - Shashank Chidige</a:t>
+                </a:r>
+                <a:endParaRPr sz="1200">
+                  <a:latin typeface="Times Roman"/>
+                  <a:ea typeface="Times Roman"/>
+                  <a:cs typeface="Times Roman"/>
+                  <a:sym typeface="Times Roman"/>
+                </a:endParaRPr>
+              </a:p>
+              <a:p>
+                <a:pPr defTabSz="457200">
+                  <a:defRPr sz="1200">
+                    <a:latin typeface="Times Roman"/>
+                    <a:ea typeface="Times Roman"/>
+                    <a:cs typeface="Times Roman"/>
+                    <a:sym typeface="Times Roman"/>
+                  </a:defRPr>
+                </a:pPr>
+              </a:p>
+              <a:p>
+                <a:pPr defTabSz="457200">
+                  <a:defRPr sz="1200">
+                    <a:latin typeface="Times Roman"/>
+                    <a:ea typeface="Times Roman"/>
+                    <a:cs typeface="Times Roman"/>
+                    <a:sym typeface="Times Roman"/>
+                  </a:defRPr>
+                </a:pPr>
+              </a:p>
+            </p:txBody>
+          </p:sp>
         </p:grpSp>
         <p:sp>
           <p:nvSpPr>
-            <p:cNvPr id="162" name="Rectangle 50"/>
+            <p:cNvPr id="158" name="Rectangle 50"/>
             <p:cNvSpPr/>
             <p:nvPr/>
           </p:nvSpPr>
           <p:spPr>
             <a:xfrm>
-              <a:off x="2362193" y="1596875"/>
-              <a:ext cx="43986659" cy="32918038"/>
+              <a:off x="2219276" y="1500261"/>
+              <a:ext cx="41325377" cy="30926428"/>
             </a:xfrm>
             <a:prstGeom prst="rect">
               <a:avLst/>
@@ -16028,6 +16750,263 @@
           </p:txBody>
         </p:sp>
       </p:grpSp>
+      <p:sp>
+        <p:nvSpPr>
+          <p:cNvPr id="160" name="Shape 81"/>
+          <p:cNvSpPr/>
+          <p:nvPr/>
+        </p:nvSpPr>
+        <p:spPr>
+          <a:xfrm>
+            <a:off x="3962400" y="-7119585"/>
+            <a:ext cx="42367200" cy="4572001"/>
+          </a:xfrm>
+          <a:prstGeom prst="rect">
+            <a:avLst/>
+          </a:prstGeom>
+          <a:solidFill>
+            <a:schemeClr val="accent3">
+              <a:lumOff val="44000"/>
+            </a:schemeClr>
+          </a:solidFill>
+          <a:ln w="12700">
+            <a:miter lim="400000"/>
+          </a:ln>
+        </p:spPr>
+        <p:txBody>
+          <a:bodyPr lIns="45719" rIns="45719" anchor="ctr"/>
+          <a:lstStyle/>
+          <a:p>
+            <a:pPr/>
+          </a:p>
+        </p:txBody>
+      </p:sp>
+      <p:sp>
+        <p:nvSpPr>
+          <p:cNvPr id="161" name="Image 2: Example of Stock Market Volatility: Alphabet Inc."/>
+          <p:cNvSpPr txBox="1"/>
+          <p:nvPr/>
+        </p:nvSpPr>
+        <p:spPr>
+          <a:xfrm>
+            <a:off x="14097251" y="12968048"/>
+            <a:ext cx="5299632" cy="313393"/>
+          </a:xfrm>
+          <a:prstGeom prst="rect">
+            <a:avLst/>
+          </a:prstGeom>
+          <a:ln w="12700">
+            <a:miter lim="400000"/>
+          </a:ln>
+          <a:extLst>
+            <a:ext uri="{C572A759-6A51-4108-AA02-DFA0A04FC94B}">
+              <ma14:wrappingTextBoxFlag xmlns:ma14="http://schemas.microsoft.com/office/mac/drawingml/2011/main" val="1"/>
+            </a:ext>
+          </a:extLst>
+        </p:spPr>
+        <p:txBody>
+          <a:bodyPr wrap="none" lIns="45719" rIns="45719">
+            <a:spAutoFit/>
+          </a:bodyPr>
+          <a:lstStyle>
+            <a:lvl1pPr>
+              <a:defRPr sz="1600"/>
+            </a:lvl1pPr>
+          </a:lstStyle>
+          <a:p>
+            <a:pPr/>
+            <a:r>
+              <a:t>Image 2: Example of Stock Market Volatility: Alphabet Inc.</a:t>
+            </a:r>
+          </a:p>
+        </p:txBody>
+      </p:sp>
+      <p:sp>
+        <p:nvSpPr>
+          <p:cNvPr id="162" name="Image 1: A look at the floor of the New York Stock Exchange"/>
+          <p:cNvSpPr txBox="1"/>
+          <p:nvPr/>
+        </p:nvSpPr>
+        <p:spPr>
+          <a:xfrm>
+            <a:off x="13989649" y="18425801"/>
+            <a:ext cx="5514837" cy="313393"/>
+          </a:xfrm>
+          <a:prstGeom prst="rect">
+            <a:avLst/>
+          </a:prstGeom>
+          <a:ln w="12700">
+            <a:miter lim="400000"/>
+          </a:ln>
+          <a:extLst>
+            <a:ext uri="{C572A759-6A51-4108-AA02-DFA0A04FC94B}">
+              <ma14:wrappingTextBoxFlag xmlns:ma14="http://schemas.microsoft.com/office/mac/drawingml/2011/main" val="1"/>
+            </a:ext>
+          </a:extLst>
+        </p:spPr>
+        <p:txBody>
+          <a:bodyPr wrap="none" lIns="45719" rIns="45719">
+            <a:spAutoFit/>
+          </a:bodyPr>
+          <a:lstStyle>
+            <a:lvl1pPr>
+              <a:defRPr sz="1600"/>
+            </a:lvl1pPr>
+          </a:lstStyle>
+          <a:p>
+            <a:pPr/>
+            <a:r>
+              <a:t>Image 1: A look at the floor of the New York Stock Exchange</a:t>
+            </a:r>
+          </a:p>
+        </p:txBody>
+      </p:sp>
+      <p:sp>
+        <p:nvSpPr>
+          <p:cNvPr id="163" name="Sources…"/>
+          <p:cNvSpPr txBox="1"/>
+          <p:nvPr/>
+        </p:nvSpPr>
+        <p:spPr>
+          <a:xfrm>
+            <a:off x="13208252" y="19241627"/>
+            <a:ext cx="7077631" cy="4244341"/>
+          </a:xfrm>
+          <a:prstGeom prst="rect">
+            <a:avLst/>
+          </a:prstGeom>
+          <a:ln w="12700">
+            <a:miter lim="400000"/>
+          </a:ln>
+          <a:extLst>
+            <a:ext uri="{C572A759-6A51-4108-AA02-DFA0A04FC94B}">
+              <ma14:wrappingTextBoxFlag xmlns:ma14="http://schemas.microsoft.com/office/mac/drawingml/2011/main" val="1"/>
+            </a:ext>
+          </a:extLst>
+        </p:spPr>
+        <p:txBody>
+          <a:bodyPr lIns="45719" rIns="45719">
+            <a:spAutoFit/>
+          </a:bodyPr>
+          <a:lstStyle/>
+          <a:p>
+            <a:pPr algn="ctr" defTabSz="457200">
+              <a:spcBef>
+                <a:spcPts val="1200"/>
+              </a:spcBef>
+              <a:defRPr b="1" sz="1600">
+                <a:latin typeface="Times Roman"/>
+                <a:ea typeface="Times Roman"/>
+                <a:cs typeface="Times Roman"/>
+                <a:sym typeface="Times Roman"/>
+              </a:defRPr>
+            </a:pPr>
+            <a:r>
+              <a:t>Sources</a:t>
+            </a:r>
+          </a:p>
+          <a:p>
+            <a:pPr defTabSz="457200">
+              <a:spcBef>
+                <a:spcPts val="1200"/>
+              </a:spcBef>
+              <a:defRPr sz="1600">
+                <a:latin typeface="Times Roman"/>
+                <a:ea typeface="Times Roman"/>
+                <a:cs typeface="Times Roman"/>
+                <a:sym typeface="Times Roman"/>
+              </a:defRPr>
+            </a:pPr>
+            <a:r>
+              <a:t>[1]  Yahoo Finance, Alphabet Inc. (GOOG) Stock Price, News, Quote &amp; history - Yahoo Finance, New York, NY, 2022. </a:t>
+            </a:r>
+            <a:br>
+              <a:rPr sz="1200"/>
+            </a:br>
+            <a:endParaRPr sz="1200"/>
+          </a:p>
+          <a:p>
+            <a:pPr defTabSz="457200">
+              <a:spcBef>
+                <a:spcPts val="1200"/>
+              </a:spcBef>
+              <a:defRPr sz="1600">
+                <a:latin typeface="Times Roman"/>
+                <a:ea typeface="Times Roman"/>
+                <a:cs typeface="Times Roman"/>
+                <a:sym typeface="Times Roman"/>
+              </a:defRPr>
+            </a:pPr>
+            <a:r>
+              <a:t>[2]  Gregory F. Lawler, Stochastic Calculus: An Introduction with Applications, Chicago, IL, 2014. </a:t>
+            </a:r>
+            <a:br>
+              <a:rPr sz="1200"/>
+            </a:br>
+            <a:endParaRPr sz="1200"/>
+          </a:p>
+          <a:p>
+            <a:pPr defTabSz="457200">
+              <a:spcBef>
+                <a:spcPts val="1200"/>
+              </a:spcBef>
+              <a:defRPr sz="1600">
+                <a:latin typeface="Times Roman"/>
+                <a:ea typeface="Times Roman"/>
+                <a:cs typeface="Times Roman"/>
+                <a:sym typeface="Times Roman"/>
+              </a:defRPr>
+            </a:pPr>
+            <a:r>
+              <a:t>[3]  Wenyu Zhang, Introduction to Itˆo’s Lemma, Ithaca, NY, May 6th, 2015 </a:t>
+            </a:r>
+            <a:br>
+              <a:rPr sz="1200"/>
+            </a:br>
+            <a:endParaRPr sz="1200"/>
+          </a:p>
+          <a:p>
+            <a:pPr defTabSz="457200">
+              <a:spcBef>
+                <a:spcPts val="1200"/>
+              </a:spcBef>
+              <a:defRPr sz="1600">
+                <a:latin typeface="Times Roman"/>
+                <a:ea typeface="Times Roman"/>
+                <a:cs typeface="Times Roman"/>
+                <a:sym typeface="Times Roman"/>
+              </a:defRPr>
+            </a:pPr>
+            <a:r>
+              <a:t>[4]  Andrea Chello, A Gentle Introduction to Geometric Brownian Motion in Finance, October 30th, 2020 </a:t>
+            </a:r>
+            <a:br>
+              <a:rPr sz="1200"/>
+            </a:br>
+            <a:endParaRPr sz="1200"/>
+          </a:p>
+          <a:p>
+            <a:pPr defTabSz="457200">
+              <a:spcBef>
+                <a:spcPts val="1200"/>
+              </a:spcBef>
+              <a:defRPr sz="1600">
+                <a:latin typeface="Times Roman"/>
+                <a:ea typeface="Times Roman"/>
+                <a:cs typeface="Times Roman"/>
+                <a:sym typeface="Times Roman"/>
+              </a:defRPr>
+            </a:pPr>
+            <a:r>
+              <a:t>[5]  Charles Zaiontz, Random Walk, 2021 </a:t>
+            </a:r>
+            <a:br>
+              <a:rPr sz="1200"/>
+            </a:br>
+            <a:endParaRPr sz="1200"/>
+          </a:p>
+        </p:txBody>
+      </p:sp>
     </p:spTree>
   </p:cSld>
   <p:clrMapOvr>
